--- a/monitoring_dift_drop/figs_src/diagrams-wide.pptx
+++ b/monitoring_dift_drop/figs_src/diagrams-wide.pptx
@@ -10,6 +10,10 @@
     <p:sldId id="259" r:id="rId4"/>
     <p:sldId id="260" r:id="rId5"/>
     <p:sldId id="261" r:id="rId6"/>
+    <p:sldId id="262" r:id="rId7"/>
+    <p:sldId id="263" r:id="rId8"/>
+    <p:sldId id="264" r:id="rId9"/>
+    <p:sldId id="265" r:id="rId10"/>
   </p:sldIdLst>
   <p:sldSz cx="5303838" cy="10058400"/>
   <p:notesSz cx="4845050" cy="9601200"/>
@@ -292,7 +296,7 @@
           <a:p>
             <a:fld id="{D9DE92D4-3454-4E80-9822-1258D18FA6E8}" type="datetimeFigureOut">
               <a:rPr lang="en-US" smtClean="0"/>
-              <a:t>3/2/2015</a:t>
+              <a:t>3/3/2015</a:t>
             </a:fld>
             <a:endParaRPr lang="en-US"/>
           </a:p>
@@ -462,7 +466,7 @@
           <a:p>
             <a:fld id="{D9DE92D4-3454-4E80-9822-1258D18FA6E8}" type="datetimeFigureOut">
               <a:rPr lang="en-US" smtClean="0"/>
-              <a:t>3/2/2015</a:t>
+              <a:t>3/3/2015</a:t>
             </a:fld>
             <a:endParaRPr lang="en-US"/>
           </a:p>
@@ -642,7 +646,7 @@
           <a:p>
             <a:fld id="{D9DE92D4-3454-4E80-9822-1258D18FA6E8}" type="datetimeFigureOut">
               <a:rPr lang="en-US" smtClean="0"/>
-              <a:t>3/2/2015</a:t>
+              <a:t>3/3/2015</a:t>
             </a:fld>
             <a:endParaRPr lang="en-US"/>
           </a:p>
@@ -812,7 +816,7 @@
           <a:p>
             <a:fld id="{D9DE92D4-3454-4E80-9822-1258D18FA6E8}" type="datetimeFigureOut">
               <a:rPr lang="en-US" smtClean="0"/>
-              <a:t>3/2/2015</a:t>
+              <a:t>3/3/2015</a:t>
             </a:fld>
             <a:endParaRPr lang="en-US"/>
           </a:p>
@@ -1058,7 +1062,7 @@
           <a:p>
             <a:fld id="{D9DE92D4-3454-4E80-9822-1258D18FA6E8}" type="datetimeFigureOut">
               <a:rPr lang="en-US" smtClean="0"/>
-              <a:t>3/2/2015</a:t>
+              <a:t>3/3/2015</a:t>
             </a:fld>
             <a:endParaRPr lang="en-US"/>
           </a:p>
@@ -1346,7 +1350,7 @@
           <a:p>
             <a:fld id="{D9DE92D4-3454-4E80-9822-1258D18FA6E8}" type="datetimeFigureOut">
               <a:rPr lang="en-US" smtClean="0"/>
-              <a:t>3/2/2015</a:t>
+              <a:t>3/3/2015</a:t>
             </a:fld>
             <a:endParaRPr lang="en-US"/>
           </a:p>
@@ -1773,7 +1777,7 @@
           <a:p>
             <a:fld id="{D9DE92D4-3454-4E80-9822-1258D18FA6E8}" type="datetimeFigureOut">
               <a:rPr lang="en-US" smtClean="0"/>
-              <a:t>3/2/2015</a:t>
+              <a:t>3/3/2015</a:t>
             </a:fld>
             <a:endParaRPr lang="en-US"/>
           </a:p>
@@ -1891,7 +1895,7 @@
           <a:p>
             <a:fld id="{D9DE92D4-3454-4E80-9822-1258D18FA6E8}" type="datetimeFigureOut">
               <a:rPr lang="en-US" smtClean="0"/>
-              <a:t>3/2/2015</a:t>
+              <a:t>3/3/2015</a:t>
             </a:fld>
             <a:endParaRPr lang="en-US"/>
           </a:p>
@@ -1986,7 +1990,7 @@
           <a:p>
             <a:fld id="{D9DE92D4-3454-4E80-9822-1258D18FA6E8}" type="datetimeFigureOut">
               <a:rPr lang="en-US" smtClean="0"/>
-              <a:t>3/2/2015</a:t>
+              <a:t>3/3/2015</a:t>
             </a:fld>
             <a:endParaRPr lang="en-US"/>
           </a:p>
@@ -2263,7 +2267,7 @@
           <a:p>
             <a:fld id="{D9DE92D4-3454-4E80-9822-1258D18FA6E8}" type="datetimeFigureOut">
               <a:rPr lang="en-US" smtClean="0"/>
-              <a:t>3/2/2015</a:t>
+              <a:t>3/3/2015</a:t>
             </a:fld>
             <a:endParaRPr lang="en-US"/>
           </a:p>
@@ -2516,7 +2520,7 @@
           <a:p>
             <a:fld id="{D9DE92D4-3454-4E80-9822-1258D18FA6E8}" type="datetimeFigureOut">
               <a:rPr lang="en-US" smtClean="0"/>
-              <a:t>3/2/2015</a:t>
+              <a:t>3/3/2015</a:t>
             </a:fld>
             <a:endParaRPr lang="en-US"/>
           </a:p>
@@ -2729,7 +2733,7 @@
           <a:p>
             <a:fld id="{D9DE92D4-3454-4E80-9822-1258D18FA6E8}" type="datetimeFigureOut">
               <a:rPr lang="en-US" smtClean="0"/>
-              <a:t>3/2/2015</a:t>
+              <a:t>3/3/2015</a:t>
             </a:fld>
             <a:endParaRPr lang="en-US"/>
           </a:p>
@@ -8322,25 +8326,8 @@
                 <a:latin typeface="Arial" pitchFamily="34" charset="0"/>
                 <a:cs typeface="Arial" pitchFamily="34" charset="0"/>
               </a:rPr>
-              <a:t>Dataflow Flag </a:t>
-            </a:r>
-            <a:r>
-              <a:rPr lang="en-US" sz="800" dirty="0" smtClean="0">
-                <a:solidFill>
-                  <a:schemeClr val="tx1"/>
-                </a:solidFill>
-                <a:latin typeface="Arial" pitchFamily="34" charset="0"/>
-                <a:cs typeface="Arial" pitchFamily="34" charset="0"/>
-              </a:rPr>
-              <a:t>RF</a:t>
-            </a:r>
-            <a:endParaRPr lang="en-US" sz="800" dirty="0" smtClean="0">
-              <a:solidFill>
-                <a:schemeClr val="tx1"/>
-              </a:solidFill>
-              <a:latin typeface="Arial" pitchFamily="34" charset="0"/>
-              <a:cs typeface="Arial" pitchFamily="34" charset="0"/>
-            </a:endParaRPr>
+              <a:t>Dataflow Flag RF</a:t>
+            </a:r>
           </a:p>
         </p:txBody>
       </p:sp>
@@ -10328,6 +10315,2948 @@
     <p:extLst>
       <p:ext uri="{BB962C8B-B14F-4D97-AF65-F5344CB8AC3E}">
         <p14:creationId xmlns:p14="http://schemas.microsoft.com/office/powerpoint/2010/main" val="154311924"/>
+      </p:ext>
+    </p:extLst>
+  </p:cSld>
+  <p:clrMapOvr>
+    <a:masterClrMapping/>
+  </p:clrMapOvr>
+</p:sld>
+</file>
+
+<file path=ppt/slides/slide6.xml><?xml version="1.0" encoding="utf-8"?>
+<p:sld xmlns:a="http://schemas.openxmlformats.org/drawingml/2006/main" xmlns:r="http://schemas.openxmlformats.org/officeDocument/2006/relationships" xmlns:p="http://schemas.openxmlformats.org/presentationml/2006/main">
+  <p:cSld>
+    <p:spTree>
+      <p:nvGrpSpPr>
+        <p:cNvPr id="1" name=""/>
+        <p:cNvGrpSpPr/>
+        <p:nvPr/>
+      </p:nvGrpSpPr>
+      <p:grpSpPr>
+        <a:xfrm>
+          <a:off x="0" y="0"/>
+          <a:ext cx="0" cy="0"/>
+          <a:chOff x="0" y="0"/>
+          <a:chExt cx="0" cy="0"/>
+        </a:xfrm>
+      </p:grpSpPr>
+      <p:sp>
+        <p:nvSpPr>
+          <p:cNvPr id="2" name="Rectangle 1"/>
+          <p:cNvSpPr/>
+          <p:nvPr/>
+        </p:nvSpPr>
+        <p:spPr>
+          <a:xfrm>
+            <a:off x="2689871" y="47542"/>
+            <a:ext cx="649117" cy="1247858"/>
+          </a:xfrm>
+          <a:prstGeom prst="rect">
+            <a:avLst/>
+          </a:prstGeom>
+          <a:solidFill>
+            <a:schemeClr val="bg1">
+              <a:lumMod val="75000"/>
+            </a:schemeClr>
+          </a:solidFill>
+          <a:ln>
+            <a:noFill/>
+          </a:ln>
+        </p:spPr>
+        <p:style>
+          <a:lnRef idx="2">
+            <a:schemeClr val="accent1">
+              <a:shade val="50000"/>
+            </a:schemeClr>
+          </a:lnRef>
+          <a:fillRef idx="1">
+            <a:schemeClr val="accent1"/>
+          </a:fillRef>
+          <a:effectRef idx="0">
+            <a:schemeClr val="accent1"/>
+          </a:effectRef>
+          <a:fontRef idx="minor">
+            <a:schemeClr val="lt1"/>
+          </a:fontRef>
+        </p:style>
+        <p:txBody>
+          <a:bodyPr rtlCol="0" anchor="ctr"/>
+          <a:lstStyle/>
+          <a:p>
+            <a:pPr algn="ctr"/>
+            <a:endParaRPr lang="en-US" sz="800">
+              <a:latin typeface="Arial" pitchFamily="34" charset="0"/>
+              <a:cs typeface="Arial" pitchFamily="34" charset="0"/>
+            </a:endParaRPr>
+          </a:p>
+        </p:txBody>
+      </p:sp>
+      <p:cxnSp>
+        <p:nvCxnSpPr>
+          <p:cNvPr id="3" name="Straight Arrow Connector 2"/>
+          <p:cNvCxnSpPr/>
+          <p:nvPr/>
+        </p:nvCxnSpPr>
+        <p:spPr>
+          <a:xfrm flipV="1">
+            <a:off x="1559982" y="28035"/>
+            <a:ext cx="0" cy="1228957"/>
+          </a:xfrm>
+          <a:prstGeom prst="straightConnector1">
+            <a:avLst/>
+          </a:prstGeom>
+          <a:ln w="12700">
+            <a:solidFill>
+              <a:schemeClr val="tx1"/>
+            </a:solidFill>
+            <a:headEnd w="sm" len="sm"/>
+            <a:tailEnd type="arrow" w="sm" len="sm"/>
+          </a:ln>
+        </p:spPr>
+        <p:style>
+          <a:lnRef idx="1">
+            <a:schemeClr val="accent1"/>
+          </a:lnRef>
+          <a:fillRef idx="0">
+            <a:schemeClr val="accent1"/>
+          </a:fillRef>
+          <a:effectRef idx="0">
+            <a:schemeClr val="accent1"/>
+          </a:effectRef>
+          <a:fontRef idx="minor">
+            <a:schemeClr val="tx1"/>
+          </a:fontRef>
+        </p:style>
+      </p:cxnSp>
+      <p:cxnSp>
+        <p:nvCxnSpPr>
+          <p:cNvPr id="4" name="Straight Arrow Connector 3"/>
+          <p:cNvCxnSpPr/>
+          <p:nvPr/>
+        </p:nvCxnSpPr>
+        <p:spPr>
+          <a:xfrm>
+            <a:off x="1426011" y="834539"/>
+            <a:ext cx="2646440" cy="0"/>
+          </a:xfrm>
+          <a:prstGeom prst="straightConnector1">
+            <a:avLst/>
+          </a:prstGeom>
+          <a:ln w="12700">
+            <a:solidFill>
+              <a:schemeClr val="tx1"/>
+            </a:solidFill>
+            <a:headEnd w="sm" len="sm"/>
+            <a:tailEnd type="arrow" w="sm" len="sm"/>
+          </a:ln>
+        </p:spPr>
+        <p:style>
+          <a:lnRef idx="1">
+            <a:schemeClr val="accent1"/>
+          </a:lnRef>
+          <a:fillRef idx="0">
+            <a:schemeClr val="accent1"/>
+          </a:fillRef>
+          <a:effectRef idx="0">
+            <a:schemeClr val="accent1"/>
+          </a:effectRef>
+          <a:fontRef idx="minor">
+            <a:schemeClr val="tx1"/>
+          </a:fontRef>
+        </p:style>
+      </p:cxnSp>
+      <p:sp>
+        <p:nvSpPr>
+          <p:cNvPr id="5" name="Rectangle 4"/>
+          <p:cNvSpPr/>
+          <p:nvPr/>
+        </p:nvSpPr>
+        <p:spPr>
+          <a:xfrm>
+            <a:off x="3814632" y="826035"/>
+            <a:ext cx="437487" cy="200529"/>
+          </a:xfrm>
+          <a:prstGeom prst="rect">
+            <a:avLst/>
+          </a:prstGeom>
+          <a:noFill/>
+          <a:ln>
+            <a:noFill/>
+          </a:ln>
+        </p:spPr>
+        <p:style>
+          <a:lnRef idx="2">
+            <a:schemeClr val="accent2">
+              <a:shade val="50000"/>
+            </a:schemeClr>
+          </a:lnRef>
+          <a:fillRef idx="1">
+            <a:schemeClr val="accent2"/>
+          </a:fillRef>
+          <a:effectRef idx="0">
+            <a:schemeClr val="accent2"/>
+          </a:effectRef>
+          <a:fontRef idx="minor">
+            <a:schemeClr val="lt1"/>
+          </a:fontRef>
+        </p:style>
+        <p:txBody>
+          <a:bodyPr rtlCol="0" anchor="ctr"/>
+          <a:lstStyle/>
+          <a:p>
+            <a:r>
+              <a:rPr lang="en-US" sz="800" dirty="0" smtClean="0">
+                <a:solidFill>
+                  <a:schemeClr val="tx1"/>
+                </a:solidFill>
+                <a:latin typeface="Arial" pitchFamily="34" charset="0"/>
+                <a:cs typeface="Arial" pitchFamily="34" charset="0"/>
+              </a:rPr>
+              <a:t>time</a:t>
+            </a:r>
+            <a:endParaRPr lang="en-US" sz="800" dirty="0">
+              <a:solidFill>
+                <a:schemeClr val="tx1"/>
+              </a:solidFill>
+              <a:latin typeface="Arial" pitchFamily="34" charset="0"/>
+              <a:cs typeface="Arial" pitchFamily="34" charset="0"/>
+            </a:endParaRPr>
+          </a:p>
+        </p:txBody>
+      </p:sp>
+      <p:sp>
+        <p:nvSpPr>
+          <p:cNvPr id="6" name="Rectangle 5"/>
+          <p:cNvSpPr/>
+          <p:nvPr/>
+        </p:nvSpPr>
+        <p:spPr>
+          <a:xfrm>
+            <a:off x="1174541" y="29158"/>
+            <a:ext cx="500160" cy="200529"/>
+          </a:xfrm>
+          <a:prstGeom prst="rect">
+            <a:avLst/>
+          </a:prstGeom>
+          <a:noFill/>
+          <a:ln>
+            <a:noFill/>
+          </a:ln>
+        </p:spPr>
+        <p:style>
+          <a:lnRef idx="2">
+            <a:schemeClr val="accent2">
+              <a:shade val="50000"/>
+            </a:schemeClr>
+          </a:lnRef>
+          <a:fillRef idx="1">
+            <a:schemeClr val="accent2"/>
+          </a:fillRef>
+          <a:effectRef idx="0">
+            <a:schemeClr val="accent2"/>
+          </a:effectRef>
+          <a:fontRef idx="minor">
+            <a:schemeClr val="lt1"/>
+          </a:fontRef>
+        </p:style>
+        <p:txBody>
+          <a:bodyPr rtlCol="0" anchor="ctr"/>
+          <a:lstStyle/>
+          <a:p>
+            <a:r>
+              <a:rPr lang="en-US" sz="800" dirty="0" smtClean="0">
+                <a:solidFill>
+                  <a:schemeClr val="tx1"/>
+                </a:solidFill>
+                <a:latin typeface="Arial" pitchFamily="34" charset="0"/>
+                <a:cs typeface="Arial" pitchFamily="34" charset="0"/>
+              </a:rPr>
+              <a:t>slack</a:t>
+            </a:r>
+            <a:endParaRPr lang="en-US" sz="800" dirty="0">
+              <a:solidFill>
+                <a:schemeClr val="tx1"/>
+              </a:solidFill>
+              <a:latin typeface="Arial" pitchFamily="34" charset="0"/>
+              <a:cs typeface="Arial" pitchFamily="34" charset="0"/>
+            </a:endParaRPr>
+          </a:p>
+        </p:txBody>
+      </p:sp>
+      <p:cxnSp>
+        <p:nvCxnSpPr>
+          <p:cNvPr id="7" name="Straight Arrow Connector 6"/>
+          <p:cNvCxnSpPr/>
+          <p:nvPr/>
+        </p:nvCxnSpPr>
+        <p:spPr>
+          <a:xfrm flipV="1">
+            <a:off x="1559982" y="505173"/>
+            <a:ext cx="345645" cy="128836"/>
+          </a:xfrm>
+          <a:prstGeom prst="straightConnector1">
+            <a:avLst/>
+          </a:prstGeom>
+          <a:ln w="12700">
+            <a:solidFill>
+              <a:srgbClr val="33A02C"/>
+            </a:solidFill>
+            <a:headEnd w="sm" len="sm"/>
+            <a:tailEnd type="triangle" w="med" len="med"/>
+          </a:ln>
+        </p:spPr>
+        <p:style>
+          <a:lnRef idx="1">
+            <a:schemeClr val="accent1"/>
+          </a:lnRef>
+          <a:fillRef idx="0">
+            <a:schemeClr val="accent1"/>
+          </a:fillRef>
+          <a:effectRef idx="0">
+            <a:schemeClr val="accent1"/>
+          </a:effectRef>
+          <a:fontRef idx="minor">
+            <a:schemeClr val="tx1"/>
+          </a:fontRef>
+        </p:style>
+      </p:cxnSp>
+      <p:cxnSp>
+        <p:nvCxnSpPr>
+          <p:cNvPr id="8" name="Straight Connector 7"/>
+          <p:cNvCxnSpPr/>
+          <p:nvPr/>
+        </p:nvCxnSpPr>
+        <p:spPr>
+          <a:xfrm flipH="1">
+            <a:off x="1511419" y="634009"/>
+            <a:ext cx="95890" cy="0"/>
+          </a:xfrm>
+          <a:prstGeom prst="line">
+            <a:avLst/>
+          </a:prstGeom>
+          <a:ln w="12700">
+            <a:solidFill>
+              <a:schemeClr val="tx1"/>
+            </a:solidFill>
+          </a:ln>
+        </p:spPr>
+        <p:style>
+          <a:lnRef idx="1">
+            <a:schemeClr val="accent1"/>
+          </a:lnRef>
+          <a:fillRef idx="0">
+            <a:schemeClr val="accent1"/>
+          </a:fillRef>
+          <a:effectRef idx="0">
+            <a:schemeClr val="accent1"/>
+          </a:effectRef>
+          <a:fontRef idx="minor">
+            <a:schemeClr val="tx1"/>
+          </a:fontRef>
+        </p:style>
+      </p:cxnSp>
+      <p:sp>
+        <p:nvSpPr>
+          <p:cNvPr id="9" name="Rectangle 8"/>
+          <p:cNvSpPr/>
+          <p:nvPr/>
+        </p:nvSpPr>
+        <p:spPr>
+          <a:xfrm>
+            <a:off x="1135241" y="518795"/>
+            <a:ext cx="500160" cy="200529"/>
+          </a:xfrm>
+          <a:prstGeom prst="rect">
+            <a:avLst/>
+          </a:prstGeom>
+          <a:noFill/>
+          <a:ln>
+            <a:noFill/>
+          </a:ln>
+        </p:spPr>
+        <p:style>
+          <a:lnRef idx="2">
+            <a:schemeClr val="accent2">
+              <a:shade val="50000"/>
+            </a:schemeClr>
+          </a:lnRef>
+          <a:fillRef idx="1">
+            <a:schemeClr val="accent2"/>
+          </a:fillRef>
+          <a:effectRef idx="0">
+            <a:schemeClr val="accent2"/>
+          </a:effectRef>
+          <a:fontRef idx="minor">
+            <a:schemeClr val="lt1"/>
+          </a:fontRef>
+        </p:style>
+        <p:txBody>
+          <a:bodyPr rtlCol="0" anchor="ctr"/>
+          <a:lstStyle/>
+          <a:p>
+            <a:r>
+              <a:rPr lang="en-US" sz="800" dirty="0" smtClean="0">
+                <a:solidFill>
+                  <a:schemeClr val="tx1"/>
+                </a:solidFill>
+                <a:latin typeface="Arial" pitchFamily="34" charset="0"/>
+                <a:cs typeface="Arial" pitchFamily="34" charset="0"/>
+              </a:rPr>
+              <a:t>initial slack</a:t>
+            </a:r>
+            <a:endParaRPr lang="en-US" sz="800" dirty="0">
+              <a:solidFill>
+                <a:schemeClr val="tx1"/>
+              </a:solidFill>
+              <a:latin typeface="Arial" pitchFamily="34" charset="0"/>
+              <a:cs typeface="Arial" pitchFamily="34" charset="0"/>
+            </a:endParaRPr>
+          </a:p>
+        </p:txBody>
+      </p:sp>
+      <p:sp>
+        <p:nvSpPr>
+          <p:cNvPr id="10" name="Rectangle 9"/>
+          <p:cNvSpPr/>
+          <p:nvPr/>
+        </p:nvSpPr>
+        <p:spPr>
+          <a:xfrm>
+            <a:off x="2014905" y="47541"/>
+            <a:ext cx="775204" cy="200529"/>
+          </a:xfrm>
+          <a:prstGeom prst="rect">
+            <a:avLst/>
+          </a:prstGeom>
+          <a:noFill/>
+          <a:ln>
+            <a:noFill/>
+          </a:ln>
+        </p:spPr>
+        <p:style>
+          <a:lnRef idx="2">
+            <a:schemeClr val="accent2">
+              <a:shade val="50000"/>
+            </a:schemeClr>
+          </a:lnRef>
+          <a:fillRef idx="1">
+            <a:schemeClr val="accent2"/>
+          </a:fillRef>
+          <a:effectRef idx="0">
+            <a:schemeClr val="accent2"/>
+          </a:effectRef>
+          <a:fontRef idx="minor">
+            <a:schemeClr val="lt1"/>
+          </a:fontRef>
+        </p:style>
+        <p:txBody>
+          <a:bodyPr rtlCol="0" anchor="ctr"/>
+          <a:lstStyle/>
+          <a:p>
+            <a:pPr algn="ctr"/>
+            <a:r>
+              <a:rPr lang="en-US" sz="800" dirty="0" smtClean="0">
+                <a:solidFill>
+                  <a:schemeClr val="tx1"/>
+                </a:solidFill>
+                <a:latin typeface="Arial" pitchFamily="34" charset="0"/>
+                <a:cs typeface="Arial" pitchFamily="34" charset="0"/>
+              </a:rPr>
+              <a:t>monitoring overheads</a:t>
+            </a:r>
+            <a:endParaRPr lang="en-US" sz="800" dirty="0">
+              <a:solidFill>
+                <a:schemeClr val="tx1"/>
+              </a:solidFill>
+              <a:latin typeface="Arial" pitchFamily="34" charset="0"/>
+              <a:cs typeface="Arial" pitchFamily="34" charset="0"/>
+            </a:endParaRPr>
+          </a:p>
+        </p:txBody>
+      </p:sp>
+      <p:cxnSp>
+        <p:nvCxnSpPr>
+          <p:cNvPr id="11" name="Straight Arrow Connector 10"/>
+          <p:cNvCxnSpPr/>
+          <p:nvPr/>
+        </p:nvCxnSpPr>
+        <p:spPr>
+          <a:xfrm>
+            <a:off x="1905627" y="505173"/>
+            <a:ext cx="190634" cy="198834"/>
+          </a:xfrm>
+          <a:prstGeom prst="straightConnector1">
+            <a:avLst/>
+          </a:prstGeom>
+          <a:ln w="12700">
+            <a:solidFill>
+              <a:srgbClr val="E31A1C"/>
+            </a:solidFill>
+            <a:headEnd w="sm" len="sm"/>
+            <a:tailEnd type="triangle" w="med" len="med"/>
+          </a:ln>
+        </p:spPr>
+        <p:style>
+          <a:lnRef idx="1">
+            <a:schemeClr val="accent1"/>
+          </a:lnRef>
+          <a:fillRef idx="0">
+            <a:schemeClr val="accent1"/>
+          </a:fillRef>
+          <a:effectRef idx="0">
+            <a:schemeClr val="accent1"/>
+          </a:effectRef>
+          <a:fontRef idx="minor">
+            <a:schemeClr val="tx1"/>
+          </a:fontRef>
+        </p:style>
+      </p:cxnSp>
+      <p:cxnSp>
+        <p:nvCxnSpPr>
+          <p:cNvPr id="12" name="Straight Arrow Connector 11"/>
+          <p:cNvCxnSpPr/>
+          <p:nvPr/>
+        </p:nvCxnSpPr>
+        <p:spPr>
+          <a:xfrm flipV="1">
+            <a:off x="2096261" y="575171"/>
+            <a:ext cx="345645" cy="128836"/>
+          </a:xfrm>
+          <a:prstGeom prst="straightConnector1">
+            <a:avLst/>
+          </a:prstGeom>
+          <a:ln w="12700">
+            <a:solidFill>
+              <a:srgbClr val="33A02C"/>
+            </a:solidFill>
+            <a:headEnd w="sm" len="sm"/>
+            <a:tailEnd type="triangle" w="med" len="med"/>
+          </a:ln>
+        </p:spPr>
+        <p:style>
+          <a:lnRef idx="1">
+            <a:schemeClr val="accent1"/>
+          </a:lnRef>
+          <a:fillRef idx="0">
+            <a:schemeClr val="accent1"/>
+          </a:fillRef>
+          <a:effectRef idx="0">
+            <a:schemeClr val="accent1"/>
+          </a:effectRef>
+          <a:fontRef idx="minor">
+            <a:schemeClr val="tx1"/>
+          </a:fontRef>
+        </p:style>
+      </p:cxnSp>
+      <p:cxnSp>
+        <p:nvCxnSpPr>
+          <p:cNvPr id="13" name="Straight Arrow Connector 12"/>
+          <p:cNvCxnSpPr/>
+          <p:nvPr/>
+        </p:nvCxnSpPr>
+        <p:spPr>
+          <a:xfrm flipH="1">
+            <a:off x="2000945" y="296869"/>
+            <a:ext cx="210531" cy="272722"/>
+          </a:xfrm>
+          <a:prstGeom prst="straightConnector1">
+            <a:avLst/>
+          </a:prstGeom>
+          <a:ln w="12700">
+            <a:solidFill>
+              <a:schemeClr val="tx1"/>
+            </a:solidFill>
+            <a:headEnd w="sm" len="sm"/>
+            <a:tailEnd type="triangle" w="med" len="med"/>
+          </a:ln>
+        </p:spPr>
+        <p:style>
+          <a:lnRef idx="1">
+            <a:schemeClr val="accent1"/>
+          </a:lnRef>
+          <a:fillRef idx="0">
+            <a:schemeClr val="accent1"/>
+          </a:fillRef>
+          <a:effectRef idx="0">
+            <a:schemeClr val="accent1"/>
+          </a:effectRef>
+          <a:fontRef idx="minor">
+            <a:schemeClr val="tx1"/>
+          </a:fontRef>
+        </p:style>
+      </p:cxnSp>
+      <p:cxnSp>
+        <p:nvCxnSpPr>
+          <p:cNvPr id="14" name="Straight Arrow Connector 13"/>
+          <p:cNvCxnSpPr/>
+          <p:nvPr/>
+        </p:nvCxnSpPr>
+        <p:spPr>
+          <a:xfrm>
+            <a:off x="2562037" y="296659"/>
+            <a:ext cx="0" cy="342930"/>
+          </a:xfrm>
+          <a:prstGeom prst="straightConnector1">
+            <a:avLst/>
+          </a:prstGeom>
+          <a:ln w="12700">
+            <a:solidFill>
+              <a:schemeClr val="tx1"/>
+            </a:solidFill>
+            <a:headEnd w="sm" len="sm"/>
+            <a:tailEnd type="triangle" w="med" len="med"/>
+          </a:ln>
+        </p:spPr>
+        <p:style>
+          <a:lnRef idx="1">
+            <a:schemeClr val="accent1"/>
+          </a:lnRef>
+          <a:fillRef idx="0">
+            <a:schemeClr val="accent1"/>
+          </a:fillRef>
+          <a:effectRef idx="0">
+            <a:schemeClr val="accent1"/>
+          </a:effectRef>
+          <a:fontRef idx="minor">
+            <a:schemeClr val="tx1"/>
+          </a:fontRef>
+        </p:style>
+      </p:cxnSp>
+      <p:cxnSp>
+        <p:nvCxnSpPr>
+          <p:cNvPr id="15" name="Straight Arrow Connector 14"/>
+          <p:cNvCxnSpPr/>
+          <p:nvPr/>
+        </p:nvCxnSpPr>
+        <p:spPr>
+          <a:xfrm>
+            <a:off x="2441906" y="577633"/>
+            <a:ext cx="422455" cy="440627"/>
+          </a:xfrm>
+          <a:prstGeom prst="straightConnector1">
+            <a:avLst/>
+          </a:prstGeom>
+          <a:ln w="12700">
+            <a:solidFill>
+              <a:srgbClr val="E31A1C"/>
+            </a:solidFill>
+            <a:headEnd w="sm" len="sm"/>
+            <a:tailEnd type="triangle" w="med" len="med"/>
+          </a:ln>
+        </p:spPr>
+        <p:style>
+          <a:lnRef idx="1">
+            <a:schemeClr val="accent1"/>
+          </a:lnRef>
+          <a:fillRef idx="0">
+            <a:schemeClr val="accent1"/>
+          </a:fillRef>
+          <a:effectRef idx="0">
+            <a:schemeClr val="accent1"/>
+          </a:effectRef>
+          <a:fontRef idx="minor">
+            <a:schemeClr val="tx1"/>
+          </a:fontRef>
+        </p:style>
+      </p:cxnSp>
+      <p:cxnSp>
+        <p:nvCxnSpPr>
+          <p:cNvPr id="16" name="Straight Arrow Connector 15"/>
+          <p:cNvCxnSpPr/>
+          <p:nvPr/>
+        </p:nvCxnSpPr>
+        <p:spPr>
+          <a:xfrm flipV="1">
+            <a:off x="2864361" y="639531"/>
+            <a:ext cx="1016065" cy="378729"/>
+          </a:xfrm>
+          <a:prstGeom prst="straightConnector1">
+            <a:avLst/>
+          </a:prstGeom>
+          <a:ln w="12700">
+            <a:solidFill>
+              <a:srgbClr val="33A02C"/>
+            </a:solidFill>
+            <a:headEnd w="sm" len="sm"/>
+            <a:tailEnd type="triangle" w="med" len="med"/>
+          </a:ln>
+        </p:spPr>
+        <p:style>
+          <a:lnRef idx="1">
+            <a:schemeClr val="accent1"/>
+          </a:lnRef>
+          <a:fillRef idx="0">
+            <a:schemeClr val="accent1"/>
+          </a:fillRef>
+          <a:effectRef idx="0">
+            <a:schemeClr val="accent1"/>
+          </a:effectRef>
+          <a:fontRef idx="minor">
+            <a:schemeClr val="tx1"/>
+          </a:fontRef>
+        </p:style>
+      </p:cxnSp>
+      <p:sp>
+        <p:nvSpPr>
+          <p:cNvPr id="17" name="Rectangle 16"/>
+          <p:cNvSpPr/>
+          <p:nvPr/>
+        </p:nvSpPr>
+        <p:spPr>
+          <a:xfrm>
+            <a:off x="1744838" y="1056464"/>
+            <a:ext cx="743462" cy="200529"/>
+          </a:xfrm>
+          <a:prstGeom prst="rect">
+            <a:avLst/>
+          </a:prstGeom>
+          <a:noFill/>
+          <a:ln>
+            <a:noFill/>
+          </a:ln>
+        </p:spPr>
+        <p:style>
+          <a:lnRef idx="2">
+            <a:schemeClr val="accent2">
+              <a:shade val="50000"/>
+            </a:schemeClr>
+          </a:lnRef>
+          <a:fillRef idx="1">
+            <a:schemeClr val="accent2"/>
+          </a:fillRef>
+          <a:effectRef idx="0">
+            <a:schemeClr val="accent2"/>
+          </a:effectRef>
+          <a:fontRef idx="minor">
+            <a:schemeClr val="lt1"/>
+          </a:fontRef>
+        </p:style>
+        <p:txBody>
+          <a:bodyPr rtlCol="0" anchor="ctr"/>
+          <a:lstStyle/>
+          <a:p>
+            <a:pPr algn="ctr"/>
+            <a:r>
+              <a:rPr lang="en-US" sz="800" dirty="0" smtClean="0">
+                <a:solidFill>
+                  <a:schemeClr val="tx1"/>
+                </a:solidFill>
+                <a:latin typeface="Arial" pitchFamily="34" charset="0"/>
+                <a:cs typeface="Arial" pitchFamily="34" charset="0"/>
+              </a:rPr>
+              <a:t>perform monitoring</a:t>
+            </a:r>
+            <a:endParaRPr lang="en-US" sz="800" dirty="0">
+              <a:solidFill>
+                <a:schemeClr val="tx1"/>
+              </a:solidFill>
+              <a:latin typeface="Arial" pitchFamily="34" charset="0"/>
+              <a:cs typeface="Arial" pitchFamily="34" charset="0"/>
+            </a:endParaRPr>
+          </a:p>
+        </p:txBody>
+      </p:sp>
+      <p:sp>
+        <p:nvSpPr>
+          <p:cNvPr id="18" name="Rectangle 17"/>
+          <p:cNvSpPr/>
+          <p:nvPr/>
+        </p:nvSpPr>
+        <p:spPr>
+          <a:xfrm>
+            <a:off x="2649581" y="1056464"/>
+            <a:ext cx="729695" cy="200529"/>
+          </a:xfrm>
+          <a:prstGeom prst="rect">
+            <a:avLst/>
+          </a:prstGeom>
+          <a:noFill/>
+          <a:ln>
+            <a:noFill/>
+          </a:ln>
+        </p:spPr>
+        <p:style>
+          <a:lnRef idx="2">
+            <a:schemeClr val="accent2">
+              <a:shade val="50000"/>
+            </a:schemeClr>
+          </a:lnRef>
+          <a:fillRef idx="1">
+            <a:schemeClr val="accent2"/>
+          </a:fillRef>
+          <a:effectRef idx="0">
+            <a:schemeClr val="accent2"/>
+          </a:effectRef>
+          <a:fontRef idx="minor">
+            <a:schemeClr val="lt1"/>
+          </a:fontRef>
+        </p:style>
+        <p:txBody>
+          <a:bodyPr rtlCol="0" anchor="ctr"/>
+          <a:lstStyle/>
+          <a:p>
+            <a:pPr algn="ctr"/>
+            <a:r>
+              <a:rPr lang="en-US" sz="800" dirty="0" smtClean="0">
+                <a:solidFill>
+                  <a:schemeClr val="tx1"/>
+                </a:solidFill>
+                <a:latin typeface="Arial" pitchFamily="34" charset="0"/>
+                <a:cs typeface="Arial" pitchFamily="34" charset="0"/>
+              </a:rPr>
+              <a:t>drop monitoring</a:t>
+            </a:r>
+            <a:endParaRPr lang="en-US" sz="800" dirty="0">
+              <a:solidFill>
+                <a:schemeClr val="tx1"/>
+              </a:solidFill>
+              <a:latin typeface="Arial" pitchFamily="34" charset="0"/>
+              <a:cs typeface="Arial" pitchFamily="34" charset="0"/>
+            </a:endParaRPr>
+          </a:p>
+        </p:txBody>
+      </p:sp>
+      <p:sp>
+        <p:nvSpPr>
+          <p:cNvPr id="19" name="Rectangle 18"/>
+          <p:cNvSpPr/>
+          <p:nvPr/>
+        </p:nvSpPr>
+        <p:spPr>
+          <a:xfrm>
+            <a:off x="3328989" y="1056463"/>
+            <a:ext cx="743462" cy="200529"/>
+          </a:xfrm>
+          <a:prstGeom prst="rect">
+            <a:avLst/>
+          </a:prstGeom>
+          <a:noFill/>
+          <a:ln>
+            <a:noFill/>
+          </a:ln>
+        </p:spPr>
+        <p:style>
+          <a:lnRef idx="2">
+            <a:schemeClr val="accent2">
+              <a:shade val="50000"/>
+            </a:schemeClr>
+          </a:lnRef>
+          <a:fillRef idx="1">
+            <a:schemeClr val="accent2"/>
+          </a:fillRef>
+          <a:effectRef idx="0">
+            <a:schemeClr val="accent2"/>
+          </a:effectRef>
+          <a:fontRef idx="minor">
+            <a:schemeClr val="lt1"/>
+          </a:fontRef>
+        </p:style>
+        <p:txBody>
+          <a:bodyPr rtlCol="0" anchor="ctr"/>
+          <a:lstStyle/>
+          <a:p>
+            <a:pPr algn="ctr"/>
+            <a:r>
+              <a:rPr lang="en-US" sz="800" dirty="0" smtClean="0">
+                <a:solidFill>
+                  <a:schemeClr val="tx1"/>
+                </a:solidFill>
+                <a:latin typeface="Arial" pitchFamily="34" charset="0"/>
+                <a:cs typeface="Arial" pitchFamily="34" charset="0"/>
+              </a:rPr>
+              <a:t>perform monitoring</a:t>
+            </a:r>
+            <a:endParaRPr lang="en-US" sz="800" dirty="0">
+              <a:solidFill>
+                <a:schemeClr val="tx1"/>
+              </a:solidFill>
+              <a:latin typeface="Arial" pitchFamily="34" charset="0"/>
+              <a:cs typeface="Arial" pitchFamily="34" charset="0"/>
+            </a:endParaRPr>
+          </a:p>
+        </p:txBody>
+      </p:sp>
+    </p:spTree>
+    <p:extLst>
+      <p:ext uri="{BB962C8B-B14F-4D97-AF65-F5344CB8AC3E}">
+        <p14:creationId xmlns:p14="http://schemas.microsoft.com/office/powerpoint/2010/main" val="2149328717"/>
+      </p:ext>
+    </p:extLst>
+  </p:cSld>
+  <p:clrMapOvr>
+    <a:masterClrMapping/>
+  </p:clrMapOvr>
+</p:sld>
+</file>
+
+<file path=ppt/slides/slide7.xml><?xml version="1.0" encoding="utf-8"?>
+<p:sld xmlns:a="http://schemas.openxmlformats.org/drawingml/2006/main" xmlns:r="http://schemas.openxmlformats.org/officeDocument/2006/relationships" xmlns:p="http://schemas.openxmlformats.org/presentationml/2006/main">
+  <p:cSld>
+    <p:spTree>
+      <p:nvGrpSpPr>
+        <p:cNvPr id="1" name=""/>
+        <p:cNvGrpSpPr/>
+        <p:nvPr/>
+      </p:nvGrpSpPr>
+      <p:grpSpPr>
+        <a:xfrm>
+          <a:off x="0" y="0"/>
+          <a:ext cx="0" cy="0"/>
+          <a:chOff x="0" y="0"/>
+          <a:chExt cx="0" cy="0"/>
+        </a:xfrm>
+      </p:grpSpPr>
+      <p:sp>
+        <p:nvSpPr>
+          <p:cNvPr id="2" name="Oval 1"/>
+          <p:cNvSpPr/>
+          <p:nvPr/>
+        </p:nvSpPr>
+        <p:spPr>
+          <a:xfrm>
+            <a:off x="1600925" y="59789"/>
+            <a:ext cx="230429" cy="230429"/>
+          </a:xfrm>
+          <a:prstGeom prst="ellipse">
+            <a:avLst/>
+          </a:prstGeom>
+          <a:solidFill>
+            <a:srgbClr val="A6CEE3"/>
+          </a:solidFill>
+          <a:ln w="12700">
+            <a:solidFill>
+              <a:schemeClr val="tx1"/>
+            </a:solidFill>
+          </a:ln>
+        </p:spPr>
+        <p:style>
+          <a:lnRef idx="2">
+            <a:schemeClr val="accent1">
+              <a:shade val="50000"/>
+            </a:schemeClr>
+          </a:lnRef>
+          <a:fillRef idx="1">
+            <a:schemeClr val="accent1"/>
+          </a:fillRef>
+          <a:effectRef idx="0">
+            <a:schemeClr val="accent1"/>
+          </a:effectRef>
+          <a:fontRef idx="minor">
+            <a:schemeClr val="lt1"/>
+          </a:fontRef>
+        </p:style>
+        <p:txBody>
+          <a:bodyPr rtlCol="0" anchor="ctr"/>
+          <a:lstStyle/>
+          <a:p>
+            <a:pPr algn="ctr"/>
+            <a:r>
+              <a:rPr lang="en-US" sz="800" dirty="0" smtClean="0">
+                <a:solidFill>
+                  <a:schemeClr val="tx1"/>
+                </a:solidFill>
+                <a:latin typeface="Arial" pitchFamily="34" charset="0"/>
+                <a:cs typeface="Arial" pitchFamily="34" charset="0"/>
+              </a:rPr>
+              <a:t>A</a:t>
+            </a:r>
+            <a:endParaRPr lang="en-US" sz="800" dirty="0">
+              <a:solidFill>
+                <a:schemeClr val="tx1"/>
+              </a:solidFill>
+              <a:latin typeface="Arial" pitchFamily="34" charset="0"/>
+              <a:cs typeface="Arial" pitchFamily="34" charset="0"/>
+            </a:endParaRPr>
+          </a:p>
+        </p:txBody>
+      </p:sp>
+      <p:sp>
+        <p:nvSpPr>
+          <p:cNvPr id="3" name="Oval 2"/>
+          <p:cNvSpPr/>
+          <p:nvPr/>
+        </p:nvSpPr>
+        <p:spPr>
+          <a:xfrm>
+            <a:off x="2073847" y="59791"/>
+            <a:ext cx="230429" cy="230429"/>
+          </a:xfrm>
+          <a:prstGeom prst="ellipse">
+            <a:avLst/>
+          </a:prstGeom>
+          <a:solidFill>
+            <a:srgbClr val="A6CEE3"/>
+          </a:solidFill>
+          <a:ln w="12700">
+            <a:solidFill>
+              <a:schemeClr val="tx1"/>
+            </a:solidFill>
+          </a:ln>
+        </p:spPr>
+        <p:style>
+          <a:lnRef idx="2">
+            <a:schemeClr val="accent1">
+              <a:shade val="50000"/>
+            </a:schemeClr>
+          </a:lnRef>
+          <a:fillRef idx="1">
+            <a:schemeClr val="accent1"/>
+          </a:fillRef>
+          <a:effectRef idx="0">
+            <a:schemeClr val="accent1"/>
+          </a:effectRef>
+          <a:fontRef idx="minor">
+            <a:schemeClr val="lt1"/>
+          </a:fontRef>
+        </p:style>
+        <p:txBody>
+          <a:bodyPr rtlCol="0" anchor="ctr"/>
+          <a:lstStyle/>
+          <a:p>
+            <a:pPr algn="ctr"/>
+            <a:r>
+              <a:rPr lang="en-US" sz="800" dirty="0" smtClean="0">
+                <a:solidFill>
+                  <a:schemeClr val="tx1"/>
+                </a:solidFill>
+                <a:latin typeface="Arial" pitchFamily="34" charset="0"/>
+                <a:cs typeface="Arial" pitchFamily="34" charset="0"/>
+              </a:rPr>
+              <a:t>B</a:t>
+            </a:r>
+            <a:endParaRPr lang="en-US" sz="800" dirty="0">
+              <a:solidFill>
+                <a:schemeClr val="tx1"/>
+              </a:solidFill>
+              <a:latin typeface="Arial" pitchFamily="34" charset="0"/>
+              <a:cs typeface="Arial" pitchFamily="34" charset="0"/>
+            </a:endParaRPr>
+          </a:p>
+        </p:txBody>
+      </p:sp>
+      <p:cxnSp>
+        <p:nvCxnSpPr>
+          <p:cNvPr id="4" name="Straight Arrow Connector 3"/>
+          <p:cNvCxnSpPr>
+            <a:stCxn id="2" idx="6"/>
+            <a:endCxn id="3" idx="2"/>
+          </p:cNvCxnSpPr>
+          <p:nvPr/>
+        </p:nvCxnSpPr>
+        <p:spPr>
+          <a:xfrm>
+            <a:off x="1831354" y="175004"/>
+            <a:ext cx="242493" cy="2"/>
+          </a:xfrm>
+          <a:prstGeom prst="straightConnector1">
+            <a:avLst/>
+          </a:prstGeom>
+          <a:ln w="12700">
+            <a:solidFill>
+              <a:schemeClr val="tx1"/>
+            </a:solidFill>
+            <a:headEnd w="sm" len="sm"/>
+            <a:tailEnd type="triangle" w="med" len="med"/>
+          </a:ln>
+        </p:spPr>
+        <p:style>
+          <a:lnRef idx="1">
+            <a:schemeClr val="accent1"/>
+          </a:lnRef>
+          <a:fillRef idx="0">
+            <a:schemeClr val="accent1"/>
+          </a:fillRef>
+          <a:effectRef idx="0">
+            <a:schemeClr val="accent1"/>
+          </a:effectRef>
+          <a:fontRef idx="minor">
+            <a:schemeClr val="tx1"/>
+          </a:fontRef>
+        </p:style>
+      </p:cxnSp>
+      <p:sp>
+        <p:nvSpPr>
+          <p:cNvPr id="5" name="Oval 4"/>
+          <p:cNvSpPr/>
+          <p:nvPr/>
+        </p:nvSpPr>
+        <p:spPr>
+          <a:xfrm>
+            <a:off x="2546769" y="60111"/>
+            <a:ext cx="230429" cy="230429"/>
+          </a:xfrm>
+          <a:prstGeom prst="ellipse">
+            <a:avLst/>
+          </a:prstGeom>
+          <a:solidFill>
+            <a:srgbClr val="A6CEE3"/>
+          </a:solidFill>
+          <a:ln w="12700">
+            <a:solidFill>
+              <a:schemeClr val="tx1"/>
+            </a:solidFill>
+          </a:ln>
+        </p:spPr>
+        <p:style>
+          <a:lnRef idx="2">
+            <a:schemeClr val="accent1">
+              <a:shade val="50000"/>
+            </a:schemeClr>
+          </a:lnRef>
+          <a:fillRef idx="1">
+            <a:schemeClr val="accent1"/>
+          </a:fillRef>
+          <a:effectRef idx="0">
+            <a:schemeClr val="accent1"/>
+          </a:effectRef>
+          <a:fontRef idx="minor">
+            <a:schemeClr val="lt1"/>
+          </a:fontRef>
+        </p:style>
+        <p:txBody>
+          <a:bodyPr rtlCol="0" anchor="ctr"/>
+          <a:lstStyle/>
+          <a:p>
+            <a:pPr algn="ctr"/>
+            <a:r>
+              <a:rPr lang="en-US" sz="800" dirty="0" smtClean="0">
+                <a:solidFill>
+                  <a:schemeClr val="tx1"/>
+                </a:solidFill>
+                <a:latin typeface="Arial" pitchFamily="34" charset="0"/>
+                <a:cs typeface="Arial" pitchFamily="34" charset="0"/>
+              </a:rPr>
+              <a:t>C</a:t>
+            </a:r>
+            <a:endParaRPr lang="en-US" sz="800" dirty="0">
+              <a:solidFill>
+                <a:schemeClr val="tx1"/>
+              </a:solidFill>
+              <a:latin typeface="Arial" pitchFamily="34" charset="0"/>
+              <a:cs typeface="Arial" pitchFamily="34" charset="0"/>
+            </a:endParaRPr>
+          </a:p>
+        </p:txBody>
+      </p:sp>
+      <p:cxnSp>
+        <p:nvCxnSpPr>
+          <p:cNvPr id="6" name="Straight Arrow Connector 5"/>
+          <p:cNvCxnSpPr/>
+          <p:nvPr/>
+        </p:nvCxnSpPr>
+        <p:spPr>
+          <a:xfrm>
+            <a:off x="2304276" y="175329"/>
+            <a:ext cx="242493" cy="2"/>
+          </a:xfrm>
+          <a:prstGeom prst="straightConnector1">
+            <a:avLst/>
+          </a:prstGeom>
+          <a:ln w="12700">
+            <a:solidFill>
+              <a:schemeClr val="tx1"/>
+            </a:solidFill>
+            <a:headEnd w="sm" len="sm"/>
+            <a:tailEnd type="triangle" w="med" len="med"/>
+          </a:ln>
+        </p:spPr>
+        <p:style>
+          <a:lnRef idx="1">
+            <a:schemeClr val="accent1"/>
+          </a:lnRef>
+          <a:fillRef idx="0">
+            <a:schemeClr val="accent1"/>
+          </a:fillRef>
+          <a:effectRef idx="0">
+            <a:schemeClr val="accent1"/>
+          </a:effectRef>
+          <a:fontRef idx="minor">
+            <a:schemeClr val="tx1"/>
+          </a:fontRef>
+        </p:style>
+      </p:cxnSp>
+      <p:sp>
+        <p:nvSpPr>
+          <p:cNvPr id="7" name="Oval 6"/>
+          <p:cNvSpPr/>
+          <p:nvPr/>
+        </p:nvSpPr>
+        <p:spPr>
+          <a:xfrm>
+            <a:off x="3019691" y="60111"/>
+            <a:ext cx="230429" cy="230429"/>
+          </a:xfrm>
+          <a:prstGeom prst="ellipse">
+            <a:avLst/>
+          </a:prstGeom>
+          <a:solidFill>
+            <a:srgbClr val="A6CEE3"/>
+          </a:solidFill>
+          <a:ln w="12700">
+            <a:solidFill>
+              <a:schemeClr val="tx1"/>
+            </a:solidFill>
+          </a:ln>
+        </p:spPr>
+        <p:style>
+          <a:lnRef idx="2">
+            <a:schemeClr val="accent1">
+              <a:shade val="50000"/>
+            </a:schemeClr>
+          </a:lnRef>
+          <a:fillRef idx="1">
+            <a:schemeClr val="accent1"/>
+          </a:fillRef>
+          <a:effectRef idx="0">
+            <a:schemeClr val="accent1"/>
+          </a:effectRef>
+          <a:fontRef idx="minor">
+            <a:schemeClr val="lt1"/>
+          </a:fontRef>
+        </p:style>
+        <p:txBody>
+          <a:bodyPr rtlCol="0" anchor="ctr"/>
+          <a:lstStyle/>
+          <a:p>
+            <a:pPr algn="ctr"/>
+            <a:r>
+              <a:rPr lang="en-US" sz="800" dirty="0">
+                <a:solidFill>
+                  <a:schemeClr val="tx1"/>
+                </a:solidFill>
+                <a:latin typeface="Arial" pitchFamily="34" charset="0"/>
+                <a:cs typeface="Arial" pitchFamily="34" charset="0"/>
+              </a:rPr>
+              <a:t>D</a:t>
+            </a:r>
+          </a:p>
+        </p:txBody>
+      </p:sp>
+      <p:cxnSp>
+        <p:nvCxnSpPr>
+          <p:cNvPr id="8" name="Straight Arrow Connector 7"/>
+          <p:cNvCxnSpPr/>
+          <p:nvPr/>
+        </p:nvCxnSpPr>
+        <p:spPr>
+          <a:xfrm>
+            <a:off x="2777198" y="175327"/>
+            <a:ext cx="242493" cy="2"/>
+          </a:xfrm>
+          <a:prstGeom prst="straightConnector1">
+            <a:avLst/>
+          </a:prstGeom>
+          <a:ln w="12700">
+            <a:solidFill>
+              <a:schemeClr val="tx1"/>
+            </a:solidFill>
+            <a:headEnd w="sm" len="sm"/>
+            <a:tailEnd type="triangle" w="med" len="med"/>
+          </a:ln>
+        </p:spPr>
+        <p:style>
+          <a:lnRef idx="1">
+            <a:schemeClr val="accent1"/>
+          </a:lnRef>
+          <a:fillRef idx="0">
+            <a:schemeClr val="accent1"/>
+          </a:fillRef>
+          <a:effectRef idx="0">
+            <a:schemeClr val="accent1"/>
+          </a:effectRef>
+          <a:fontRef idx="minor">
+            <a:schemeClr val="tx1"/>
+          </a:fontRef>
+        </p:style>
+      </p:cxnSp>
+      <p:cxnSp>
+        <p:nvCxnSpPr>
+          <p:cNvPr id="9" name="Straight Arrow Connector 8"/>
+          <p:cNvCxnSpPr/>
+          <p:nvPr/>
+        </p:nvCxnSpPr>
+        <p:spPr>
+          <a:xfrm>
+            <a:off x="3250120" y="175325"/>
+            <a:ext cx="242493" cy="2"/>
+          </a:xfrm>
+          <a:prstGeom prst="straightConnector1">
+            <a:avLst/>
+          </a:prstGeom>
+          <a:ln w="12700">
+            <a:solidFill>
+              <a:schemeClr val="tx1"/>
+            </a:solidFill>
+            <a:headEnd w="sm" len="sm"/>
+            <a:tailEnd type="triangle" w="med" len="med"/>
+          </a:ln>
+        </p:spPr>
+        <p:style>
+          <a:lnRef idx="1">
+            <a:schemeClr val="accent1"/>
+          </a:lnRef>
+          <a:fillRef idx="0">
+            <a:schemeClr val="accent1"/>
+          </a:fillRef>
+          <a:effectRef idx="0">
+            <a:schemeClr val="accent1"/>
+          </a:effectRef>
+          <a:fontRef idx="minor">
+            <a:schemeClr val="tx1"/>
+          </a:fontRef>
+        </p:style>
+      </p:cxnSp>
+      <p:sp>
+        <p:nvSpPr>
+          <p:cNvPr id="10" name="Oval 9"/>
+          <p:cNvSpPr/>
+          <p:nvPr/>
+        </p:nvSpPr>
+        <p:spPr>
+          <a:xfrm>
+            <a:off x="2546768" y="357609"/>
+            <a:ext cx="230429" cy="230429"/>
+          </a:xfrm>
+          <a:prstGeom prst="ellipse">
+            <a:avLst/>
+          </a:prstGeom>
+          <a:solidFill>
+            <a:srgbClr val="A6CEE3"/>
+          </a:solidFill>
+          <a:ln w="12700">
+            <a:solidFill>
+              <a:schemeClr val="tx1"/>
+            </a:solidFill>
+          </a:ln>
+        </p:spPr>
+        <p:style>
+          <a:lnRef idx="2">
+            <a:schemeClr val="accent1">
+              <a:shade val="50000"/>
+            </a:schemeClr>
+          </a:lnRef>
+          <a:fillRef idx="1">
+            <a:schemeClr val="accent1"/>
+          </a:fillRef>
+          <a:effectRef idx="0">
+            <a:schemeClr val="accent1"/>
+          </a:effectRef>
+          <a:fontRef idx="minor">
+            <a:schemeClr val="lt1"/>
+          </a:fontRef>
+        </p:style>
+        <p:txBody>
+          <a:bodyPr rtlCol="0" anchor="ctr"/>
+          <a:lstStyle/>
+          <a:p>
+            <a:pPr algn="ctr"/>
+            <a:r>
+              <a:rPr lang="en-US" sz="800" dirty="0">
+                <a:solidFill>
+                  <a:schemeClr val="tx1"/>
+                </a:solidFill>
+                <a:latin typeface="Arial" pitchFamily="34" charset="0"/>
+                <a:cs typeface="Arial" pitchFamily="34" charset="0"/>
+              </a:rPr>
+              <a:t>F</a:t>
+            </a:r>
+          </a:p>
+        </p:txBody>
+      </p:sp>
+      <p:cxnSp>
+        <p:nvCxnSpPr>
+          <p:cNvPr id="11" name="Straight Arrow Connector 10"/>
+          <p:cNvCxnSpPr>
+            <a:stCxn id="3" idx="5"/>
+            <a:endCxn id="10" idx="2"/>
+          </p:cNvCxnSpPr>
+          <p:nvPr/>
+        </p:nvCxnSpPr>
+        <p:spPr>
+          <a:xfrm>
+            <a:off x="2270530" y="256474"/>
+            <a:ext cx="276238" cy="216350"/>
+          </a:xfrm>
+          <a:prstGeom prst="straightConnector1">
+            <a:avLst/>
+          </a:prstGeom>
+          <a:ln w="12700">
+            <a:solidFill>
+              <a:schemeClr val="tx1"/>
+            </a:solidFill>
+            <a:headEnd w="sm" len="sm"/>
+            <a:tailEnd type="triangle" w="med" len="med"/>
+          </a:ln>
+        </p:spPr>
+        <p:style>
+          <a:lnRef idx="1">
+            <a:schemeClr val="accent1"/>
+          </a:lnRef>
+          <a:fillRef idx="0">
+            <a:schemeClr val="accent1"/>
+          </a:fillRef>
+          <a:effectRef idx="0">
+            <a:schemeClr val="accent1"/>
+          </a:effectRef>
+          <a:fontRef idx="minor">
+            <a:schemeClr val="tx1"/>
+          </a:fontRef>
+        </p:style>
+      </p:cxnSp>
+      <p:cxnSp>
+        <p:nvCxnSpPr>
+          <p:cNvPr id="12" name="Straight Arrow Connector 11"/>
+          <p:cNvCxnSpPr/>
+          <p:nvPr/>
+        </p:nvCxnSpPr>
+        <p:spPr>
+          <a:xfrm>
+            <a:off x="2780750" y="472824"/>
+            <a:ext cx="242493" cy="2"/>
+          </a:xfrm>
+          <a:prstGeom prst="straightConnector1">
+            <a:avLst/>
+          </a:prstGeom>
+          <a:ln w="12700">
+            <a:solidFill>
+              <a:schemeClr val="tx1"/>
+            </a:solidFill>
+            <a:headEnd w="sm" len="sm"/>
+            <a:tailEnd type="triangle" w="med" len="med"/>
+          </a:ln>
+        </p:spPr>
+        <p:style>
+          <a:lnRef idx="1">
+            <a:schemeClr val="accent1"/>
+          </a:lnRef>
+          <a:fillRef idx="0">
+            <a:schemeClr val="accent1"/>
+          </a:fillRef>
+          <a:effectRef idx="0">
+            <a:schemeClr val="accent1"/>
+          </a:effectRef>
+          <a:fontRef idx="minor">
+            <a:schemeClr val="tx1"/>
+          </a:fontRef>
+        </p:style>
+      </p:cxnSp>
+      <p:sp>
+        <p:nvSpPr>
+          <p:cNvPr id="13" name="Rectangle 12"/>
+          <p:cNvSpPr/>
+          <p:nvPr/>
+        </p:nvSpPr>
+        <p:spPr>
+          <a:xfrm>
+            <a:off x="3023243" y="357609"/>
+            <a:ext cx="230429" cy="230429"/>
+          </a:xfrm>
+          <a:prstGeom prst="rect">
+            <a:avLst/>
+          </a:prstGeom>
+          <a:solidFill>
+            <a:srgbClr val="A6CEE3"/>
+          </a:solidFill>
+          <a:ln w="12700">
+            <a:solidFill>
+              <a:schemeClr val="tx1"/>
+            </a:solidFill>
+          </a:ln>
+        </p:spPr>
+        <p:style>
+          <a:lnRef idx="2">
+            <a:schemeClr val="accent1">
+              <a:shade val="50000"/>
+            </a:schemeClr>
+          </a:lnRef>
+          <a:fillRef idx="1">
+            <a:schemeClr val="accent1"/>
+          </a:fillRef>
+          <a:effectRef idx="0">
+            <a:schemeClr val="accent1"/>
+          </a:effectRef>
+          <a:fontRef idx="minor">
+            <a:schemeClr val="lt1"/>
+          </a:fontRef>
+        </p:style>
+        <p:txBody>
+          <a:bodyPr rtlCol="0" anchor="ctr"/>
+          <a:lstStyle/>
+          <a:p>
+            <a:pPr algn="ctr"/>
+            <a:r>
+              <a:rPr lang="en-US" sz="800" dirty="0" smtClean="0">
+                <a:solidFill>
+                  <a:schemeClr val="tx1"/>
+                </a:solidFill>
+                <a:latin typeface="Arial" pitchFamily="34" charset="0"/>
+                <a:cs typeface="Arial" pitchFamily="34" charset="0"/>
+              </a:rPr>
+              <a:t>G</a:t>
+            </a:r>
+            <a:endParaRPr lang="en-US" sz="800" dirty="0">
+              <a:solidFill>
+                <a:schemeClr val="tx1"/>
+              </a:solidFill>
+              <a:latin typeface="Arial" pitchFamily="34" charset="0"/>
+              <a:cs typeface="Arial" pitchFamily="34" charset="0"/>
+            </a:endParaRPr>
+          </a:p>
+        </p:txBody>
+      </p:sp>
+      <p:sp>
+        <p:nvSpPr>
+          <p:cNvPr id="14" name="Rectangle 13"/>
+          <p:cNvSpPr/>
+          <p:nvPr/>
+        </p:nvSpPr>
+        <p:spPr>
+          <a:xfrm>
+            <a:off x="3492613" y="59788"/>
+            <a:ext cx="230429" cy="230429"/>
+          </a:xfrm>
+          <a:prstGeom prst="rect">
+            <a:avLst/>
+          </a:prstGeom>
+          <a:solidFill>
+            <a:srgbClr val="A6CEE3"/>
+          </a:solidFill>
+          <a:ln w="12700">
+            <a:solidFill>
+              <a:schemeClr val="tx1"/>
+            </a:solidFill>
+          </a:ln>
+        </p:spPr>
+        <p:style>
+          <a:lnRef idx="2">
+            <a:schemeClr val="accent1">
+              <a:shade val="50000"/>
+            </a:schemeClr>
+          </a:lnRef>
+          <a:fillRef idx="1">
+            <a:schemeClr val="accent1"/>
+          </a:fillRef>
+          <a:effectRef idx="0">
+            <a:schemeClr val="accent1"/>
+          </a:effectRef>
+          <a:fontRef idx="minor">
+            <a:schemeClr val="lt1"/>
+          </a:fontRef>
+        </p:style>
+        <p:txBody>
+          <a:bodyPr rtlCol="0" anchor="ctr"/>
+          <a:lstStyle/>
+          <a:p>
+            <a:pPr algn="ctr"/>
+            <a:r>
+              <a:rPr lang="en-US" sz="800" dirty="0" smtClean="0">
+                <a:solidFill>
+                  <a:schemeClr val="tx1"/>
+                </a:solidFill>
+                <a:latin typeface="Arial" pitchFamily="34" charset="0"/>
+                <a:cs typeface="Arial" pitchFamily="34" charset="0"/>
+              </a:rPr>
+              <a:t>E</a:t>
+            </a:r>
+            <a:endParaRPr lang="en-US" sz="800" dirty="0">
+              <a:solidFill>
+                <a:schemeClr val="tx1"/>
+              </a:solidFill>
+              <a:latin typeface="Arial" pitchFamily="34" charset="0"/>
+              <a:cs typeface="Arial" pitchFamily="34" charset="0"/>
+            </a:endParaRPr>
+          </a:p>
+        </p:txBody>
+      </p:sp>
+    </p:spTree>
+    <p:extLst>
+      <p:ext uri="{BB962C8B-B14F-4D97-AF65-F5344CB8AC3E}">
+        <p14:creationId xmlns:p14="http://schemas.microsoft.com/office/powerpoint/2010/main" val="3648215450"/>
+      </p:ext>
+    </p:extLst>
+  </p:cSld>
+  <p:clrMapOvr>
+    <a:masterClrMapping/>
+  </p:clrMapOvr>
+</p:sld>
+</file>
+
+<file path=ppt/slides/slide8.xml><?xml version="1.0" encoding="utf-8"?>
+<p:sld xmlns:a="http://schemas.openxmlformats.org/drawingml/2006/main" xmlns:r="http://schemas.openxmlformats.org/officeDocument/2006/relationships" xmlns:p="http://schemas.openxmlformats.org/presentationml/2006/main">
+  <p:cSld>
+    <p:spTree>
+      <p:nvGrpSpPr>
+        <p:cNvPr id="1" name=""/>
+        <p:cNvGrpSpPr/>
+        <p:nvPr/>
+      </p:nvGrpSpPr>
+      <p:grpSpPr>
+        <a:xfrm>
+          <a:off x="0" y="0"/>
+          <a:ext cx="0" cy="0"/>
+          <a:chOff x="0" y="0"/>
+          <a:chExt cx="0" cy="0"/>
+        </a:xfrm>
+      </p:grpSpPr>
+      <p:sp>
+        <p:nvSpPr>
+          <p:cNvPr id="2" name="Oval 1"/>
+          <p:cNvSpPr/>
+          <p:nvPr/>
+        </p:nvSpPr>
+        <p:spPr>
+          <a:xfrm>
+            <a:off x="1585119" y="45700"/>
+            <a:ext cx="230429" cy="230429"/>
+          </a:xfrm>
+          <a:prstGeom prst="ellipse">
+            <a:avLst/>
+          </a:prstGeom>
+          <a:solidFill>
+            <a:srgbClr val="A6CEE3"/>
+          </a:solidFill>
+          <a:ln w="12700">
+            <a:solidFill>
+              <a:schemeClr val="tx1"/>
+            </a:solidFill>
+          </a:ln>
+        </p:spPr>
+        <p:style>
+          <a:lnRef idx="2">
+            <a:schemeClr val="accent1">
+              <a:shade val="50000"/>
+            </a:schemeClr>
+          </a:lnRef>
+          <a:fillRef idx="1">
+            <a:schemeClr val="accent1"/>
+          </a:fillRef>
+          <a:effectRef idx="0">
+            <a:schemeClr val="accent1"/>
+          </a:effectRef>
+          <a:fontRef idx="minor">
+            <a:schemeClr val="lt1"/>
+          </a:fontRef>
+        </p:style>
+        <p:txBody>
+          <a:bodyPr rtlCol="0" anchor="ctr"/>
+          <a:lstStyle/>
+          <a:p>
+            <a:pPr algn="ctr"/>
+            <a:r>
+              <a:rPr lang="en-US" sz="800" dirty="0" smtClean="0">
+                <a:solidFill>
+                  <a:schemeClr val="tx1"/>
+                </a:solidFill>
+                <a:latin typeface="Arial" pitchFamily="34" charset="0"/>
+                <a:cs typeface="Arial" pitchFamily="34" charset="0"/>
+              </a:rPr>
+              <a:t>A</a:t>
+            </a:r>
+            <a:endParaRPr lang="en-US" sz="800" dirty="0">
+              <a:solidFill>
+                <a:schemeClr val="tx1"/>
+              </a:solidFill>
+              <a:latin typeface="Arial" pitchFamily="34" charset="0"/>
+              <a:cs typeface="Arial" pitchFamily="34" charset="0"/>
+            </a:endParaRPr>
+          </a:p>
+        </p:txBody>
+      </p:sp>
+      <p:sp>
+        <p:nvSpPr>
+          <p:cNvPr id="3" name="Oval 2"/>
+          <p:cNvSpPr/>
+          <p:nvPr/>
+        </p:nvSpPr>
+        <p:spPr>
+          <a:xfrm>
+            <a:off x="2058041" y="45702"/>
+            <a:ext cx="230429" cy="230429"/>
+          </a:xfrm>
+          <a:prstGeom prst="ellipse">
+            <a:avLst/>
+          </a:prstGeom>
+          <a:solidFill>
+            <a:srgbClr val="FFFFCC"/>
+          </a:solidFill>
+          <a:ln w="12700">
+            <a:solidFill>
+              <a:schemeClr val="tx1"/>
+            </a:solidFill>
+          </a:ln>
+        </p:spPr>
+        <p:style>
+          <a:lnRef idx="2">
+            <a:schemeClr val="accent1">
+              <a:shade val="50000"/>
+            </a:schemeClr>
+          </a:lnRef>
+          <a:fillRef idx="1">
+            <a:schemeClr val="accent1"/>
+          </a:fillRef>
+          <a:effectRef idx="0">
+            <a:schemeClr val="accent1"/>
+          </a:effectRef>
+          <a:fontRef idx="minor">
+            <a:schemeClr val="lt1"/>
+          </a:fontRef>
+        </p:style>
+        <p:txBody>
+          <a:bodyPr rtlCol="0" anchor="ctr"/>
+          <a:lstStyle/>
+          <a:p>
+            <a:pPr algn="ctr"/>
+            <a:r>
+              <a:rPr lang="en-US" sz="800" dirty="0" smtClean="0">
+                <a:solidFill>
+                  <a:schemeClr val="tx1"/>
+                </a:solidFill>
+                <a:latin typeface="Arial" pitchFamily="34" charset="0"/>
+                <a:cs typeface="Arial" pitchFamily="34" charset="0"/>
+              </a:rPr>
+              <a:t>B</a:t>
+            </a:r>
+            <a:endParaRPr lang="en-US" sz="800" dirty="0">
+              <a:solidFill>
+                <a:schemeClr val="tx1"/>
+              </a:solidFill>
+              <a:latin typeface="Arial" pitchFamily="34" charset="0"/>
+              <a:cs typeface="Arial" pitchFamily="34" charset="0"/>
+            </a:endParaRPr>
+          </a:p>
+        </p:txBody>
+      </p:sp>
+      <p:cxnSp>
+        <p:nvCxnSpPr>
+          <p:cNvPr id="4" name="Straight Arrow Connector 3"/>
+          <p:cNvCxnSpPr>
+            <a:stCxn id="2" idx="6"/>
+            <a:endCxn id="3" idx="2"/>
+          </p:cNvCxnSpPr>
+          <p:nvPr/>
+        </p:nvCxnSpPr>
+        <p:spPr>
+          <a:xfrm>
+            <a:off x="1815548" y="160915"/>
+            <a:ext cx="242493" cy="2"/>
+          </a:xfrm>
+          <a:prstGeom prst="straightConnector1">
+            <a:avLst/>
+          </a:prstGeom>
+          <a:ln w="12700">
+            <a:solidFill>
+              <a:schemeClr val="tx1"/>
+            </a:solidFill>
+            <a:headEnd w="sm" len="sm"/>
+            <a:tailEnd type="triangle" w="med" len="med"/>
+          </a:ln>
+        </p:spPr>
+        <p:style>
+          <a:lnRef idx="1">
+            <a:schemeClr val="accent1"/>
+          </a:lnRef>
+          <a:fillRef idx="0">
+            <a:schemeClr val="accent1"/>
+          </a:fillRef>
+          <a:effectRef idx="0">
+            <a:schemeClr val="accent1"/>
+          </a:effectRef>
+          <a:fontRef idx="minor">
+            <a:schemeClr val="tx1"/>
+          </a:fontRef>
+        </p:style>
+      </p:cxnSp>
+      <p:sp>
+        <p:nvSpPr>
+          <p:cNvPr id="5" name="Oval 4"/>
+          <p:cNvSpPr/>
+          <p:nvPr/>
+        </p:nvSpPr>
+        <p:spPr>
+          <a:xfrm>
+            <a:off x="2530963" y="46022"/>
+            <a:ext cx="230429" cy="230429"/>
+          </a:xfrm>
+          <a:prstGeom prst="ellipse">
+            <a:avLst/>
+          </a:prstGeom>
+          <a:solidFill>
+            <a:srgbClr val="FFFFCC"/>
+          </a:solidFill>
+          <a:ln w="12700">
+            <a:solidFill>
+              <a:schemeClr val="tx1"/>
+            </a:solidFill>
+          </a:ln>
+        </p:spPr>
+        <p:style>
+          <a:lnRef idx="2">
+            <a:schemeClr val="accent1">
+              <a:shade val="50000"/>
+            </a:schemeClr>
+          </a:lnRef>
+          <a:fillRef idx="1">
+            <a:schemeClr val="accent1"/>
+          </a:fillRef>
+          <a:effectRef idx="0">
+            <a:schemeClr val="accent1"/>
+          </a:effectRef>
+          <a:fontRef idx="minor">
+            <a:schemeClr val="lt1"/>
+          </a:fontRef>
+        </p:style>
+        <p:txBody>
+          <a:bodyPr rtlCol="0" anchor="ctr"/>
+          <a:lstStyle/>
+          <a:p>
+            <a:pPr algn="ctr"/>
+            <a:r>
+              <a:rPr lang="en-US" sz="800" dirty="0" smtClean="0">
+                <a:solidFill>
+                  <a:schemeClr val="tx1"/>
+                </a:solidFill>
+                <a:latin typeface="Arial" pitchFamily="34" charset="0"/>
+                <a:cs typeface="Arial" pitchFamily="34" charset="0"/>
+              </a:rPr>
+              <a:t>C</a:t>
+            </a:r>
+            <a:endParaRPr lang="en-US" sz="800" dirty="0">
+              <a:solidFill>
+                <a:schemeClr val="tx1"/>
+              </a:solidFill>
+              <a:latin typeface="Arial" pitchFamily="34" charset="0"/>
+              <a:cs typeface="Arial" pitchFamily="34" charset="0"/>
+            </a:endParaRPr>
+          </a:p>
+        </p:txBody>
+      </p:sp>
+      <p:cxnSp>
+        <p:nvCxnSpPr>
+          <p:cNvPr id="6" name="Straight Arrow Connector 5"/>
+          <p:cNvCxnSpPr/>
+          <p:nvPr/>
+        </p:nvCxnSpPr>
+        <p:spPr>
+          <a:xfrm>
+            <a:off x="2288470" y="161240"/>
+            <a:ext cx="242493" cy="2"/>
+          </a:xfrm>
+          <a:prstGeom prst="straightConnector1">
+            <a:avLst/>
+          </a:prstGeom>
+          <a:ln w="12700">
+            <a:solidFill>
+              <a:schemeClr val="tx1"/>
+            </a:solidFill>
+            <a:headEnd w="sm" len="sm"/>
+            <a:tailEnd type="triangle" w="med" len="med"/>
+          </a:ln>
+        </p:spPr>
+        <p:style>
+          <a:lnRef idx="1">
+            <a:schemeClr val="accent1"/>
+          </a:lnRef>
+          <a:fillRef idx="0">
+            <a:schemeClr val="accent1"/>
+          </a:fillRef>
+          <a:effectRef idx="0">
+            <a:schemeClr val="accent1"/>
+          </a:effectRef>
+          <a:fontRef idx="minor">
+            <a:schemeClr val="tx1"/>
+          </a:fontRef>
+        </p:style>
+      </p:cxnSp>
+      <p:sp>
+        <p:nvSpPr>
+          <p:cNvPr id="7" name="Oval 6"/>
+          <p:cNvSpPr/>
+          <p:nvPr/>
+        </p:nvSpPr>
+        <p:spPr>
+          <a:xfrm>
+            <a:off x="3003885" y="46022"/>
+            <a:ext cx="230429" cy="230429"/>
+          </a:xfrm>
+          <a:prstGeom prst="ellipse">
+            <a:avLst/>
+          </a:prstGeom>
+          <a:solidFill>
+            <a:srgbClr val="FFFFCC"/>
+          </a:solidFill>
+          <a:ln w="12700">
+            <a:solidFill>
+              <a:schemeClr val="tx1"/>
+            </a:solidFill>
+          </a:ln>
+        </p:spPr>
+        <p:style>
+          <a:lnRef idx="2">
+            <a:schemeClr val="accent1">
+              <a:shade val="50000"/>
+            </a:schemeClr>
+          </a:lnRef>
+          <a:fillRef idx="1">
+            <a:schemeClr val="accent1"/>
+          </a:fillRef>
+          <a:effectRef idx="0">
+            <a:schemeClr val="accent1"/>
+          </a:effectRef>
+          <a:fontRef idx="minor">
+            <a:schemeClr val="lt1"/>
+          </a:fontRef>
+        </p:style>
+        <p:txBody>
+          <a:bodyPr rtlCol="0" anchor="ctr"/>
+          <a:lstStyle/>
+          <a:p>
+            <a:pPr algn="ctr"/>
+            <a:r>
+              <a:rPr lang="en-US" sz="800" dirty="0">
+                <a:solidFill>
+                  <a:schemeClr val="tx1"/>
+                </a:solidFill>
+                <a:latin typeface="Arial" pitchFamily="34" charset="0"/>
+                <a:cs typeface="Arial" pitchFamily="34" charset="0"/>
+              </a:rPr>
+              <a:t>D</a:t>
+            </a:r>
+          </a:p>
+        </p:txBody>
+      </p:sp>
+      <p:cxnSp>
+        <p:nvCxnSpPr>
+          <p:cNvPr id="8" name="Straight Arrow Connector 7"/>
+          <p:cNvCxnSpPr/>
+          <p:nvPr/>
+        </p:nvCxnSpPr>
+        <p:spPr>
+          <a:xfrm>
+            <a:off x="2761392" y="161238"/>
+            <a:ext cx="242493" cy="2"/>
+          </a:xfrm>
+          <a:prstGeom prst="straightConnector1">
+            <a:avLst/>
+          </a:prstGeom>
+          <a:ln w="12700">
+            <a:solidFill>
+              <a:schemeClr val="tx1"/>
+            </a:solidFill>
+            <a:headEnd w="sm" len="sm"/>
+            <a:tailEnd type="triangle" w="med" len="med"/>
+          </a:ln>
+        </p:spPr>
+        <p:style>
+          <a:lnRef idx="1">
+            <a:schemeClr val="accent1"/>
+          </a:lnRef>
+          <a:fillRef idx="0">
+            <a:schemeClr val="accent1"/>
+          </a:fillRef>
+          <a:effectRef idx="0">
+            <a:schemeClr val="accent1"/>
+          </a:effectRef>
+          <a:fontRef idx="minor">
+            <a:schemeClr val="tx1"/>
+          </a:fontRef>
+        </p:style>
+      </p:cxnSp>
+      <p:cxnSp>
+        <p:nvCxnSpPr>
+          <p:cNvPr id="9" name="Straight Arrow Connector 8"/>
+          <p:cNvCxnSpPr/>
+          <p:nvPr/>
+        </p:nvCxnSpPr>
+        <p:spPr>
+          <a:xfrm>
+            <a:off x="3234314" y="161236"/>
+            <a:ext cx="242493" cy="2"/>
+          </a:xfrm>
+          <a:prstGeom prst="straightConnector1">
+            <a:avLst/>
+          </a:prstGeom>
+          <a:ln w="12700">
+            <a:solidFill>
+              <a:schemeClr val="tx1"/>
+            </a:solidFill>
+            <a:headEnd w="sm" len="sm"/>
+            <a:tailEnd type="triangle" w="med" len="med"/>
+          </a:ln>
+        </p:spPr>
+        <p:style>
+          <a:lnRef idx="1">
+            <a:schemeClr val="accent1"/>
+          </a:lnRef>
+          <a:fillRef idx="0">
+            <a:schemeClr val="accent1"/>
+          </a:fillRef>
+          <a:effectRef idx="0">
+            <a:schemeClr val="accent1"/>
+          </a:effectRef>
+          <a:fontRef idx="minor">
+            <a:schemeClr val="tx1"/>
+          </a:fontRef>
+        </p:style>
+      </p:cxnSp>
+      <p:sp>
+        <p:nvSpPr>
+          <p:cNvPr id="10" name="Oval 9"/>
+          <p:cNvSpPr/>
+          <p:nvPr/>
+        </p:nvSpPr>
+        <p:spPr>
+          <a:xfrm>
+            <a:off x="2530962" y="343520"/>
+            <a:ext cx="230429" cy="230429"/>
+          </a:xfrm>
+          <a:prstGeom prst="ellipse">
+            <a:avLst/>
+          </a:prstGeom>
+          <a:solidFill>
+            <a:srgbClr val="FFFFCC"/>
+          </a:solidFill>
+          <a:ln w="12700">
+            <a:solidFill>
+              <a:schemeClr val="tx1"/>
+            </a:solidFill>
+          </a:ln>
+        </p:spPr>
+        <p:style>
+          <a:lnRef idx="2">
+            <a:schemeClr val="accent1">
+              <a:shade val="50000"/>
+            </a:schemeClr>
+          </a:lnRef>
+          <a:fillRef idx="1">
+            <a:schemeClr val="accent1"/>
+          </a:fillRef>
+          <a:effectRef idx="0">
+            <a:schemeClr val="accent1"/>
+          </a:effectRef>
+          <a:fontRef idx="minor">
+            <a:schemeClr val="lt1"/>
+          </a:fontRef>
+        </p:style>
+        <p:txBody>
+          <a:bodyPr rtlCol="0" anchor="ctr"/>
+          <a:lstStyle/>
+          <a:p>
+            <a:pPr algn="ctr"/>
+            <a:r>
+              <a:rPr lang="en-US" sz="800" dirty="0">
+                <a:solidFill>
+                  <a:schemeClr val="tx1"/>
+                </a:solidFill>
+                <a:latin typeface="Arial" pitchFamily="34" charset="0"/>
+                <a:cs typeface="Arial" pitchFamily="34" charset="0"/>
+              </a:rPr>
+              <a:t>F</a:t>
+            </a:r>
+          </a:p>
+        </p:txBody>
+      </p:sp>
+      <p:cxnSp>
+        <p:nvCxnSpPr>
+          <p:cNvPr id="11" name="Straight Arrow Connector 10"/>
+          <p:cNvCxnSpPr>
+            <a:stCxn id="3" idx="5"/>
+            <a:endCxn id="10" idx="2"/>
+          </p:cNvCxnSpPr>
+          <p:nvPr/>
+        </p:nvCxnSpPr>
+        <p:spPr>
+          <a:xfrm>
+            <a:off x="2254724" y="242385"/>
+            <a:ext cx="276238" cy="216350"/>
+          </a:xfrm>
+          <a:prstGeom prst="straightConnector1">
+            <a:avLst/>
+          </a:prstGeom>
+          <a:ln w="12700">
+            <a:solidFill>
+              <a:schemeClr val="tx1"/>
+            </a:solidFill>
+            <a:headEnd w="sm" len="sm"/>
+            <a:tailEnd type="triangle" w="med" len="med"/>
+          </a:ln>
+        </p:spPr>
+        <p:style>
+          <a:lnRef idx="1">
+            <a:schemeClr val="accent1"/>
+          </a:lnRef>
+          <a:fillRef idx="0">
+            <a:schemeClr val="accent1"/>
+          </a:fillRef>
+          <a:effectRef idx="0">
+            <a:schemeClr val="accent1"/>
+          </a:effectRef>
+          <a:fontRef idx="minor">
+            <a:schemeClr val="tx1"/>
+          </a:fontRef>
+        </p:style>
+      </p:cxnSp>
+      <p:cxnSp>
+        <p:nvCxnSpPr>
+          <p:cNvPr id="12" name="Straight Arrow Connector 11"/>
+          <p:cNvCxnSpPr/>
+          <p:nvPr/>
+        </p:nvCxnSpPr>
+        <p:spPr>
+          <a:xfrm>
+            <a:off x="2764944" y="458735"/>
+            <a:ext cx="242493" cy="2"/>
+          </a:xfrm>
+          <a:prstGeom prst="straightConnector1">
+            <a:avLst/>
+          </a:prstGeom>
+          <a:ln w="12700">
+            <a:solidFill>
+              <a:schemeClr val="tx1"/>
+            </a:solidFill>
+            <a:headEnd w="sm" len="sm"/>
+            <a:tailEnd type="triangle" w="med" len="med"/>
+          </a:ln>
+        </p:spPr>
+        <p:style>
+          <a:lnRef idx="1">
+            <a:schemeClr val="accent1"/>
+          </a:lnRef>
+          <a:fillRef idx="0">
+            <a:schemeClr val="accent1"/>
+          </a:fillRef>
+          <a:effectRef idx="0">
+            <a:schemeClr val="accent1"/>
+          </a:effectRef>
+          <a:fontRef idx="minor">
+            <a:schemeClr val="tx1"/>
+          </a:fontRef>
+        </p:style>
+      </p:cxnSp>
+      <p:sp>
+        <p:nvSpPr>
+          <p:cNvPr id="13" name="Rectangle 12"/>
+          <p:cNvSpPr/>
+          <p:nvPr/>
+        </p:nvSpPr>
+        <p:spPr>
+          <a:xfrm>
+            <a:off x="3007437" y="343520"/>
+            <a:ext cx="230429" cy="230429"/>
+          </a:xfrm>
+          <a:prstGeom prst="rect">
+            <a:avLst/>
+          </a:prstGeom>
+          <a:solidFill>
+            <a:srgbClr val="FFFFCC"/>
+          </a:solidFill>
+          <a:ln w="12700">
+            <a:solidFill>
+              <a:schemeClr val="tx1"/>
+            </a:solidFill>
+          </a:ln>
+        </p:spPr>
+        <p:style>
+          <a:lnRef idx="2">
+            <a:schemeClr val="accent1">
+              <a:shade val="50000"/>
+            </a:schemeClr>
+          </a:lnRef>
+          <a:fillRef idx="1">
+            <a:schemeClr val="accent1"/>
+          </a:fillRef>
+          <a:effectRef idx="0">
+            <a:schemeClr val="accent1"/>
+          </a:effectRef>
+          <a:fontRef idx="minor">
+            <a:schemeClr val="lt1"/>
+          </a:fontRef>
+        </p:style>
+        <p:txBody>
+          <a:bodyPr rtlCol="0" anchor="ctr"/>
+          <a:lstStyle/>
+          <a:p>
+            <a:pPr algn="ctr"/>
+            <a:r>
+              <a:rPr lang="en-US" sz="800" dirty="0" smtClean="0">
+                <a:solidFill>
+                  <a:schemeClr val="tx1"/>
+                </a:solidFill>
+                <a:latin typeface="Arial" pitchFamily="34" charset="0"/>
+                <a:cs typeface="Arial" pitchFamily="34" charset="0"/>
+              </a:rPr>
+              <a:t>G</a:t>
+            </a:r>
+            <a:endParaRPr lang="en-US" sz="800" dirty="0">
+              <a:solidFill>
+                <a:schemeClr val="tx1"/>
+              </a:solidFill>
+              <a:latin typeface="Arial" pitchFamily="34" charset="0"/>
+              <a:cs typeface="Arial" pitchFamily="34" charset="0"/>
+            </a:endParaRPr>
+          </a:p>
+        </p:txBody>
+      </p:sp>
+      <p:sp>
+        <p:nvSpPr>
+          <p:cNvPr id="14" name="Rectangle 13"/>
+          <p:cNvSpPr/>
+          <p:nvPr/>
+        </p:nvSpPr>
+        <p:spPr>
+          <a:xfrm>
+            <a:off x="3476807" y="45699"/>
+            <a:ext cx="230429" cy="230429"/>
+          </a:xfrm>
+          <a:prstGeom prst="rect">
+            <a:avLst/>
+          </a:prstGeom>
+          <a:solidFill>
+            <a:srgbClr val="FFFFCC"/>
+          </a:solidFill>
+          <a:ln w="12700">
+            <a:solidFill>
+              <a:schemeClr val="tx1"/>
+            </a:solidFill>
+          </a:ln>
+        </p:spPr>
+        <p:style>
+          <a:lnRef idx="2">
+            <a:schemeClr val="accent1">
+              <a:shade val="50000"/>
+            </a:schemeClr>
+          </a:lnRef>
+          <a:fillRef idx="1">
+            <a:schemeClr val="accent1"/>
+          </a:fillRef>
+          <a:effectRef idx="0">
+            <a:schemeClr val="accent1"/>
+          </a:effectRef>
+          <a:fontRef idx="minor">
+            <a:schemeClr val="lt1"/>
+          </a:fontRef>
+        </p:style>
+        <p:txBody>
+          <a:bodyPr rtlCol="0" anchor="ctr"/>
+          <a:lstStyle/>
+          <a:p>
+            <a:pPr algn="ctr"/>
+            <a:r>
+              <a:rPr lang="en-US" sz="800" dirty="0" smtClean="0">
+                <a:solidFill>
+                  <a:schemeClr val="tx1"/>
+                </a:solidFill>
+                <a:latin typeface="Arial" pitchFamily="34" charset="0"/>
+                <a:cs typeface="Arial" pitchFamily="34" charset="0"/>
+              </a:rPr>
+              <a:t>E</a:t>
+            </a:r>
+            <a:endParaRPr lang="en-US" sz="800" dirty="0">
+              <a:solidFill>
+                <a:schemeClr val="tx1"/>
+              </a:solidFill>
+              <a:latin typeface="Arial" pitchFamily="34" charset="0"/>
+              <a:cs typeface="Arial" pitchFamily="34" charset="0"/>
+            </a:endParaRPr>
+          </a:p>
+        </p:txBody>
+      </p:sp>
+    </p:spTree>
+    <p:extLst>
+      <p:ext uri="{BB962C8B-B14F-4D97-AF65-F5344CB8AC3E}">
+        <p14:creationId xmlns:p14="http://schemas.microsoft.com/office/powerpoint/2010/main" val="965364603"/>
+      </p:ext>
+    </p:extLst>
+  </p:cSld>
+  <p:clrMapOvr>
+    <a:masterClrMapping/>
+  </p:clrMapOvr>
+</p:sld>
+</file>
+
+<file path=ppt/slides/slide9.xml><?xml version="1.0" encoding="utf-8"?>
+<p:sld xmlns:a="http://schemas.openxmlformats.org/drawingml/2006/main" xmlns:r="http://schemas.openxmlformats.org/officeDocument/2006/relationships" xmlns:p="http://schemas.openxmlformats.org/presentationml/2006/main">
+  <p:cSld>
+    <p:spTree>
+      <p:nvGrpSpPr>
+        <p:cNvPr id="1" name=""/>
+        <p:cNvGrpSpPr/>
+        <p:nvPr/>
+      </p:nvGrpSpPr>
+      <p:grpSpPr>
+        <a:xfrm>
+          <a:off x="0" y="0"/>
+          <a:ext cx="0" cy="0"/>
+          <a:chOff x="0" y="0"/>
+          <a:chExt cx="0" cy="0"/>
+        </a:xfrm>
+      </p:grpSpPr>
+      <p:sp>
+        <p:nvSpPr>
+          <p:cNvPr id="2" name="Oval 1"/>
+          <p:cNvSpPr/>
+          <p:nvPr/>
+        </p:nvSpPr>
+        <p:spPr>
+          <a:xfrm>
+            <a:off x="1585119" y="45700"/>
+            <a:ext cx="230429" cy="230429"/>
+          </a:xfrm>
+          <a:prstGeom prst="ellipse">
+            <a:avLst/>
+          </a:prstGeom>
+          <a:solidFill>
+            <a:srgbClr val="A6CEE3"/>
+          </a:solidFill>
+          <a:ln w="12700">
+            <a:solidFill>
+              <a:schemeClr val="tx1"/>
+            </a:solidFill>
+          </a:ln>
+        </p:spPr>
+        <p:style>
+          <a:lnRef idx="2">
+            <a:schemeClr val="accent1">
+              <a:shade val="50000"/>
+            </a:schemeClr>
+          </a:lnRef>
+          <a:fillRef idx="1">
+            <a:schemeClr val="accent1"/>
+          </a:fillRef>
+          <a:effectRef idx="0">
+            <a:schemeClr val="accent1"/>
+          </a:effectRef>
+          <a:fontRef idx="minor">
+            <a:schemeClr val="lt1"/>
+          </a:fontRef>
+        </p:style>
+        <p:txBody>
+          <a:bodyPr rtlCol="0" anchor="ctr"/>
+          <a:lstStyle/>
+          <a:p>
+            <a:pPr algn="ctr"/>
+            <a:r>
+              <a:rPr lang="en-US" sz="800" dirty="0" smtClean="0">
+                <a:solidFill>
+                  <a:schemeClr val="tx1"/>
+                </a:solidFill>
+                <a:latin typeface="Arial" pitchFamily="34" charset="0"/>
+                <a:cs typeface="Arial" pitchFamily="34" charset="0"/>
+              </a:rPr>
+              <a:t>A</a:t>
+            </a:r>
+            <a:endParaRPr lang="en-US" sz="800" dirty="0">
+              <a:solidFill>
+                <a:schemeClr val="tx1"/>
+              </a:solidFill>
+              <a:latin typeface="Arial" pitchFamily="34" charset="0"/>
+              <a:cs typeface="Arial" pitchFamily="34" charset="0"/>
+            </a:endParaRPr>
+          </a:p>
+        </p:txBody>
+      </p:sp>
+      <p:sp>
+        <p:nvSpPr>
+          <p:cNvPr id="3" name="Oval 2"/>
+          <p:cNvSpPr/>
+          <p:nvPr/>
+        </p:nvSpPr>
+        <p:spPr>
+          <a:xfrm>
+            <a:off x="2058041" y="45702"/>
+            <a:ext cx="230429" cy="230429"/>
+          </a:xfrm>
+          <a:prstGeom prst="ellipse">
+            <a:avLst/>
+          </a:prstGeom>
+          <a:solidFill>
+            <a:srgbClr val="FFFFCC"/>
+          </a:solidFill>
+          <a:ln w="12700">
+            <a:solidFill>
+              <a:schemeClr val="tx1"/>
+            </a:solidFill>
+          </a:ln>
+        </p:spPr>
+        <p:style>
+          <a:lnRef idx="2">
+            <a:schemeClr val="accent1">
+              <a:shade val="50000"/>
+            </a:schemeClr>
+          </a:lnRef>
+          <a:fillRef idx="1">
+            <a:schemeClr val="accent1"/>
+          </a:fillRef>
+          <a:effectRef idx="0">
+            <a:schemeClr val="accent1"/>
+          </a:effectRef>
+          <a:fontRef idx="minor">
+            <a:schemeClr val="lt1"/>
+          </a:fontRef>
+        </p:style>
+        <p:txBody>
+          <a:bodyPr rtlCol="0" anchor="ctr"/>
+          <a:lstStyle/>
+          <a:p>
+            <a:pPr algn="ctr"/>
+            <a:r>
+              <a:rPr lang="en-US" sz="800" dirty="0" smtClean="0">
+                <a:solidFill>
+                  <a:schemeClr val="tx1"/>
+                </a:solidFill>
+                <a:latin typeface="Arial" pitchFamily="34" charset="0"/>
+                <a:cs typeface="Arial" pitchFamily="34" charset="0"/>
+              </a:rPr>
+              <a:t>B</a:t>
+            </a:r>
+            <a:endParaRPr lang="en-US" sz="800" dirty="0">
+              <a:solidFill>
+                <a:schemeClr val="tx1"/>
+              </a:solidFill>
+              <a:latin typeface="Arial" pitchFamily="34" charset="0"/>
+              <a:cs typeface="Arial" pitchFamily="34" charset="0"/>
+            </a:endParaRPr>
+          </a:p>
+        </p:txBody>
+      </p:sp>
+      <p:cxnSp>
+        <p:nvCxnSpPr>
+          <p:cNvPr id="4" name="Straight Arrow Connector 3"/>
+          <p:cNvCxnSpPr>
+            <a:stCxn id="2" idx="6"/>
+            <a:endCxn id="3" idx="2"/>
+          </p:cNvCxnSpPr>
+          <p:nvPr/>
+        </p:nvCxnSpPr>
+        <p:spPr>
+          <a:xfrm>
+            <a:off x="1815548" y="160915"/>
+            <a:ext cx="242493" cy="2"/>
+          </a:xfrm>
+          <a:prstGeom prst="straightConnector1">
+            <a:avLst/>
+          </a:prstGeom>
+          <a:ln w="12700">
+            <a:solidFill>
+              <a:schemeClr val="tx1"/>
+            </a:solidFill>
+            <a:headEnd w="sm" len="sm"/>
+            <a:tailEnd type="triangle" w="med" len="med"/>
+          </a:ln>
+        </p:spPr>
+        <p:style>
+          <a:lnRef idx="1">
+            <a:schemeClr val="accent1"/>
+          </a:lnRef>
+          <a:fillRef idx="0">
+            <a:schemeClr val="accent1"/>
+          </a:fillRef>
+          <a:effectRef idx="0">
+            <a:schemeClr val="accent1"/>
+          </a:effectRef>
+          <a:fontRef idx="minor">
+            <a:schemeClr val="tx1"/>
+          </a:fontRef>
+        </p:style>
+      </p:cxnSp>
+      <p:sp>
+        <p:nvSpPr>
+          <p:cNvPr id="5" name="Oval 4"/>
+          <p:cNvSpPr/>
+          <p:nvPr/>
+        </p:nvSpPr>
+        <p:spPr>
+          <a:xfrm>
+            <a:off x="2530963" y="46022"/>
+            <a:ext cx="230429" cy="230429"/>
+          </a:xfrm>
+          <a:prstGeom prst="ellipse">
+            <a:avLst/>
+          </a:prstGeom>
+          <a:solidFill>
+            <a:srgbClr val="A6CEE3"/>
+          </a:solidFill>
+          <a:ln w="12700">
+            <a:solidFill>
+              <a:schemeClr val="tx1"/>
+            </a:solidFill>
+          </a:ln>
+        </p:spPr>
+        <p:style>
+          <a:lnRef idx="2">
+            <a:schemeClr val="accent1">
+              <a:shade val="50000"/>
+            </a:schemeClr>
+          </a:lnRef>
+          <a:fillRef idx="1">
+            <a:schemeClr val="accent1"/>
+          </a:fillRef>
+          <a:effectRef idx="0">
+            <a:schemeClr val="accent1"/>
+          </a:effectRef>
+          <a:fontRef idx="minor">
+            <a:schemeClr val="lt1"/>
+          </a:fontRef>
+        </p:style>
+        <p:txBody>
+          <a:bodyPr rtlCol="0" anchor="ctr"/>
+          <a:lstStyle/>
+          <a:p>
+            <a:pPr algn="ctr"/>
+            <a:r>
+              <a:rPr lang="en-US" sz="800" dirty="0" smtClean="0">
+                <a:solidFill>
+                  <a:schemeClr val="tx1"/>
+                </a:solidFill>
+                <a:latin typeface="Arial" pitchFamily="34" charset="0"/>
+                <a:cs typeface="Arial" pitchFamily="34" charset="0"/>
+              </a:rPr>
+              <a:t>C</a:t>
+            </a:r>
+            <a:endParaRPr lang="en-US" sz="800" dirty="0">
+              <a:solidFill>
+                <a:schemeClr val="tx1"/>
+              </a:solidFill>
+              <a:latin typeface="Arial" pitchFamily="34" charset="0"/>
+              <a:cs typeface="Arial" pitchFamily="34" charset="0"/>
+            </a:endParaRPr>
+          </a:p>
+        </p:txBody>
+      </p:sp>
+      <p:cxnSp>
+        <p:nvCxnSpPr>
+          <p:cNvPr id="6" name="Straight Arrow Connector 5"/>
+          <p:cNvCxnSpPr/>
+          <p:nvPr/>
+        </p:nvCxnSpPr>
+        <p:spPr>
+          <a:xfrm>
+            <a:off x="2288470" y="161240"/>
+            <a:ext cx="242493" cy="2"/>
+          </a:xfrm>
+          <a:prstGeom prst="straightConnector1">
+            <a:avLst/>
+          </a:prstGeom>
+          <a:ln w="12700">
+            <a:solidFill>
+              <a:schemeClr val="tx1"/>
+            </a:solidFill>
+            <a:headEnd w="sm" len="sm"/>
+            <a:tailEnd type="triangle" w="med" len="med"/>
+          </a:ln>
+        </p:spPr>
+        <p:style>
+          <a:lnRef idx="1">
+            <a:schemeClr val="accent1"/>
+          </a:lnRef>
+          <a:fillRef idx="0">
+            <a:schemeClr val="accent1"/>
+          </a:fillRef>
+          <a:effectRef idx="0">
+            <a:schemeClr val="accent1"/>
+          </a:effectRef>
+          <a:fontRef idx="minor">
+            <a:schemeClr val="tx1"/>
+          </a:fontRef>
+        </p:style>
+      </p:cxnSp>
+      <p:sp>
+        <p:nvSpPr>
+          <p:cNvPr id="7" name="Oval 6"/>
+          <p:cNvSpPr/>
+          <p:nvPr/>
+        </p:nvSpPr>
+        <p:spPr>
+          <a:xfrm>
+            <a:off x="3003885" y="46022"/>
+            <a:ext cx="230429" cy="230429"/>
+          </a:xfrm>
+          <a:prstGeom prst="ellipse">
+            <a:avLst/>
+          </a:prstGeom>
+          <a:solidFill>
+            <a:srgbClr val="FFFFCC"/>
+          </a:solidFill>
+          <a:ln w="12700">
+            <a:solidFill>
+              <a:schemeClr val="tx1"/>
+            </a:solidFill>
+          </a:ln>
+        </p:spPr>
+        <p:style>
+          <a:lnRef idx="2">
+            <a:schemeClr val="accent1">
+              <a:shade val="50000"/>
+            </a:schemeClr>
+          </a:lnRef>
+          <a:fillRef idx="1">
+            <a:schemeClr val="accent1"/>
+          </a:fillRef>
+          <a:effectRef idx="0">
+            <a:schemeClr val="accent1"/>
+          </a:effectRef>
+          <a:fontRef idx="minor">
+            <a:schemeClr val="lt1"/>
+          </a:fontRef>
+        </p:style>
+        <p:txBody>
+          <a:bodyPr rtlCol="0" anchor="ctr"/>
+          <a:lstStyle/>
+          <a:p>
+            <a:pPr algn="ctr"/>
+            <a:r>
+              <a:rPr lang="en-US" sz="800" dirty="0">
+                <a:solidFill>
+                  <a:schemeClr val="tx1"/>
+                </a:solidFill>
+                <a:latin typeface="Arial" pitchFamily="34" charset="0"/>
+                <a:cs typeface="Arial" pitchFamily="34" charset="0"/>
+              </a:rPr>
+              <a:t>D</a:t>
+            </a:r>
+          </a:p>
+        </p:txBody>
+      </p:sp>
+      <p:cxnSp>
+        <p:nvCxnSpPr>
+          <p:cNvPr id="8" name="Straight Arrow Connector 7"/>
+          <p:cNvCxnSpPr/>
+          <p:nvPr/>
+        </p:nvCxnSpPr>
+        <p:spPr>
+          <a:xfrm>
+            <a:off x="2761392" y="161238"/>
+            <a:ext cx="242493" cy="2"/>
+          </a:xfrm>
+          <a:prstGeom prst="straightConnector1">
+            <a:avLst/>
+          </a:prstGeom>
+          <a:ln w="12700">
+            <a:solidFill>
+              <a:schemeClr val="tx1"/>
+            </a:solidFill>
+            <a:headEnd w="sm" len="sm"/>
+            <a:tailEnd type="triangle" w="med" len="med"/>
+          </a:ln>
+        </p:spPr>
+        <p:style>
+          <a:lnRef idx="1">
+            <a:schemeClr val="accent1"/>
+          </a:lnRef>
+          <a:fillRef idx="0">
+            <a:schemeClr val="accent1"/>
+          </a:fillRef>
+          <a:effectRef idx="0">
+            <a:schemeClr val="accent1"/>
+          </a:effectRef>
+          <a:fontRef idx="minor">
+            <a:schemeClr val="tx1"/>
+          </a:fontRef>
+        </p:style>
+      </p:cxnSp>
+      <p:cxnSp>
+        <p:nvCxnSpPr>
+          <p:cNvPr id="9" name="Straight Arrow Connector 8"/>
+          <p:cNvCxnSpPr/>
+          <p:nvPr/>
+        </p:nvCxnSpPr>
+        <p:spPr>
+          <a:xfrm>
+            <a:off x="3234314" y="161236"/>
+            <a:ext cx="242493" cy="2"/>
+          </a:xfrm>
+          <a:prstGeom prst="straightConnector1">
+            <a:avLst/>
+          </a:prstGeom>
+          <a:ln w="12700">
+            <a:solidFill>
+              <a:schemeClr val="tx1"/>
+            </a:solidFill>
+            <a:headEnd w="sm" len="sm"/>
+            <a:tailEnd type="triangle" w="med" len="med"/>
+          </a:ln>
+        </p:spPr>
+        <p:style>
+          <a:lnRef idx="1">
+            <a:schemeClr val="accent1"/>
+          </a:lnRef>
+          <a:fillRef idx="0">
+            <a:schemeClr val="accent1"/>
+          </a:fillRef>
+          <a:effectRef idx="0">
+            <a:schemeClr val="accent1"/>
+          </a:effectRef>
+          <a:fontRef idx="minor">
+            <a:schemeClr val="tx1"/>
+          </a:fontRef>
+        </p:style>
+      </p:cxnSp>
+      <p:sp>
+        <p:nvSpPr>
+          <p:cNvPr id="10" name="Oval 9"/>
+          <p:cNvSpPr/>
+          <p:nvPr/>
+        </p:nvSpPr>
+        <p:spPr>
+          <a:xfrm>
+            <a:off x="2530962" y="343520"/>
+            <a:ext cx="230429" cy="230429"/>
+          </a:xfrm>
+          <a:prstGeom prst="ellipse">
+            <a:avLst/>
+          </a:prstGeom>
+          <a:solidFill>
+            <a:srgbClr val="A6CEE3"/>
+          </a:solidFill>
+          <a:ln w="12700">
+            <a:solidFill>
+              <a:schemeClr val="tx1"/>
+            </a:solidFill>
+          </a:ln>
+        </p:spPr>
+        <p:style>
+          <a:lnRef idx="2">
+            <a:schemeClr val="accent1">
+              <a:shade val="50000"/>
+            </a:schemeClr>
+          </a:lnRef>
+          <a:fillRef idx="1">
+            <a:schemeClr val="accent1"/>
+          </a:fillRef>
+          <a:effectRef idx="0">
+            <a:schemeClr val="accent1"/>
+          </a:effectRef>
+          <a:fontRef idx="minor">
+            <a:schemeClr val="lt1"/>
+          </a:fontRef>
+        </p:style>
+        <p:txBody>
+          <a:bodyPr rtlCol="0" anchor="ctr"/>
+          <a:lstStyle/>
+          <a:p>
+            <a:pPr algn="ctr"/>
+            <a:r>
+              <a:rPr lang="en-US" sz="800" dirty="0">
+                <a:solidFill>
+                  <a:schemeClr val="tx1"/>
+                </a:solidFill>
+                <a:latin typeface="Arial" pitchFamily="34" charset="0"/>
+                <a:cs typeface="Arial" pitchFamily="34" charset="0"/>
+              </a:rPr>
+              <a:t>F</a:t>
+            </a:r>
+          </a:p>
+        </p:txBody>
+      </p:sp>
+      <p:cxnSp>
+        <p:nvCxnSpPr>
+          <p:cNvPr id="11" name="Straight Arrow Connector 10"/>
+          <p:cNvCxnSpPr>
+            <a:stCxn id="3" idx="5"/>
+            <a:endCxn id="10" idx="2"/>
+          </p:cNvCxnSpPr>
+          <p:nvPr/>
+        </p:nvCxnSpPr>
+        <p:spPr>
+          <a:xfrm>
+            <a:off x="2254724" y="242385"/>
+            <a:ext cx="276238" cy="216350"/>
+          </a:xfrm>
+          <a:prstGeom prst="straightConnector1">
+            <a:avLst/>
+          </a:prstGeom>
+          <a:ln w="12700">
+            <a:solidFill>
+              <a:schemeClr val="tx1"/>
+            </a:solidFill>
+            <a:headEnd w="sm" len="sm"/>
+            <a:tailEnd type="triangle" w="med" len="med"/>
+          </a:ln>
+        </p:spPr>
+        <p:style>
+          <a:lnRef idx="1">
+            <a:schemeClr val="accent1"/>
+          </a:lnRef>
+          <a:fillRef idx="0">
+            <a:schemeClr val="accent1"/>
+          </a:fillRef>
+          <a:effectRef idx="0">
+            <a:schemeClr val="accent1"/>
+          </a:effectRef>
+          <a:fontRef idx="minor">
+            <a:schemeClr val="tx1"/>
+          </a:fontRef>
+        </p:style>
+      </p:cxnSp>
+      <p:cxnSp>
+        <p:nvCxnSpPr>
+          <p:cNvPr id="12" name="Straight Arrow Connector 11"/>
+          <p:cNvCxnSpPr/>
+          <p:nvPr/>
+        </p:nvCxnSpPr>
+        <p:spPr>
+          <a:xfrm>
+            <a:off x="2764944" y="458735"/>
+            <a:ext cx="242493" cy="2"/>
+          </a:xfrm>
+          <a:prstGeom prst="straightConnector1">
+            <a:avLst/>
+          </a:prstGeom>
+          <a:ln w="12700">
+            <a:solidFill>
+              <a:schemeClr val="tx1"/>
+            </a:solidFill>
+            <a:headEnd w="sm" len="sm"/>
+            <a:tailEnd type="triangle" w="med" len="med"/>
+          </a:ln>
+        </p:spPr>
+        <p:style>
+          <a:lnRef idx="1">
+            <a:schemeClr val="accent1"/>
+          </a:lnRef>
+          <a:fillRef idx="0">
+            <a:schemeClr val="accent1"/>
+          </a:fillRef>
+          <a:effectRef idx="0">
+            <a:schemeClr val="accent1"/>
+          </a:effectRef>
+          <a:fontRef idx="minor">
+            <a:schemeClr val="tx1"/>
+          </a:fontRef>
+        </p:style>
+      </p:cxnSp>
+      <p:sp>
+        <p:nvSpPr>
+          <p:cNvPr id="13" name="Rectangle 12"/>
+          <p:cNvSpPr/>
+          <p:nvPr/>
+        </p:nvSpPr>
+        <p:spPr>
+          <a:xfrm>
+            <a:off x="3007437" y="343520"/>
+            <a:ext cx="230429" cy="230429"/>
+          </a:xfrm>
+          <a:prstGeom prst="rect">
+            <a:avLst/>
+          </a:prstGeom>
+          <a:solidFill>
+            <a:srgbClr val="FFFFCC"/>
+          </a:solidFill>
+          <a:ln w="12700">
+            <a:solidFill>
+              <a:schemeClr val="tx1"/>
+            </a:solidFill>
+          </a:ln>
+        </p:spPr>
+        <p:style>
+          <a:lnRef idx="2">
+            <a:schemeClr val="accent1">
+              <a:shade val="50000"/>
+            </a:schemeClr>
+          </a:lnRef>
+          <a:fillRef idx="1">
+            <a:schemeClr val="accent1"/>
+          </a:fillRef>
+          <a:effectRef idx="0">
+            <a:schemeClr val="accent1"/>
+          </a:effectRef>
+          <a:fontRef idx="minor">
+            <a:schemeClr val="lt1"/>
+          </a:fontRef>
+        </p:style>
+        <p:txBody>
+          <a:bodyPr rtlCol="0" anchor="ctr"/>
+          <a:lstStyle/>
+          <a:p>
+            <a:pPr algn="ctr"/>
+            <a:r>
+              <a:rPr lang="en-US" sz="800" dirty="0" smtClean="0">
+                <a:solidFill>
+                  <a:schemeClr val="tx1"/>
+                </a:solidFill>
+                <a:latin typeface="Arial" pitchFamily="34" charset="0"/>
+                <a:cs typeface="Arial" pitchFamily="34" charset="0"/>
+              </a:rPr>
+              <a:t>G</a:t>
+            </a:r>
+            <a:endParaRPr lang="en-US" sz="800" dirty="0">
+              <a:solidFill>
+                <a:schemeClr val="tx1"/>
+              </a:solidFill>
+              <a:latin typeface="Arial" pitchFamily="34" charset="0"/>
+              <a:cs typeface="Arial" pitchFamily="34" charset="0"/>
+            </a:endParaRPr>
+          </a:p>
+        </p:txBody>
+      </p:sp>
+      <p:sp>
+        <p:nvSpPr>
+          <p:cNvPr id="14" name="Rectangle 13"/>
+          <p:cNvSpPr/>
+          <p:nvPr/>
+        </p:nvSpPr>
+        <p:spPr>
+          <a:xfrm>
+            <a:off x="3476807" y="45699"/>
+            <a:ext cx="230429" cy="230429"/>
+          </a:xfrm>
+          <a:prstGeom prst="rect">
+            <a:avLst/>
+          </a:prstGeom>
+          <a:solidFill>
+            <a:srgbClr val="FFFFCC"/>
+          </a:solidFill>
+          <a:ln w="12700">
+            <a:solidFill>
+              <a:schemeClr val="tx1"/>
+            </a:solidFill>
+          </a:ln>
+        </p:spPr>
+        <p:style>
+          <a:lnRef idx="2">
+            <a:schemeClr val="accent1">
+              <a:shade val="50000"/>
+            </a:schemeClr>
+          </a:lnRef>
+          <a:fillRef idx="1">
+            <a:schemeClr val="accent1"/>
+          </a:fillRef>
+          <a:effectRef idx="0">
+            <a:schemeClr val="accent1"/>
+          </a:effectRef>
+          <a:fontRef idx="minor">
+            <a:schemeClr val="lt1"/>
+          </a:fontRef>
+        </p:style>
+        <p:txBody>
+          <a:bodyPr rtlCol="0" anchor="ctr"/>
+          <a:lstStyle/>
+          <a:p>
+            <a:pPr algn="ctr"/>
+            <a:r>
+              <a:rPr lang="en-US" sz="800" dirty="0" smtClean="0">
+                <a:solidFill>
+                  <a:schemeClr val="tx1"/>
+                </a:solidFill>
+                <a:latin typeface="Arial" pitchFamily="34" charset="0"/>
+                <a:cs typeface="Arial" pitchFamily="34" charset="0"/>
+              </a:rPr>
+              <a:t>E</a:t>
+            </a:r>
+            <a:endParaRPr lang="en-US" sz="800" dirty="0">
+              <a:solidFill>
+                <a:schemeClr val="tx1"/>
+              </a:solidFill>
+              <a:latin typeface="Arial" pitchFamily="34" charset="0"/>
+              <a:cs typeface="Arial" pitchFamily="34" charset="0"/>
+            </a:endParaRPr>
+          </a:p>
+        </p:txBody>
+      </p:sp>
+    </p:spTree>
+    <p:extLst>
+      <p:ext uri="{BB962C8B-B14F-4D97-AF65-F5344CB8AC3E}">
+        <p14:creationId xmlns:p14="http://schemas.microsoft.com/office/powerpoint/2010/main" val="1895283960"/>
       </p:ext>
     </p:extLst>
   </p:cSld>

--- a/monitoring_dift_drop/figs_src/diagrams-wide.pptx
+++ b/monitoring_dift_drop/figs_src/diagrams-wide.pptx
@@ -10,10 +10,12 @@
     <p:sldId id="259" r:id="rId4"/>
     <p:sldId id="260" r:id="rId5"/>
     <p:sldId id="261" r:id="rId6"/>
-    <p:sldId id="262" r:id="rId7"/>
-    <p:sldId id="263" r:id="rId8"/>
-    <p:sldId id="264" r:id="rId9"/>
-    <p:sldId id="265" r:id="rId10"/>
+    <p:sldId id="267" r:id="rId7"/>
+    <p:sldId id="262" r:id="rId8"/>
+    <p:sldId id="266" r:id="rId9"/>
+    <p:sldId id="263" r:id="rId10"/>
+    <p:sldId id="264" r:id="rId11"/>
+    <p:sldId id="265" r:id="rId12"/>
   </p:sldIdLst>
   <p:sldSz cx="5303838" cy="10058400"/>
   <p:notesSz cx="4845050" cy="9601200"/>
@@ -296,7 +298,7 @@
           <a:p>
             <a:fld id="{D9DE92D4-3454-4E80-9822-1258D18FA6E8}" type="datetimeFigureOut">
               <a:rPr lang="en-US" smtClean="0"/>
-              <a:t>3/3/2015</a:t>
+              <a:t>3/7/2015</a:t>
             </a:fld>
             <a:endParaRPr lang="en-US"/>
           </a:p>
@@ -466,7 +468,7 @@
           <a:p>
             <a:fld id="{D9DE92D4-3454-4E80-9822-1258D18FA6E8}" type="datetimeFigureOut">
               <a:rPr lang="en-US" smtClean="0"/>
-              <a:t>3/3/2015</a:t>
+              <a:t>3/7/2015</a:t>
             </a:fld>
             <a:endParaRPr lang="en-US"/>
           </a:p>
@@ -646,7 +648,7 @@
           <a:p>
             <a:fld id="{D9DE92D4-3454-4E80-9822-1258D18FA6E8}" type="datetimeFigureOut">
               <a:rPr lang="en-US" smtClean="0"/>
-              <a:t>3/3/2015</a:t>
+              <a:t>3/7/2015</a:t>
             </a:fld>
             <a:endParaRPr lang="en-US"/>
           </a:p>
@@ -816,7 +818,7 @@
           <a:p>
             <a:fld id="{D9DE92D4-3454-4E80-9822-1258D18FA6E8}" type="datetimeFigureOut">
               <a:rPr lang="en-US" smtClean="0"/>
-              <a:t>3/3/2015</a:t>
+              <a:t>3/7/2015</a:t>
             </a:fld>
             <a:endParaRPr lang="en-US"/>
           </a:p>
@@ -1062,7 +1064,7 @@
           <a:p>
             <a:fld id="{D9DE92D4-3454-4E80-9822-1258D18FA6E8}" type="datetimeFigureOut">
               <a:rPr lang="en-US" smtClean="0"/>
-              <a:t>3/3/2015</a:t>
+              <a:t>3/7/2015</a:t>
             </a:fld>
             <a:endParaRPr lang="en-US"/>
           </a:p>
@@ -1350,7 +1352,7 @@
           <a:p>
             <a:fld id="{D9DE92D4-3454-4E80-9822-1258D18FA6E8}" type="datetimeFigureOut">
               <a:rPr lang="en-US" smtClean="0"/>
-              <a:t>3/3/2015</a:t>
+              <a:t>3/7/2015</a:t>
             </a:fld>
             <a:endParaRPr lang="en-US"/>
           </a:p>
@@ -1777,7 +1779,7 @@
           <a:p>
             <a:fld id="{D9DE92D4-3454-4E80-9822-1258D18FA6E8}" type="datetimeFigureOut">
               <a:rPr lang="en-US" smtClean="0"/>
-              <a:t>3/3/2015</a:t>
+              <a:t>3/7/2015</a:t>
             </a:fld>
             <a:endParaRPr lang="en-US"/>
           </a:p>
@@ -1895,7 +1897,7 @@
           <a:p>
             <a:fld id="{D9DE92D4-3454-4E80-9822-1258D18FA6E8}" type="datetimeFigureOut">
               <a:rPr lang="en-US" smtClean="0"/>
-              <a:t>3/3/2015</a:t>
+              <a:t>3/7/2015</a:t>
             </a:fld>
             <a:endParaRPr lang="en-US"/>
           </a:p>
@@ -1990,7 +1992,7 @@
           <a:p>
             <a:fld id="{D9DE92D4-3454-4E80-9822-1258D18FA6E8}" type="datetimeFigureOut">
               <a:rPr lang="en-US" smtClean="0"/>
-              <a:t>3/3/2015</a:t>
+              <a:t>3/7/2015</a:t>
             </a:fld>
             <a:endParaRPr lang="en-US"/>
           </a:p>
@@ -2267,7 +2269,7 @@
           <a:p>
             <a:fld id="{D9DE92D4-3454-4E80-9822-1258D18FA6E8}" type="datetimeFigureOut">
               <a:rPr lang="en-US" smtClean="0"/>
-              <a:t>3/3/2015</a:t>
+              <a:t>3/7/2015</a:t>
             </a:fld>
             <a:endParaRPr lang="en-US"/>
           </a:p>
@@ -2520,7 +2522,7 @@
           <a:p>
             <a:fld id="{D9DE92D4-3454-4E80-9822-1258D18FA6E8}" type="datetimeFigureOut">
               <a:rPr lang="en-US" smtClean="0"/>
-              <a:t>3/3/2015</a:t>
+              <a:t>3/7/2015</a:t>
             </a:fld>
             <a:endParaRPr lang="en-US"/>
           </a:p>
@@ -2733,7 +2735,7 @@
           <a:p>
             <a:fld id="{D9DE92D4-3454-4E80-9822-1258D18FA6E8}" type="datetimeFigureOut">
               <a:rPr lang="en-US" smtClean="0"/>
-              <a:t>3/3/2015</a:t>
+              <a:t>3/7/2015</a:t>
             </a:fld>
             <a:endParaRPr lang="en-US"/>
           </a:p>
@@ -4297,6 +4299,1390 @@
 </p:sld>
 </file>
 
+<file path=ppt/slides/slide10.xml><?xml version="1.0" encoding="utf-8"?>
+<p:sld xmlns:a="http://schemas.openxmlformats.org/drawingml/2006/main" xmlns:r="http://schemas.openxmlformats.org/officeDocument/2006/relationships" xmlns:p="http://schemas.openxmlformats.org/presentationml/2006/main">
+  <p:cSld>
+    <p:spTree>
+      <p:nvGrpSpPr>
+        <p:cNvPr id="1" name=""/>
+        <p:cNvGrpSpPr/>
+        <p:nvPr/>
+      </p:nvGrpSpPr>
+      <p:grpSpPr>
+        <a:xfrm>
+          <a:off x="0" y="0"/>
+          <a:ext cx="0" cy="0"/>
+          <a:chOff x="0" y="0"/>
+          <a:chExt cx="0" cy="0"/>
+        </a:xfrm>
+      </p:grpSpPr>
+      <p:sp>
+        <p:nvSpPr>
+          <p:cNvPr id="2" name="Oval 1"/>
+          <p:cNvSpPr/>
+          <p:nvPr/>
+        </p:nvSpPr>
+        <p:spPr>
+          <a:xfrm>
+            <a:off x="1585119" y="45700"/>
+            <a:ext cx="230429" cy="230429"/>
+          </a:xfrm>
+          <a:prstGeom prst="ellipse">
+            <a:avLst/>
+          </a:prstGeom>
+          <a:solidFill>
+            <a:srgbClr val="A6CEE3"/>
+          </a:solidFill>
+          <a:ln w="12700">
+            <a:solidFill>
+              <a:schemeClr val="tx1"/>
+            </a:solidFill>
+          </a:ln>
+        </p:spPr>
+        <p:style>
+          <a:lnRef idx="2">
+            <a:schemeClr val="accent1">
+              <a:shade val="50000"/>
+            </a:schemeClr>
+          </a:lnRef>
+          <a:fillRef idx="1">
+            <a:schemeClr val="accent1"/>
+          </a:fillRef>
+          <a:effectRef idx="0">
+            <a:schemeClr val="accent1"/>
+          </a:effectRef>
+          <a:fontRef idx="minor">
+            <a:schemeClr val="lt1"/>
+          </a:fontRef>
+        </p:style>
+        <p:txBody>
+          <a:bodyPr rtlCol="0" anchor="ctr"/>
+          <a:lstStyle/>
+          <a:p>
+            <a:pPr algn="ctr"/>
+            <a:r>
+              <a:rPr lang="en-US" sz="800" dirty="0" smtClean="0">
+                <a:solidFill>
+                  <a:schemeClr val="tx1"/>
+                </a:solidFill>
+                <a:latin typeface="Arial" pitchFamily="34" charset="0"/>
+                <a:cs typeface="Arial" pitchFamily="34" charset="0"/>
+              </a:rPr>
+              <a:t>A</a:t>
+            </a:r>
+            <a:endParaRPr lang="en-US" sz="800" dirty="0">
+              <a:solidFill>
+                <a:schemeClr val="tx1"/>
+              </a:solidFill>
+              <a:latin typeface="Arial" pitchFamily="34" charset="0"/>
+              <a:cs typeface="Arial" pitchFamily="34" charset="0"/>
+            </a:endParaRPr>
+          </a:p>
+        </p:txBody>
+      </p:sp>
+      <p:sp>
+        <p:nvSpPr>
+          <p:cNvPr id="3" name="Oval 2"/>
+          <p:cNvSpPr/>
+          <p:nvPr/>
+        </p:nvSpPr>
+        <p:spPr>
+          <a:xfrm>
+            <a:off x="2058041" y="45702"/>
+            <a:ext cx="230429" cy="230429"/>
+          </a:xfrm>
+          <a:prstGeom prst="ellipse">
+            <a:avLst/>
+          </a:prstGeom>
+          <a:solidFill>
+            <a:srgbClr val="FFFFCC"/>
+          </a:solidFill>
+          <a:ln w="12700">
+            <a:solidFill>
+              <a:schemeClr val="tx1"/>
+            </a:solidFill>
+          </a:ln>
+        </p:spPr>
+        <p:style>
+          <a:lnRef idx="2">
+            <a:schemeClr val="accent1">
+              <a:shade val="50000"/>
+            </a:schemeClr>
+          </a:lnRef>
+          <a:fillRef idx="1">
+            <a:schemeClr val="accent1"/>
+          </a:fillRef>
+          <a:effectRef idx="0">
+            <a:schemeClr val="accent1"/>
+          </a:effectRef>
+          <a:fontRef idx="minor">
+            <a:schemeClr val="lt1"/>
+          </a:fontRef>
+        </p:style>
+        <p:txBody>
+          <a:bodyPr rtlCol="0" anchor="ctr"/>
+          <a:lstStyle/>
+          <a:p>
+            <a:pPr algn="ctr"/>
+            <a:r>
+              <a:rPr lang="en-US" sz="800" dirty="0" smtClean="0">
+                <a:solidFill>
+                  <a:schemeClr val="tx1"/>
+                </a:solidFill>
+                <a:latin typeface="Arial" pitchFamily="34" charset="0"/>
+                <a:cs typeface="Arial" pitchFamily="34" charset="0"/>
+              </a:rPr>
+              <a:t>B</a:t>
+            </a:r>
+            <a:endParaRPr lang="en-US" sz="800" dirty="0">
+              <a:solidFill>
+                <a:schemeClr val="tx1"/>
+              </a:solidFill>
+              <a:latin typeface="Arial" pitchFamily="34" charset="0"/>
+              <a:cs typeface="Arial" pitchFamily="34" charset="0"/>
+            </a:endParaRPr>
+          </a:p>
+        </p:txBody>
+      </p:sp>
+      <p:cxnSp>
+        <p:nvCxnSpPr>
+          <p:cNvPr id="4" name="Straight Arrow Connector 3"/>
+          <p:cNvCxnSpPr>
+            <a:stCxn id="2" idx="6"/>
+            <a:endCxn id="3" idx="2"/>
+          </p:cNvCxnSpPr>
+          <p:nvPr/>
+        </p:nvCxnSpPr>
+        <p:spPr>
+          <a:xfrm>
+            <a:off x="1815548" y="160915"/>
+            <a:ext cx="242493" cy="2"/>
+          </a:xfrm>
+          <a:prstGeom prst="straightConnector1">
+            <a:avLst/>
+          </a:prstGeom>
+          <a:ln w="12700">
+            <a:solidFill>
+              <a:schemeClr val="tx1"/>
+            </a:solidFill>
+            <a:headEnd w="sm" len="sm"/>
+            <a:tailEnd type="triangle" w="med" len="med"/>
+          </a:ln>
+        </p:spPr>
+        <p:style>
+          <a:lnRef idx="1">
+            <a:schemeClr val="accent1"/>
+          </a:lnRef>
+          <a:fillRef idx="0">
+            <a:schemeClr val="accent1"/>
+          </a:fillRef>
+          <a:effectRef idx="0">
+            <a:schemeClr val="accent1"/>
+          </a:effectRef>
+          <a:fontRef idx="minor">
+            <a:schemeClr val="tx1"/>
+          </a:fontRef>
+        </p:style>
+      </p:cxnSp>
+      <p:sp>
+        <p:nvSpPr>
+          <p:cNvPr id="5" name="Oval 4"/>
+          <p:cNvSpPr/>
+          <p:nvPr/>
+        </p:nvSpPr>
+        <p:spPr>
+          <a:xfrm>
+            <a:off x="2530963" y="46022"/>
+            <a:ext cx="230429" cy="230429"/>
+          </a:xfrm>
+          <a:prstGeom prst="ellipse">
+            <a:avLst/>
+          </a:prstGeom>
+          <a:solidFill>
+            <a:srgbClr val="FFFFCC"/>
+          </a:solidFill>
+          <a:ln w="12700">
+            <a:solidFill>
+              <a:schemeClr val="tx1"/>
+            </a:solidFill>
+          </a:ln>
+        </p:spPr>
+        <p:style>
+          <a:lnRef idx="2">
+            <a:schemeClr val="accent1">
+              <a:shade val="50000"/>
+            </a:schemeClr>
+          </a:lnRef>
+          <a:fillRef idx="1">
+            <a:schemeClr val="accent1"/>
+          </a:fillRef>
+          <a:effectRef idx="0">
+            <a:schemeClr val="accent1"/>
+          </a:effectRef>
+          <a:fontRef idx="minor">
+            <a:schemeClr val="lt1"/>
+          </a:fontRef>
+        </p:style>
+        <p:txBody>
+          <a:bodyPr rtlCol="0" anchor="ctr"/>
+          <a:lstStyle/>
+          <a:p>
+            <a:pPr algn="ctr"/>
+            <a:r>
+              <a:rPr lang="en-US" sz="800" dirty="0" smtClean="0">
+                <a:solidFill>
+                  <a:schemeClr val="tx1"/>
+                </a:solidFill>
+                <a:latin typeface="Arial" pitchFamily="34" charset="0"/>
+                <a:cs typeface="Arial" pitchFamily="34" charset="0"/>
+              </a:rPr>
+              <a:t>C</a:t>
+            </a:r>
+            <a:endParaRPr lang="en-US" sz="800" dirty="0">
+              <a:solidFill>
+                <a:schemeClr val="tx1"/>
+              </a:solidFill>
+              <a:latin typeface="Arial" pitchFamily="34" charset="0"/>
+              <a:cs typeface="Arial" pitchFamily="34" charset="0"/>
+            </a:endParaRPr>
+          </a:p>
+        </p:txBody>
+      </p:sp>
+      <p:cxnSp>
+        <p:nvCxnSpPr>
+          <p:cNvPr id="6" name="Straight Arrow Connector 5"/>
+          <p:cNvCxnSpPr/>
+          <p:nvPr/>
+        </p:nvCxnSpPr>
+        <p:spPr>
+          <a:xfrm>
+            <a:off x="2288470" y="161240"/>
+            <a:ext cx="242493" cy="2"/>
+          </a:xfrm>
+          <a:prstGeom prst="straightConnector1">
+            <a:avLst/>
+          </a:prstGeom>
+          <a:ln w="12700">
+            <a:solidFill>
+              <a:schemeClr val="tx1"/>
+            </a:solidFill>
+            <a:headEnd w="sm" len="sm"/>
+            <a:tailEnd type="triangle" w="med" len="med"/>
+          </a:ln>
+        </p:spPr>
+        <p:style>
+          <a:lnRef idx="1">
+            <a:schemeClr val="accent1"/>
+          </a:lnRef>
+          <a:fillRef idx="0">
+            <a:schemeClr val="accent1"/>
+          </a:fillRef>
+          <a:effectRef idx="0">
+            <a:schemeClr val="accent1"/>
+          </a:effectRef>
+          <a:fontRef idx="minor">
+            <a:schemeClr val="tx1"/>
+          </a:fontRef>
+        </p:style>
+      </p:cxnSp>
+      <p:sp>
+        <p:nvSpPr>
+          <p:cNvPr id="7" name="Oval 6"/>
+          <p:cNvSpPr/>
+          <p:nvPr/>
+        </p:nvSpPr>
+        <p:spPr>
+          <a:xfrm>
+            <a:off x="3003885" y="46022"/>
+            <a:ext cx="230429" cy="230429"/>
+          </a:xfrm>
+          <a:prstGeom prst="ellipse">
+            <a:avLst/>
+          </a:prstGeom>
+          <a:solidFill>
+            <a:srgbClr val="FFFFCC"/>
+          </a:solidFill>
+          <a:ln w="12700">
+            <a:solidFill>
+              <a:schemeClr val="tx1"/>
+            </a:solidFill>
+          </a:ln>
+        </p:spPr>
+        <p:style>
+          <a:lnRef idx="2">
+            <a:schemeClr val="accent1">
+              <a:shade val="50000"/>
+            </a:schemeClr>
+          </a:lnRef>
+          <a:fillRef idx="1">
+            <a:schemeClr val="accent1"/>
+          </a:fillRef>
+          <a:effectRef idx="0">
+            <a:schemeClr val="accent1"/>
+          </a:effectRef>
+          <a:fontRef idx="minor">
+            <a:schemeClr val="lt1"/>
+          </a:fontRef>
+        </p:style>
+        <p:txBody>
+          <a:bodyPr rtlCol="0" anchor="ctr"/>
+          <a:lstStyle/>
+          <a:p>
+            <a:pPr algn="ctr"/>
+            <a:r>
+              <a:rPr lang="en-US" sz="800" dirty="0">
+                <a:solidFill>
+                  <a:schemeClr val="tx1"/>
+                </a:solidFill>
+                <a:latin typeface="Arial" pitchFamily="34" charset="0"/>
+                <a:cs typeface="Arial" pitchFamily="34" charset="0"/>
+              </a:rPr>
+              <a:t>D</a:t>
+            </a:r>
+          </a:p>
+        </p:txBody>
+      </p:sp>
+      <p:cxnSp>
+        <p:nvCxnSpPr>
+          <p:cNvPr id="8" name="Straight Arrow Connector 7"/>
+          <p:cNvCxnSpPr/>
+          <p:nvPr/>
+        </p:nvCxnSpPr>
+        <p:spPr>
+          <a:xfrm>
+            <a:off x="2761392" y="161238"/>
+            <a:ext cx="242493" cy="2"/>
+          </a:xfrm>
+          <a:prstGeom prst="straightConnector1">
+            <a:avLst/>
+          </a:prstGeom>
+          <a:ln w="12700">
+            <a:solidFill>
+              <a:schemeClr val="tx1"/>
+            </a:solidFill>
+            <a:headEnd w="sm" len="sm"/>
+            <a:tailEnd type="triangle" w="med" len="med"/>
+          </a:ln>
+        </p:spPr>
+        <p:style>
+          <a:lnRef idx="1">
+            <a:schemeClr val="accent1"/>
+          </a:lnRef>
+          <a:fillRef idx="0">
+            <a:schemeClr val="accent1"/>
+          </a:fillRef>
+          <a:effectRef idx="0">
+            <a:schemeClr val="accent1"/>
+          </a:effectRef>
+          <a:fontRef idx="minor">
+            <a:schemeClr val="tx1"/>
+          </a:fontRef>
+        </p:style>
+      </p:cxnSp>
+      <p:cxnSp>
+        <p:nvCxnSpPr>
+          <p:cNvPr id="9" name="Straight Arrow Connector 8"/>
+          <p:cNvCxnSpPr/>
+          <p:nvPr/>
+        </p:nvCxnSpPr>
+        <p:spPr>
+          <a:xfrm>
+            <a:off x="3234314" y="161236"/>
+            <a:ext cx="242493" cy="2"/>
+          </a:xfrm>
+          <a:prstGeom prst="straightConnector1">
+            <a:avLst/>
+          </a:prstGeom>
+          <a:ln w="12700">
+            <a:solidFill>
+              <a:schemeClr val="tx1"/>
+            </a:solidFill>
+            <a:headEnd w="sm" len="sm"/>
+            <a:tailEnd type="triangle" w="med" len="med"/>
+          </a:ln>
+        </p:spPr>
+        <p:style>
+          <a:lnRef idx="1">
+            <a:schemeClr val="accent1"/>
+          </a:lnRef>
+          <a:fillRef idx="0">
+            <a:schemeClr val="accent1"/>
+          </a:fillRef>
+          <a:effectRef idx="0">
+            <a:schemeClr val="accent1"/>
+          </a:effectRef>
+          <a:fontRef idx="minor">
+            <a:schemeClr val="tx1"/>
+          </a:fontRef>
+        </p:style>
+      </p:cxnSp>
+      <p:sp>
+        <p:nvSpPr>
+          <p:cNvPr id="10" name="Oval 9"/>
+          <p:cNvSpPr/>
+          <p:nvPr/>
+        </p:nvSpPr>
+        <p:spPr>
+          <a:xfrm>
+            <a:off x="2530962" y="343520"/>
+            <a:ext cx="230429" cy="230429"/>
+          </a:xfrm>
+          <a:prstGeom prst="ellipse">
+            <a:avLst/>
+          </a:prstGeom>
+          <a:solidFill>
+            <a:srgbClr val="FFFFCC"/>
+          </a:solidFill>
+          <a:ln w="12700">
+            <a:solidFill>
+              <a:schemeClr val="tx1"/>
+            </a:solidFill>
+          </a:ln>
+        </p:spPr>
+        <p:style>
+          <a:lnRef idx="2">
+            <a:schemeClr val="accent1">
+              <a:shade val="50000"/>
+            </a:schemeClr>
+          </a:lnRef>
+          <a:fillRef idx="1">
+            <a:schemeClr val="accent1"/>
+          </a:fillRef>
+          <a:effectRef idx="0">
+            <a:schemeClr val="accent1"/>
+          </a:effectRef>
+          <a:fontRef idx="minor">
+            <a:schemeClr val="lt1"/>
+          </a:fontRef>
+        </p:style>
+        <p:txBody>
+          <a:bodyPr rtlCol="0" anchor="ctr"/>
+          <a:lstStyle/>
+          <a:p>
+            <a:pPr algn="ctr"/>
+            <a:r>
+              <a:rPr lang="en-US" sz="800" dirty="0">
+                <a:solidFill>
+                  <a:schemeClr val="tx1"/>
+                </a:solidFill>
+                <a:latin typeface="Arial" pitchFamily="34" charset="0"/>
+                <a:cs typeface="Arial" pitchFamily="34" charset="0"/>
+              </a:rPr>
+              <a:t>F</a:t>
+            </a:r>
+          </a:p>
+        </p:txBody>
+      </p:sp>
+      <p:cxnSp>
+        <p:nvCxnSpPr>
+          <p:cNvPr id="11" name="Straight Arrow Connector 10"/>
+          <p:cNvCxnSpPr>
+            <a:stCxn id="3" idx="5"/>
+            <a:endCxn id="10" idx="2"/>
+          </p:cNvCxnSpPr>
+          <p:nvPr/>
+        </p:nvCxnSpPr>
+        <p:spPr>
+          <a:xfrm>
+            <a:off x="2254724" y="242385"/>
+            <a:ext cx="276238" cy="216350"/>
+          </a:xfrm>
+          <a:prstGeom prst="straightConnector1">
+            <a:avLst/>
+          </a:prstGeom>
+          <a:ln w="12700">
+            <a:solidFill>
+              <a:schemeClr val="tx1"/>
+            </a:solidFill>
+            <a:headEnd w="sm" len="sm"/>
+            <a:tailEnd type="triangle" w="med" len="med"/>
+          </a:ln>
+        </p:spPr>
+        <p:style>
+          <a:lnRef idx="1">
+            <a:schemeClr val="accent1"/>
+          </a:lnRef>
+          <a:fillRef idx="0">
+            <a:schemeClr val="accent1"/>
+          </a:fillRef>
+          <a:effectRef idx="0">
+            <a:schemeClr val="accent1"/>
+          </a:effectRef>
+          <a:fontRef idx="minor">
+            <a:schemeClr val="tx1"/>
+          </a:fontRef>
+        </p:style>
+      </p:cxnSp>
+      <p:cxnSp>
+        <p:nvCxnSpPr>
+          <p:cNvPr id="12" name="Straight Arrow Connector 11"/>
+          <p:cNvCxnSpPr/>
+          <p:nvPr/>
+        </p:nvCxnSpPr>
+        <p:spPr>
+          <a:xfrm>
+            <a:off x="2764944" y="458735"/>
+            <a:ext cx="242493" cy="2"/>
+          </a:xfrm>
+          <a:prstGeom prst="straightConnector1">
+            <a:avLst/>
+          </a:prstGeom>
+          <a:ln w="12700">
+            <a:solidFill>
+              <a:schemeClr val="tx1"/>
+            </a:solidFill>
+            <a:headEnd w="sm" len="sm"/>
+            <a:tailEnd type="triangle" w="med" len="med"/>
+          </a:ln>
+        </p:spPr>
+        <p:style>
+          <a:lnRef idx="1">
+            <a:schemeClr val="accent1"/>
+          </a:lnRef>
+          <a:fillRef idx="0">
+            <a:schemeClr val="accent1"/>
+          </a:fillRef>
+          <a:effectRef idx="0">
+            <a:schemeClr val="accent1"/>
+          </a:effectRef>
+          <a:fontRef idx="minor">
+            <a:schemeClr val="tx1"/>
+          </a:fontRef>
+        </p:style>
+      </p:cxnSp>
+      <p:sp>
+        <p:nvSpPr>
+          <p:cNvPr id="13" name="Rectangle 12"/>
+          <p:cNvSpPr/>
+          <p:nvPr/>
+        </p:nvSpPr>
+        <p:spPr>
+          <a:xfrm>
+            <a:off x="3007437" y="343520"/>
+            <a:ext cx="230429" cy="230429"/>
+          </a:xfrm>
+          <a:prstGeom prst="rect">
+            <a:avLst/>
+          </a:prstGeom>
+          <a:solidFill>
+            <a:srgbClr val="FFFFCC"/>
+          </a:solidFill>
+          <a:ln w="12700">
+            <a:solidFill>
+              <a:schemeClr val="tx1"/>
+            </a:solidFill>
+          </a:ln>
+        </p:spPr>
+        <p:style>
+          <a:lnRef idx="2">
+            <a:schemeClr val="accent1">
+              <a:shade val="50000"/>
+            </a:schemeClr>
+          </a:lnRef>
+          <a:fillRef idx="1">
+            <a:schemeClr val="accent1"/>
+          </a:fillRef>
+          <a:effectRef idx="0">
+            <a:schemeClr val="accent1"/>
+          </a:effectRef>
+          <a:fontRef idx="minor">
+            <a:schemeClr val="lt1"/>
+          </a:fontRef>
+        </p:style>
+        <p:txBody>
+          <a:bodyPr rtlCol="0" anchor="ctr"/>
+          <a:lstStyle/>
+          <a:p>
+            <a:pPr algn="ctr"/>
+            <a:r>
+              <a:rPr lang="en-US" sz="800" dirty="0" smtClean="0">
+                <a:solidFill>
+                  <a:schemeClr val="tx1"/>
+                </a:solidFill>
+                <a:latin typeface="Arial" pitchFamily="34" charset="0"/>
+                <a:cs typeface="Arial" pitchFamily="34" charset="0"/>
+              </a:rPr>
+              <a:t>G</a:t>
+            </a:r>
+            <a:endParaRPr lang="en-US" sz="800" dirty="0">
+              <a:solidFill>
+                <a:schemeClr val="tx1"/>
+              </a:solidFill>
+              <a:latin typeface="Arial" pitchFamily="34" charset="0"/>
+              <a:cs typeface="Arial" pitchFamily="34" charset="0"/>
+            </a:endParaRPr>
+          </a:p>
+        </p:txBody>
+      </p:sp>
+      <p:sp>
+        <p:nvSpPr>
+          <p:cNvPr id="14" name="Rectangle 13"/>
+          <p:cNvSpPr/>
+          <p:nvPr/>
+        </p:nvSpPr>
+        <p:spPr>
+          <a:xfrm>
+            <a:off x="3476807" y="45699"/>
+            <a:ext cx="230429" cy="230429"/>
+          </a:xfrm>
+          <a:prstGeom prst="rect">
+            <a:avLst/>
+          </a:prstGeom>
+          <a:solidFill>
+            <a:srgbClr val="FFFFCC"/>
+          </a:solidFill>
+          <a:ln w="12700">
+            <a:solidFill>
+              <a:schemeClr val="tx1"/>
+            </a:solidFill>
+          </a:ln>
+        </p:spPr>
+        <p:style>
+          <a:lnRef idx="2">
+            <a:schemeClr val="accent1">
+              <a:shade val="50000"/>
+            </a:schemeClr>
+          </a:lnRef>
+          <a:fillRef idx="1">
+            <a:schemeClr val="accent1"/>
+          </a:fillRef>
+          <a:effectRef idx="0">
+            <a:schemeClr val="accent1"/>
+          </a:effectRef>
+          <a:fontRef idx="minor">
+            <a:schemeClr val="lt1"/>
+          </a:fontRef>
+        </p:style>
+        <p:txBody>
+          <a:bodyPr rtlCol="0" anchor="ctr"/>
+          <a:lstStyle/>
+          <a:p>
+            <a:pPr algn="ctr"/>
+            <a:r>
+              <a:rPr lang="en-US" sz="800" dirty="0" smtClean="0">
+                <a:solidFill>
+                  <a:schemeClr val="tx1"/>
+                </a:solidFill>
+                <a:latin typeface="Arial" pitchFamily="34" charset="0"/>
+                <a:cs typeface="Arial" pitchFamily="34" charset="0"/>
+              </a:rPr>
+              <a:t>E</a:t>
+            </a:r>
+            <a:endParaRPr lang="en-US" sz="800" dirty="0">
+              <a:solidFill>
+                <a:schemeClr val="tx1"/>
+              </a:solidFill>
+              <a:latin typeface="Arial" pitchFamily="34" charset="0"/>
+              <a:cs typeface="Arial" pitchFamily="34" charset="0"/>
+            </a:endParaRPr>
+          </a:p>
+        </p:txBody>
+      </p:sp>
+    </p:spTree>
+    <p:extLst>
+      <p:ext uri="{BB962C8B-B14F-4D97-AF65-F5344CB8AC3E}">
+        <p14:creationId xmlns:p14="http://schemas.microsoft.com/office/powerpoint/2010/main" val="965364603"/>
+      </p:ext>
+    </p:extLst>
+  </p:cSld>
+  <p:clrMapOvr>
+    <a:masterClrMapping/>
+  </p:clrMapOvr>
+</p:sld>
+</file>
+
+<file path=ppt/slides/slide11.xml><?xml version="1.0" encoding="utf-8"?>
+<p:sld xmlns:a="http://schemas.openxmlformats.org/drawingml/2006/main" xmlns:r="http://schemas.openxmlformats.org/officeDocument/2006/relationships" xmlns:p="http://schemas.openxmlformats.org/presentationml/2006/main">
+  <p:cSld>
+    <p:spTree>
+      <p:nvGrpSpPr>
+        <p:cNvPr id="1" name=""/>
+        <p:cNvGrpSpPr/>
+        <p:nvPr/>
+      </p:nvGrpSpPr>
+      <p:grpSpPr>
+        <a:xfrm>
+          <a:off x="0" y="0"/>
+          <a:ext cx="0" cy="0"/>
+          <a:chOff x="0" y="0"/>
+          <a:chExt cx="0" cy="0"/>
+        </a:xfrm>
+      </p:grpSpPr>
+      <p:sp>
+        <p:nvSpPr>
+          <p:cNvPr id="2" name="Oval 1"/>
+          <p:cNvSpPr/>
+          <p:nvPr/>
+        </p:nvSpPr>
+        <p:spPr>
+          <a:xfrm>
+            <a:off x="1585119" y="45700"/>
+            <a:ext cx="230429" cy="230429"/>
+          </a:xfrm>
+          <a:prstGeom prst="ellipse">
+            <a:avLst/>
+          </a:prstGeom>
+          <a:solidFill>
+            <a:srgbClr val="A6CEE3"/>
+          </a:solidFill>
+          <a:ln w="12700">
+            <a:solidFill>
+              <a:schemeClr val="tx1"/>
+            </a:solidFill>
+          </a:ln>
+        </p:spPr>
+        <p:style>
+          <a:lnRef idx="2">
+            <a:schemeClr val="accent1">
+              <a:shade val="50000"/>
+            </a:schemeClr>
+          </a:lnRef>
+          <a:fillRef idx="1">
+            <a:schemeClr val="accent1"/>
+          </a:fillRef>
+          <a:effectRef idx="0">
+            <a:schemeClr val="accent1"/>
+          </a:effectRef>
+          <a:fontRef idx="minor">
+            <a:schemeClr val="lt1"/>
+          </a:fontRef>
+        </p:style>
+        <p:txBody>
+          <a:bodyPr rtlCol="0" anchor="ctr"/>
+          <a:lstStyle/>
+          <a:p>
+            <a:pPr algn="ctr"/>
+            <a:r>
+              <a:rPr lang="en-US" sz="800" dirty="0" smtClean="0">
+                <a:solidFill>
+                  <a:schemeClr val="tx1"/>
+                </a:solidFill>
+                <a:latin typeface="Arial" pitchFamily="34" charset="0"/>
+                <a:cs typeface="Arial" pitchFamily="34" charset="0"/>
+              </a:rPr>
+              <a:t>A</a:t>
+            </a:r>
+            <a:endParaRPr lang="en-US" sz="800" dirty="0">
+              <a:solidFill>
+                <a:schemeClr val="tx1"/>
+              </a:solidFill>
+              <a:latin typeface="Arial" pitchFamily="34" charset="0"/>
+              <a:cs typeface="Arial" pitchFamily="34" charset="0"/>
+            </a:endParaRPr>
+          </a:p>
+        </p:txBody>
+      </p:sp>
+      <p:sp>
+        <p:nvSpPr>
+          <p:cNvPr id="3" name="Oval 2"/>
+          <p:cNvSpPr/>
+          <p:nvPr/>
+        </p:nvSpPr>
+        <p:spPr>
+          <a:xfrm>
+            <a:off x="2058041" y="45702"/>
+            <a:ext cx="230429" cy="230429"/>
+          </a:xfrm>
+          <a:prstGeom prst="ellipse">
+            <a:avLst/>
+          </a:prstGeom>
+          <a:solidFill>
+            <a:srgbClr val="FFFFCC"/>
+          </a:solidFill>
+          <a:ln w="12700">
+            <a:solidFill>
+              <a:schemeClr val="tx1"/>
+            </a:solidFill>
+          </a:ln>
+        </p:spPr>
+        <p:style>
+          <a:lnRef idx="2">
+            <a:schemeClr val="accent1">
+              <a:shade val="50000"/>
+            </a:schemeClr>
+          </a:lnRef>
+          <a:fillRef idx="1">
+            <a:schemeClr val="accent1"/>
+          </a:fillRef>
+          <a:effectRef idx="0">
+            <a:schemeClr val="accent1"/>
+          </a:effectRef>
+          <a:fontRef idx="minor">
+            <a:schemeClr val="lt1"/>
+          </a:fontRef>
+        </p:style>
+        <p:txBody>
+          <a:bodyPr rtlCol="0" anchor="ctr"/>
+          <a:lstStyle/>
+          <a:p>
+            <a:pPr algn="ctr"/>
+            <a:r>
+              <a:rPr lang="en-US" sz="800" dirty="0" smtClean="0">
+                <a:solidFill>
+                  <a:schemeClr val="tx1"/>
+                </a:solidFill>
+                <a:latin typeface="Arial" pitchFamily="34" charset="0"/>
+                <a:cs typeface="Arial" pitchFamily="34" charset="0"/>
+              </a:rPr>
+              <a:t>B</a:t>
+            </a:r>
+            <a:endParaRPr lang="en-US" sz="800" dirty="0">
+              <a:solidFill>
+                <a:schemeClr val="tx1"/>
+              </a:solidFill>
+              <a:latin typeface="Arial" pitchFamily="34" charset="0"/>
+              <a:cs typeface="Arial" pitchFamily="34" charset="0"/>
+            </a:endParaRPr>
+          </a:p>
+        </p:txBody>
+      </p:sp>
+      <p:cxnSp>
+        <p:nvCxnSpPr>
+          <p:cNvPr id="4" name="Straight Arrow Connector 3"/>
+          <p:cNvCxnSpPr>
+            <a:stCxn id="2" idx="6"/>
+            <a:endCxn id="3" idx="2"/>
+          </p:cNvCxnSpPr>
+          <p:nvPr/>
+        </p:nvCxnSpPr>
+        <p:spPr>
+          <a:xfrm>
+            <a:off x="1815548" y="160915"/>
+            <a:ext cx="242493" cy="2"/>
+          </a:xfrm>
+          <a:prstGeom prst="straightConnector1">
+            <a:avLst/>
+          </a:prstGeom>
+          <a:ln w="12700">
+            <a:solidFill>
+              <a:schemeClr val="tx1"/>
+            </a:solidFill>
+            <a:headEnd w="sm" len="sm"/>
+            <a:tailEnd type="triangle" w="med" len="med"/>
+          </a:ln>
+        </p:spPr>
+        <p:style>
+          <a:lnRef idx="1">
+            <a:schemeClr val="accent1"/>
+          </a:lnRef>
+          <a:fillRef idx="0">
+            <a:schemeClr val="accent1"/>
+          </a:fillRef>
+          <a:effectRef idx="0">
+            <a:schemeClr val="accent1"/>
+          </a:effectRef>
+          <a:fontRef idx="minor">
+            <a:schemeClr val="tx1"/>
+          </a:fontRef>
+        </p:style>
+      </p:cxnSp>
+      <p:sp>
+        <p:nvSpPr>
+          <p:cNvPr id="5" name="Oval 4"/>
+          <p:cNvSpPr/>
+          <p:nvPr/>
+        </p:nvSpPr>
+        <p:spPr>
+          <a:xfrm>
+            <a:off x="2530963" y="46022"/>
+            <a:ext cx="230429" cy="230429"/>
+          </a:xfrm>
+          <a:prstGeom prst="ellipse">
+            <a:avLst/>
+          </a:prstGeom>
+          <a:solidFill>
+            <a:srgbClr val="A6CEE3"/>
+          </a:solidFill>
+          <a:ln w="12700">
+            <a:solidFill>
+              <a:schemeClr val="tx1"/>
+            </a:solidFill>
+          </a:ln>
+        </p:spPr>
+        <p:style>
+          <a:lnRef idx="2">
+            <a:schemeClr val="accent1">
+              <a:shade val="50000"/>
+            </a:schemeClr>
+          </a:lnRef>
+          <a:fillRef idx="1">
+            <a:schemeClr val="accent1"/>
+          </a:fillRef>
+          <a:effectRef idx="0">
+            <a:schemeClr val="accent1"/>
+          </a:effectRef>
+          <a:fontRef idx="minor">
+            <a:schemeClr val="lt1"/>
+          </a:fontRef>
+        </p:style>
+        <p:txBody>
+          <a:bodyPr rtlCol="0" anchor="ctr"/>
+          <a:lstStyle/>
+          <a:p>
+            <a:pPr algn="ctr"/>
+            <a:r>
+              <a:rPr lang="en-US" sz="800" dirty="0" smtClean="0">
+                <a:solidFill>
+                  <a:schemeClr val="tx1"/>
+                </a:solidFill>
+                <a:latin typeface="Arial" pitchFamily="34" charset="0"/>
+                <a:cs typeface="Arial" pitchFamily="34" charset="0"/>
+              </a:rPr>
+              <a:t>C</a:t>
+            </a:r>
+            <a:endParaRPr lang="en-US" sz="800" dirty="0">
+              <a:solidFill>
+                <a:schemeClr val="tx1"/>
+              </a:solidFill>
+              <a:latin typeface="Arial" pitchFamily="34" charset="0"/>
+              <a:cs typeface="Arial" pitchFamily="34" charset="0"/>
+            </a:endParaRPr>
+          </a:p>
+        </p:txBody>
+      </p:sp>
+      <p:cxnSp>
+        <p:nvCxnSpPr>
+          <p:cNvPr id="6" name="Straight Arrow Connector 5"/>
+          <p:cNvCxnSpPr/>
+          <p:nvPr/>
+        </p:nvCxnSpPr>
+        <p:spPr>
+          <a:xfrm>
+            <a:off x="2288470" y="161240"/>
+            <a:ext cx="242493" cy="2"/>
+          </a:xfrm>
+          <a:prstGeom prst="straightConnector1">
+            <a:avLst/>
+          </a:prstGeom>
+          <a:ln w="12700">
+            <a:solidFill>
+              <a:schemeClr val="tx1"/>
+            </a:solidFill>
+            <a:headEnd w="sm" len="sm"/>
+            <a:tailEnd type="triangle" w="med" len="med"/>
+          </a:ln>
+        </p:spPr>
+        <p:style>
+          <a:lnRef idx="1">
+            <a:schemeClr val="accent1"/>
+          </a:lnRef>
+          <a:fillRef idx="0">
+            <a:schemeClr val="accent1"/>
+          </a:fillRef>
+          <a:effectRef idx="0">
+            <a:schemeClr val="accent1"/>
+          </a:effectRef>
+          <a:fontRef idx="minor">
+            <a:schemeClr val="tx1"/>
+          </a:fontRef>
+        </p:style>
+      </p:cxnSp>
+      <p:sp>
+        <p:nvSpPr>
+          <p:cNvPr id="7" name="Oval 6"/>
+          <p:cNvSpPr/>
+          <p:nvPr/>
+        </p:nvSpPr>
+        <p:spPr>
+          <a:xfrm>
+            <a:off x="3003885" y="46022"/>
+            <a:ext cx="230429" cy="230429"/>
+          </a:xfrm>
+          <a:prstGeom prst="ellipse">
+            <a:avLst/>
+          </a:prstGeom>
+          <a:solidFill>
+            <a:srgbClr val="FFFFCC"/>
+          </a:solidFill>
+          <a:ln w="12700">
+            <a:solidFill>
+              <a:schemeClr val="tx1"/>
+            </a:solidFill>
+          </a:ln>
+        </p:spPr>
+        <p:style>
+          <a:lnRef idx="2">
+            <a:schemeClr val="accent1">
+              <a:shade val="50000"/>
+            </a:schemeClr>
+          </a:lnRef>
+          <a:fillRef idx="1">
+            <a:schemeClr val="accent1"/>
+          </a:fillRef>
+          <a:effectRef idx="0">
+            <a:schemeClr val="accent1"/>
+          </a:effectRef>
+          <a:fontRef idx="minor">
+            <a:schemeClr val="lt1"/>
+          </a:fontRef>
+        </p:style>
+        <p:txBody>
+          <a:bodyPr rtlCol="0" anchor="ctr"/>
+          <a:lstStyle/>
+          <a:p>
+            <a:pPr algn="ctr"/>
+            <a:r>
+              <a:rPr lang="en-US" sz="800" dirty="0">
+                <a:solidFill>
+                  <a:schemeClr val="tx1"/>
+                </a:solidFill>
+                <a:latin typeface="Arial" pitchFamily="34" charset="0"/>
+                <a:cs typeface="Arial" pitchFamily="34" charset="0"/>
+              </a:rPr>
+              <a:t>D</a:t>
+            </a:r>
+          </a:p>
+        </p:txBody>
+      </p:sp>
+      <p:cxnSp>
+        <p:nvCxnSpPr>
+          <p:cNvPr id="8" name="Straight Arrow Connector 7"/>
+          <p:cNvCxnSpPr/>
+          <p:nvPr/>
+        </p:nvCxnSpPr>
+        <p:spPr>
+          <a:xfrm>
+            <a:off x="2761392" y="161238"/>
+            <a:ext cx="242493" cy="2"/>
+          </a:xfrm>
+          <a:prstGeom prst="straightConnector1">
+            <a:avLst/>
+          </a:prstGeom>
+          <a:ln w="12700">
+            <a:solidFill>
+              <a:schemeClr val="tx1"/>
+            </a:solidFill>
+            <a:headEnd w="sm" len="sm"/>
+            <a:tailEnd type="triangle" w="med" len="med"/>
+          </a:ln>
+        </p:spPr>
+        <p:style>
+          <a:lnRef idx="1">
+            <a:schemeClr val="accent1"/>
+          </a:lnRef>
+          <a:fillRef idx="0">
+            <a:schemeClr val="accent1"/>
+          </a:fillRef>
+          <a:effectRef idx="0">
+            <a:schemeClr val="accent1"/>
+          </a:effectRef>
+          <a:fontRef idx="minor">
+            <a:schemeClr val="tx1"/>
+          </a:fontRef>
+        </p:style>
+      </p:cxnSp>
+      <p:cxnSp>
+        <p:nvCxnSpPr>
+          <p:cNvPr id="9" name="Straight Arrow Connector 8"/>
+          <p:cNvCxnSpPr/>
+          <p:nvPr/>
+        </p:nvCxnSpPr>
+        <p:spPr>
+          <a:xfrm>
+            <a:off x="3234314" y="161236"/>
+            <a:ext cx="242493" cy="2"/>
+          </a:xfrm>
+          <a:prstGeom prst="straightConnector1">
+            <a:avLst/>
+          </a:prstGeom>
+          <a:ln w="12700">
+            <a:solidFill>
+              <a:schemeClr val="tx1"/>
+            </a:solidFill>
+            <a:headEnd w="sm" len="sm"/>
+            <a:tailEnd type="triangle" w="med" len="med"/>
+          </a:ln>
+        </p:spPr>
+        <p:style>
+          <a:lnRef idx="1">
+            <a:schemeClr val="accent1"/>
+          </a:lnRef>
+          <a:fillRef idx="0">
+            <a:schemeClr val="accent1"/>
+          </a:fillRef>
+          <a:effectRef idx="0">
+            <a:schemeClr val="accent1"/>
+          </a:effectRef>
+          <a:fontRef idx="minor">
+            <a:schemeClr val="tx1"/>
+          </a:fontRef>
+        </p:style>
+      </p:cxnSp>
+      <p:sp>
+        <p:nvSpPr>
+          <p:cNvPr id="10" name="Oval 9"/>
+          <p:cNvSpPr/>
+          <p:nvPr/>
+        </p:nvSpPr>
+        <p:spPr>
+          <a:xfrm>
+            <a:off x="2530962" y="343520"/>
+            <a:ext cx="230429" cy="230429"/>
+          </a:xfrm>
+          <a:prstGeom prst="ellipse">
+            <a:avLst/>
+          </a:prstGeom>
+          <a:solidFill>
+            <a:srgbClr val="A6CEE3"/>
+          </a:solidFill>
+          <a:ln w="12700">
+            <a:solidFill>
+              <a:schemeClr val="tx1"/>
+            </a:solidFill>
+          </a:ln>
+        </p:spPr>
+        <p:style>
+          <a:lnRef idx="2">
+            <a:schemeClr val="accent1">
+              <a:shade val="50000"/>
+            </a:schemeClr>
+          </a:lnRef>
+          <a:fillRef idx="1">
+            <a:schemeClr val="accent1"/>
+          </a:fillRef>
+          <a:effectRef idx="0">
+            <a:schemeClr val="accent1"/>
+          </a:effectRef>
+          <a:fontRef idx="minor">
+            <a:schemeClr val="lt1"/>
+          </a:fontRef>
+        </p:style>
+        <p:txBody>
+          <a:bodyPr rtlCol="0" anchor="ctr"/>
+          <a:lstStyle/>
+          <a:p>
+            <a:pPr algn="ctr"/>
+            <a:r>
+              <a:rPr lang="en-US" sz="800" dirty="0">
+                <a:solidFill>
+                  <a:schemeClr val="tx1"/>
+                </a:solidFill>
+                <a:latin typeface="Arial" pitchFamily="34" charset="0"/>
+                <a:cs typeface="Arial" pitchFamily="34" charset="0"/>
+              </a:rPr>
+              <a:t>F</a:t>
+            </a:r>
+          </a:p>
+        </p:txBody>
+      </p:sp>
+      <p:cxnSp>
+        <p:nvCxnSpPr>
+          <p:cNvPr id="11" name="Straight Arrow Connector 10"/>
+          <p:cNvCxnSpPr>
+            <a:stCxn id="3" idx="5"/>
+            <a:endCxn id="10" idx="2"/>
+          </p:cNvCxnSpPr>
+          <p:nvPr/>
+        </p:nvCxnSpPr>
+        <p:spPr>
+          <a:xfrm>
+            <a:off x="2254724" y="242385"/>
+            <a:ext cx="276238" cy="216350"/>
+          </a:xfrm>
+          <a:prstGeom prst="straightConnector1">
+            <a:avLst/>
+          </a:prstGeom>
+          <a:ln w="12700">
+            <a:solidFill>
+              <a:schemeClr val="tx1"/>
+            </a:solidFill>
+            <a:headEnd w="sm" len="sm"/>
+            <a:tailEnd type="triangle" w="med" len="med"/>
+          </a:ln>
+        </p:spPr>
+        <p:style>
+          <a:lnRef idx="1">
+            <a:schemeClr val="accent1"/>
+          </a:lnRef>
+          <a:fillRef idx="0">
+            <a:schemeClr val="accent1"/>
+          </a:fillRef>
+          <a:effectRef idx="0">
+            <a:schemeClr val="accent1"/>
+          </a:effectRef>
+          <a:fontRef idx="minor">
+            <a:schemeClr val="tx1"/>
+          </a:fontRef>
+        </p:style>
+      </p:cxnSp>
+      <p:cxnSp>
+        <p:nvCxnSpPr>
+          <p:cNvPr id="12" name="Straight Arrow Connector 11"/>
+          <p:cNvCxnSpPr/>
+          <p:nvPr/>
+        </p:nvCxnSpPr>
+        <p:spPr>
+          <a:xfrm>
+            <a:off x="2764944" y="458735"/>
+            <a:ext cx="242493" cy="2"/>
+          </a:xfrm>
+          <a:prstGeom prst="straightConnector1">
+            <a:avLst/>
+          </a:prstGeom>
+          <a:ln w="12700">
+            <a:solidFill>
+              <a:schemeClr val="tx1"/>
+            </a:solidFill>
+            <a:headEnd w="sm" len="sm"/>
+            <a:tailEnd type="triangle" w="med" len="med"/>
+          </a:ln>
+        </p:spPr>
+        <p:style>
+          <a:lnRef idx="1">
+            <a:schemeClr val="accent1"/>
+          </a:lnRef>
+          <a:fillRef idx="0">
+            <a:schemeClr val="accent1"/>
+          </a:fillRef>
+          <a:effectRef idx="0">
+            <a:schemeClr val="accent1"/>
+          </a:effectRef>
+          <a:fontRef idx="minor">
+            <a:schemeClr val="tx1"/>
+          </a:fontRef>
+        </p:style>
+      </p:cxnSp>
+      <p:sp>
+        <p:nvSpPr>
+          <p:cNvPr id="13" name="Rectangle 12"/>
+          <p:cNvSpPr/>
+          <p:nvPr/>
+        </p:nvSpPr>
+        <p:spPr>
+          <a:xfrm>
+            <a:off x="3007437" y="343520"/>
+            <a:ext cx="230429" cy="230429"/>
+          </a:xfrm>
+          <a:prstGeom prst="rect">
+            <a:avLst/>
+          </a:prstGeom>
+          <a:solidFill>
+            <a:srgbClr val="FFFFCC"/>
+          </a:solidFill>
+          <a:ln w="12700">
+            <a:solidFill>
+              <a:schemeClr val="tx1"/>
+            </a:solidFill>
+          </a:ln>
+        </p:spPr>
+        <p:style>
+          <a:lnRef idx="2">
+            <a:schemeClr val="accent1">
+              <a:shade val="50000"/>
+            </a:schemeClr>
+          </a:lnRef>
+          <a:fillRef idx="1">
+            <a:schemeClr val="accent1"/>
+          </a:fillRef>
+          <a:effectRef idx="0">
+            <a:schemeClr val="accent1"/>
+          </a:effectRef>
+          <a:fontRef idx="minor">
+            <a:schemeClr val="lt1"/>
+          </a:fontRef>
+        </p:style>
+        <p:txBody>
+          <a:bodyPr rtlCol="0" anchor="ctr"/>
+          <a:lstStyle/>
+          <a:p>
+            <a:pPr algn="ctr"/>
+            <a:r>
+              <a:rPr lang="en-US" sz="800" dirty="0" smtClean="0">
+                <a:solidFill>
+                  <a:schemeClr val="tx1"/>
+                </a:solidFill>
+                <a:latin typeface="Arial" pitchFamily="34" charset="0"/>
+                <a:cs typeface="Arial" pitchFamily="34" charset="0"/>
+              </a:rPr>
+              <a:t>G</a:t>
+            </a:r>
+            <a:endParaRPr lang="en-US" sz="800" dirty="0">
+              <a:solidFill>
+                <a:schemeClr val="tx1"/>
+              </a:solidFill>
+              <a:latin typeface="Arial" pitchFamily="34" charset="0"/>
+              <a:cs typeface="Arial" pitchFamily="34" charset="0"/>
+            </a:endParaRPr>
+          </a:p>
+        </p:txBody>
+      </p:sp>
+      <p:sp>
+        <p:nvSpPr>
+          <p:cNvPr id="14" name="Rectangle 13"/>
+          <p:cNvSpPr/>
+          <p:nvPr/>
+        </p:nvSpPr>
+        <p:spPr>
+          <a:xfrm>
+            <a:off x="3476807" y="45699"/>
+            <a:ext cx="230429" cy="230429"/>
+          </a:xfrm>
+          <a:prstGeom prst="rect">
+            <a:avLst/>
+          </a:prstGeom>
+          <a:solidFill>
+            <a:srgbClr val="FFFFCC"/>
+          </a:solidFill>
+          <a:ln w="12700">
+            <a:solidFill>
+              <a:schemeClr val="tx1"/>
+            </a:solidFill>
+          </a:ln>
+        </p:spPr>
+        <p:style>
+          <a:lnRef idx="2">
+            <a:schemeClr val="accent1">
+              <a:shade val="50000"/>
+            </a:schemeClr>
+          </a:lnRef>
+          <a:fillRef idx="1">
+            <a:schemeClr val="accent1"/>
+          </a:fillRef>
+          <a:effectRef idx="0">
+            <a:schemeClr val="accent1"/>
+          </a:effectRef>
+          <a:fontRef idx="minor">
+            <a:schemeClr val="lt1"/>
+          </a:fontRef>
+        </p:style>
+        <p:txBody>
+          <a:bodyPr rtlCol="0" anchor="ctr"/>
+          <a:lstStyle/>
+          <a:p>
+            <a:pPr algn="ctr"/>
+            <a:r>
+              <a:rPr lang="en-US" sz="800" dirty="0" smtClean="0">
+                <a:solidFill>
+                  <a:schemeClr val="tx1"/>
+                </a:solidFill>
+                <a:latin typeface="Arial" pitchFamily="34" charset="0"/>
+                <a:cs typeface="Arial" pitchFamily="34" charset="0"/>
+              </a:rPr>
+              <a:t>E</a:t>
+            </a:r>
+            <a:endParaRPr lang="en-US" sz="800" dirty="0">
+              <a:solidFill>
+                <a:schemeClr val="tx1"/>
+              </a:solidFill>
+              <a:latin typeface="Arial" pitchFamily="34" charset="0"/>
+              <a:cs typeface="Arial" pitchFamily="34" charset="0"/>
+            </a:endParaRPr>
+          </a:p>
+        </p:txBody>
+      </p:sp>
+    </p:spTree>
+    <p:extLst>
+      <p:ext uri="{BB962C8B-B14F-4D97-AF65-F5344CB8AC3E}">
+        <p14:creationId xmlns:p14="http://schemas.microsoft.com/office/powerpoint/2010/main" val="1895283960"/>
+      </p:ext>
+    </p:extLst>
+  </p:cSld>
+  <p:clrMapOvr>
+    <a:masterClrMapping/>
+  </p:clrMapOvr>
+</p:sld>
+</file>
+
 <file path=ppt/slides/slide2.xml><?xml version="1.0" encoding="utf-8"?>
 <p:sld xmlns:a="http://schemas.openxmlformats.org/drawingml/2006/main" xmlns:r="http://schemas.openxmlformats.org/officeDocument/2006/relationships" xmlns:p="http://schemas.openxmlformats.org/presentationml/2006/main">
   <p:cSld>
@@ -10343,75 +11729,717 @@
       </p:grpSpPr>
       <p:sp>
         <p:nvSpPr>
-          <p:cNvPr id="2" name="Rectangle 1"/>
-          <p:cNvSpPr/>
-          <p:nvPr/>
-        </p:nvSpPr>
-        <p:spPr>
-          <a:xfrm>
-            <a:off x="2689871" y="47542"/>
-            <a:ext cx="649117" cy="1247858"/>
+          <p:cNvPr id="2" name="TextBox 1"/>
+          <p:cNvSpPr txBox="1"/>
+          <p:nvPr/>
+        </p:nvSpPr>
+        <p:spPr>
+          <a:xfrm>
+            <a:off x="746919" y="164543"/>
+            <a:ext cx="1611181" cy="1815882"/>
           </a:xfrm>
           <a:prstGeom prst="rect">
             <a:avLst/>
           </a:prstGeom>
-          <a:solidFill>
-            <a:schemeClr val="bg1">
-              <a:lumMod val="75000"/>
-            </a:schemeClr>
-          </a:solidFill>
-          <a:ln>
-            <a:noFill/>
-          </a:ln>
-        </p:spPr>
-        <p:style>
-          <a:lnRef idx="2">
-            <a:schemeClr val="accent1">
-              <a:shade val="50000"/>
-            </a:schemeClr>
-          </a:lnRef>
-          <a:fillRef idx="1">
-            <a:schemeClr val="accent1"/>
-          </a:fillRef>
-          <a:effectRef idx="0">
-            <a:schemeClr val="accent1"/>
-          </a:effectRef>
-          <a:fontRef idx="minor">
-            <a:schemeClr val="lt1"/>
-          </a:fontRef>
-        </p:style>
-        <p:txBody>
-          <a:bodyPr rtlCol="0" anchor="ctr"/>
+          <a:noFill/>
+        </p:spPr>
+        <p:txBody>
+          <a:bodyPr wrap="square" rtlCol="0">
+            <a:spAutoFit/>
+          </a:bodyPr>
           <a:lstStyle/>
           <a:p>
+            <a:r>
+              <a:rPr lang="en-US" sz="800" dirty="0">
+                <a:latin typeface="Consolas" pitchFamily="49" charset="0"/>
+                <a:cs typeface="Consolas" pitchFamily="49" charset="0"/>
+              </a:rPr>
+              <a:t>1: call </a:t>
+            </a:r>
+            <a:r>
+              <a:rPr lang="en-US" sz="800" dirty="0" err="1">
+                <a:latin typeface="Consolas" pitchFamily="49" charset="0"/>
+                <a:cs typeface="Consolas" pitchFamily="49" charset="0"/>
+              </a:rPr>
+              <a:t>malloc</a:t>
+            </a:r>
+            <a:r>
+              <a:rPr lang="en-US" sz="800" dirty="0">
+                <a:latin typeface="Consolas" pitchFamily="49" charset="0"/>
+                <a:cs typeface="Consolas" pitchFamily="49" charset="0"/>
+              </a:rPr>
+              <a:t> ;return pointer 0x12340000 in r1</a:t>
+            </a:r>
+          </a:p>
+          <a:p>
+            <a:endParaRPr lang="en-US" sz="800" dirty="0" smtClean="0">
+              <a:latin typeface="Consolas" pitchFamily="49" charset="0"/>
+              <a:cs typeface="Consolas" pitchFamily="49" charset="0"/>
+            </a:endParaRPr>
+          </a:p>
+          <a:p>
+            <a:r>
+              <a:rPr lang="en-US" sz="800" dirty="0" smtClean="0">
+                <a:latin typeface="Consolas" pitchFamily="49" charset="0"/>
+                <a:cs typeface="Consolas" pitchFamily="49" charset="0"/>
+              </a:rPr>
+              <a:t>2</a:t>
+            </a:r>
+            <a:r>
+              <a:rPr lang="en-US" sz="800" dirty="0">
+                <a:latin typeface="Consolas" pitchFamily="49" charset="0"/>
+                <a:cs typeface="Consolas" pitchFamily="49" charset="0"/>
+              </a:rPr>
+              <a:t>: </a:t>
+            </a:r>
+            <a:r>
+              <a:rPr lang="en-US" sz="800" dirty="0" err="1" smtClean="0">
+                <a:latin typeface="Consolas" pitchFamily="49" charset="0"/>
+                <a:cs typeface="Consolas" pitchFamily="49" charset="0"/>
+              </a:rPr>
+              <a:t>mov</a:t>
+            </a:r>
+            <a:r>
+              <a:rPr lang="en-US" sz="800" dirty="0" smtClean="0">
+                <a:latin typeface="Consolas" pitchFamily="49" charset="0"/>
+                <a:cs typeface="Consolas" pitchFamily="49" charset="0"/>
+              </a:rPr>
+              <a:t> </a:t>
+            </a:r>
+            <a:r>
+              <a:rPr lang="en-US" sz="800" dirty="0">
+                <a:latin typeface="Consolas" pitchFamily="49" charset="0"/>
+                <a:cs typeface="Consolas" pitchFamily="49" charset="0"/>
+              </a:rPr>
+              <a:t>r2</a:t>
+            </a:r>
+            <a:r>
+              <a:rPr lang="en-US" sz="800" dirty="0" smtClean="0">
+                <a:latin typeface="Consolas" pitchFamily="49" charset="0"/>
+                <a:cs typeface="Consolas" pitchFamily="49" charset="0"/>
+              </a:rPr>
+              <a:t>, #8</a:t>
+            </a:r>
+          </a:p>
+          <a:p>
+            <a:r>
+              <a:rPr lang="en-US" sz="800" dirty="0">
+                <a:latin typeface="Consolas" pitchFamily="49" charset="0"/>
+                <a:cs typeface="Consolas" pitchFamily="49" charset="0"/>
+              </a:rPr>
+              <a:t> </a:t>
+            </a:r>
+            <a:r>
+              <a:rPr lang="en-US" sz="800" dirty="0" smtClean="0">
+                <a:latin typeface="Consolas" pitchFamily="49" charset="0"/>
+                <a:cs typeface="Consolas" pitchFamily="49" charset="0"/>
+              </a:rPr>
+              <a:t> ; r2 is not a pointer</a:t>
+            </a:r>
+            <a:endParaRPr lang="en-US" sz="800" dirty="0">
+              <a:latin typeface="Consolas" pitchFamily="49" charset="0"/>
+              <a:cs typeface="Consolas" pitchFamily="49" charset="0"/>
+            </a:endParaRPr>
+          </a:p>
+          <a:p>
+            <a:endParaRPr lang="en-US" sz="800" dirty="0">
+              <a:latin typeface="Consolas" pitchFamily="49" charset="0"/>
+              <a:cs typeface="Consolas" pitchFamily="49" charset="0"/>
+            </a:endParaRPr>
+          </a:p>
+          <a:p>
+            <a:r>
+              <a:rPr lang="en-US" sz="800" dirty="0">
+                <a:latin typeface="Consolas" pitchFamily="49" charset="0"/>
+                <a:cs typeface="Consolas" pitchFamily="49" charset="0"/>
+              </a:rPr>
+              <a:t>3a: </a:t>
+            </a:r>
+            <a:r>
+              <a:rPr lang="en-US" sz="800" dirty="0" err="1">
+                <a:latin typeface="Consolas" pitchFamily="49" charset="0"/>
+                <a:cs typeface="Consolas" pitchFamily="49" charset="0"/>
+              </a:rPr>
+              <a:t>mov</a:t>
+            </a:r>
+            <a:r>
+              <a:rPr lang="en-US" sz="800" dirty="0">
+                <a:latin typeface="Consolas" pitchFamily="49" charset="0"/>
+                <a:cs typeface="Consolas" pitchFamily="49" charset="0"/>
+              </a:rPr>
+              <a:t> r3, #1</a:t>
+            </a:r>
+          </a:p>
+          <a:p>
+            <a:endParaRPr lang="en-US" sz="800" dirty="0">
+              <a:latin typeface="Consolas" pitchFamily="49" charset="0"/>
+              <a:cs typeface="Consolas" pitchFamily="49" charset="0"/>
+            </a:endParaRPr>
+          </a:p>
+          <a:p>
+            <a:r>
+              <a:rPr lang="en-US" sz="800" dirty="0">
+                <a:latin typeface="Consolas" pitchFamily="49" charset="0"/>
+                <a:cs typeface="Consolas" pitchFamily="49" charset="0"/>
+              </a:rPr>
+              <a:t>3b: </a:t>
+            </a:r>
+            <a:r>
+              <a:rPr lang="en-US" sz="800" dirty="0" err="1">
+                <a:latin typeface="Consolas" pitchFamily="49" charset="0"/>
+                <a:cs typeface="Consolas" pitchFamily="49" charset="0"/>
+              </a:rPr>
+              <a:t>str</a:t>
+            </a:r>
+            <a:r>
+              <a:rPr lang="en-US" sz="800" dirty="0">
+                <a:latin typeface="Consolas" pitchFamily="49" charset="0"/>
+                <a:cs typeface="Consolas" pitchFamily="49" charset="0"/>
+              </a:rPr>
+              <a:t> r3, [r1, #12]</a:t>
+            </a:r>
+          </a:p>
+          <a:p>
+            <a:r>
+              <a:rPr lang="en-US" sz="800" dirty="0">
+                <a:latin typeface="Consolas" pitchFamily="49" charset="0"/>
+                <a:cs typeface="Consolas" pitchFamily="49" charset="0"/>
+              </a:rPr>
+              <a:t>    ; store to 0x1234000c</a:t>
+            </a:r>
+          </a:p>
+          <a:p>
+            <a:endParaRPr lang="en-US" sz="800" dirty="0">
+              <a:latin typeface="Consolas" pitchFamily="49" charset="0"/>
+              <a:cs typeface="Consolas" pitchFamily="49" charset="0"/>
+            </a:endParaRPr>
+          </a:p>
+          <a:p>
+            <a:endParaRPr lang="en-US" sz="800" dirty="0">
+              <a:latin typeface="Consolas" pitchFamily="49" charset="0"/>
+              <a:cs typeface="Consolas" pitchFamily="49" charset="0"/>
+            </a:endParaRPr>
+          </a:p>
+          <a:p>
+            <a:endParaRPr lang="en-US" sz="800" dirty="0" smtClean="0">
+              <a:latin typeface="Consolas" pitchFamily="49" charset="0"/>
+              <a:cs typeface="Consolas" pitchFamily="49" charset="0"/>
+            </a:endParaRPr>
+          </a:p>
+          <a:p>
+            <a:r>
+              <a:rPr lang="en-US" sz="800" dirty="0" smtClean="0">
+                <a:latin typeface="Consolas" pitchFamily="49" charset="0"/>
+                <a:cs typeface="Consolas" pitchFamily="49" charset="0"/>
+              </a:rPr>
+              <a:t>4</a:t>
+            </a:r>
+            <a:r>
+              <a:rPr lang="en-US" sz="800" dirty="0">
+                <a:latin typeface="Consolas" pitchFamily="49" charset="0"/>
+                <a:cs typeface="Consolas" pitchFamily="49" charset="0"/>
+              </a:rPr>
+              <a:t>: </a:t>
+            </a:r>
+            <a:r>
+              <a:rPr lang="en-US" sz="800" dirty="0" smtClean="0">
+                <a:latin typeface="Consolas" pitchFamily="49" charset="0"/>
+                <a:cs typeface="Consolas" pitchFamily="49" charset="0"/>
+              </a:rPr>
+              <a:t>add r2, r2</a:t>
+            </a:r>
+            <a:r>
+              <a:rPr lang="en-US" sz="800" dirty="0">
+                <a:latin typeface="Consolas" pitchFamily="49" charset="0"/>
+                <a:cs typeface="Consolas" pitchFamily="49" charset="0"/>
+              </a:rPr>
+              <a:t>, </a:t>
+            </a:r>
+            <a:r>
+              <a:rPr lang="en-US" sz="800" dirty="0" smtClean="0">
+                <a:latin typeface="Consolas" pitchFamily="49" charset="0"/>
+                <a:cs typeface="Consolas" pitchFamily="49" charset="0"/>
+              </a:rPr>
+              <a:t>r3</a:t>
+            </a:r>
+            <a:endParaRPr lang="en-US" sz="800" dirty="0">
+              <a:latin typeface="Consolas" pitchFamily="49" charset="0"/>
+              <a:cs typeface="Consolas" pitchFamily="49" charset="0"/>
+            </a:endParaRPr>
+          </a:p>
+        </p:txBody>
+      </p:sp>
+      <p:sp>
+        <p:nvSpPr>
+          <p:cNvPr id="3" name="TextBox 2"/>
+          <p:cNvSpPr txBox="1"/>
+          <p:nvPr/>
+        </p:nvSpPr>
+        <p:spPr>
+          <a:xfrm>
+            <a:off x="906022" y="-23007"/>
+            <a:ext cx="1292974" cy="215444"/>
+          </a:xfrm>
+          <a:prstGeom prst="rect">
+            <a:avLst/>
+          </a:prstGeom>
+          <a:noFill/>
+        </p:spPr>
+        <p:txBody>
+          <a:bodyPr wrap="square" rtlCol="0">
+            <a:spAutoFit/>
+          </a:bodyPr>
+          <a:lstStyle/>
+          <a:p>
             <a:pPr algn="ctr"/>
-            <a:endParaRPr lang="en-US" sz="800">
+            <a:r>
+              <a:rPr lang="en-US" sz="800" dirty="0" smtClean="0">
+                <a:latin typeface="Arial" pitchFamily="34" charset="0"/>
+                <a:cs typeface="Arial" pitchFamily="34" charset="0"/>
+              </a:rPr>
+              <a:t>Main Core (Assembly)</a:t>
+            </a:r>
+            <a:endParaRPr lang="en-US" sz="800" dirty="0">
               <a:latin typeface="Arial" pitchFamily="34" charset="0"/>
               <a:cs typeface="Arial" pitchFamily="34" charset="0"/>
             </a:endParaRPr>
           </a:p>
         </p:txBody>
       </p:sp>
+      <p:sp>
+        <p:nvSpPr>
+          <p:cNvPr id="4" name="TextBox 3"/>
+          <p:cNvSpPr txBox="1"/>
+          <p:nvPr/>
+        </p:nvSpPr>
+        <p:spPr>
+          <a:xfrm>
+            <a:off x="3017496" y="-23007"/>
+            <a:ext cx="976117" cy="215444"/>
+          </a:xfrm>
+          <a:prstGeom prst="rect">
+            <a:avLst/>
+          </a:prstGeom>
+          <a:noFill/>
+        </p:spPr>
+        <p:txBody>
+          <a:bodyPr wrap="square" rtlCol="0">
+            <a:spAutoFit/>
+          </a:bodyPr>
+          <a:lstStyle/>
+          <a:p>
+            <a:pPr algn="ctr"/>
+            <a:r>
+              <a:rPr lang="en-US" sz="800" dirty="0" smtClean="0">
+                <a:latin typeface="Arial" pitchFamily="34" charset="0"/>
+                <a:cs typeface="Arial" pitchFamily="34" charset="0"/>
+              </a:rPr>
+              <a:t>Null Filtering</a:t>
+            </a:r>
+            <a:endParaRPr lang="en-US" sz="800" dirty="0">
+              <a:latin typeface="Arial" pitchFamily="34" charset="0"/>
+              <a:cs typeface="Arial" pitchFamily="34" charset="0"/>
+            </a:endParaRPr>
+          </a:p>
+        </p:txBody>
+      </p:sp>
+      <p:sp>
+        <p:nvSpPr>
+          <p:cNvPr id="5" name="TextBox 4"/>
+          <p:cNvSpPr txBox="1"/>
+          <p:nvPr/>
+        </p:nvSpPr>
+        <p:spPr>
+          <a:xfrm>
+            <a:off x="2301792" y="164543"/>
+            <a:ext cx="2407527" cy="2185214"/>
+          </a:xfrm>
+          <a:prstGeom prst="rect">
+            <a:avLst/>
+          </a:prstGeom>
+          <a:noFill/>
+        </p:spPr>
+        <p:txBody>
+          <a:bodyPr wrap="square" rtlCol="0">
+            <a:spAutoFit/>
+          </a:bodyPr>
+          <a:lstStyle/>
+          <a:p>
+            <a:r>
+              <a:rPr lang="en-US" sz="800" dirty="0" smtClean="0">
+                <a:latin typeface="Consolas" pitchFamily="49" charset="0"/>
+                <a:cs typeface="Consolas" pitchFamily="49" charset="0"/>
+              </a:rPr>
+              <a:t>1: </a:t>
+            </a:r>
+            <a:r>
+              <a:rPr lang="en-US" sz="800" dirty="0" err="1" smtClean="0">
+                <a:latin typeface="Consolas" pitchFamily="49" charset="0"/>
+                <a:cs typeface="Consolas" pitchFamily="49" charset="0"/>
+              </a:rPr>
+              <a:t>rf_null</a:t>
+            </a:r>
+            <a:r>
+              <a:rPr lang="en-US" sz="800" dirty="0" smtClean="0">
+                <a:latin typeface="Consolas" pitchFamily="49" charset="0"/>
+                <a:cs typeface="Consolas" pitchFamily="49" charset="0"/>
+              </a:rPr>
+              <a:t>[1] = false</a:t>
+            </a:r>
+            <a:endParaRPr lang="en-US" sz="800" dirty="0">
+              <a:latin typeface="Consolas" pitchFamily="49" charset="0"/>
+              <a:cs typeface="Consolas" pitchFamily="49" charset="0"/>
+            </a:endParaRPr>
+          </a:p>
+          <a:p>
+            <a:endParaRPr lang="en-US" sz="800" dirty="0" smtClean="0">
+              <a:latin typeface="Consolas" pitchFamily="49" charset="0"/>
+              <a:cs typeface="Consolas" pitchFamily="49" charset="0"/>
+            </a:endParaRPr>
+          </a:p>
+          <a:p>
+            <a:endParaRPr lang="en-US" sz="800" dirty="0" smtClean="0">
+              <a:latin typeface="Consolas" pitchFamily="49" charset="0"/>
+              <a:cs typeface="Consolas" pitchFamily="49" charset="0"/>
+            </a:endParaRPr>
+          </a:p>
+          <a:p>
+            <a:r>
+              <a:rPr lang="en-US" sz="800" dirty="0" smtClean="0">
+                <a:latin typeface="Consolas" pitchFamily="49" charset="0"/>
+                <a:cs typeface="Consolas" pitchFamily="49" charset="0"/>
+              </a:rPr>
+              <a:t>2: </a:t>
+            </a:r>
+            <a:r>
+              <a:rPr lang="en-US" sz="800" dirty="0" err="1" smtClean="0">
+                <a:latin typeface="Consolas" pitchFamily="49" charset="0"/>
+                <a:cs typeface="Consolas" pitchFamily="49" charset="0"/>
+              </a:rPr>
+              <a:t>rf_null</a:t>
+            </a:r>
+            <a:r>
+              <a:rPr lang="en-US" sz="800" dirty="0" smtClean="0">
+                <a:latin typeface="Consolas" pitchFamily="49" charset="0"/>
+                <a:cs typeface="Consolas" pitchFamily="49" charset="0"/>
+              </a:rPr>
+              <a:t>[2] = true</a:t>
+            </a:r>
+          </a:p>
+          <a:p>
+            <a:endParaRPr lang="en-US" sz="800" dirty="0">
+              <a:latin typeface="Consolas" pitchFamily="49" charset="0"/>
+              <a:cs typeface="Consolas" pitchFamily="49" charset="0"/>
+            </a:endParaRPr>
+          </a:p>
+          <a:p>
+            <a:endParaRPr lang="en-US" sz="800" dirty="0" smtClean="0">
+              <a:latin typeface="Consolas" pitchFamily="49" charset="0"/>
+              <a:cs typeface="Consolas" pitchFamily="49" charset="0"/>
+            </a:endParaRPr>
+          </a:p>
+          <a:p>
+            <a:r>
+              <a:rPr lang="en-US" sz="800" dirty="0" smtClean="0">
+                <a:latin typeface="Consolas" pitchFamily="49" charset="0"/>
+                <a:cs typeface="Consolas" pitchFamily="49" charset="0"/>
+              </a:rPr>
+              <a:t>3: </a:t>
+            </a:r>
+            <a:r>
+              <a:rPr lang="en-US" sz="800" dirty="0" err="1" smtClean="0">
+                <a:latin typeface="Consolas" pitchFamily="49" charset="0"/>
+                <a:cs typeface="Consolas" pitchFamily="49" charset="0"/>
+              </a:rPr>
+              <a:t>rf_null</a:t>
+            </a:r>
+            <a:r>
+              <a:rPr lang="en-US" sz="800" dirty="0" smtClean="0">
+                <a:latin typeface="Consolas" pitchFamily="49" charset="0"/>
+                <a:cs typeface="Consolas" pitchFamily="49" charset="0"/>
+              </a:rPr>
+              <a:t>[3] = true</a:t>
+            </a:r>
+          </a:p>
+          <a:p>
+            <a:endParaRPr lang="en-US" sz="800" dirty="0">
+              <a:latin typeface="Consolas" pitchFamily="49" charset="0"/>
+              <a:cs typeface="Consolas" pitchFamily="49" charset="0"/>
+            </a:endParaRPr>
+          </a:p>
+          <a:p>
+            <a:r>
+              <a:rPr lang="en-US" sz="800" dirty="0" smtClean="0">
+                <a:latin typeface="Consolas" pitchFamily="49" charset="0"/>
+                <a:cs typeface="Consolas" pitchFamily="49" charset="0"/>
+              </a:rPr>
+              <a:t>3b: if (</a:t>
+            </a:r>
+            <a:r>
+              <a:rPr lang="en-US" sz="800" dirty="0" err="1" smtClean="0">
+                <a:latin typeface="Consolas" pitchFamily="49" charset="0"/>
+                <a:cs typeface="Consolas" pitchFamily="49" charset="0"/>
+              </a:rPr>
+              <a:t>rf_null</a:t>
+            </a:r>
+            <a:r>
+              <a:rPr lang="en-US" sz="800" dirty="0" smtClean="0">
+                <a:latin typeface="Consolas" pitchFamily="49" charset="0"/>
+                <a:cs typeface="Consolas" pitchFamily="49" charset="0"/>
+              </a:rPr>
+              <a:t>[1] &amp;&amp; </a:t>
+            </a:r>
+            <a:r>
+              <a:rPr lang="en-US" sz="800" dirty="0" err="1" smtClean="0">
+                <a:latin typeface="Consolas" pitchFamily="49" charset="0"/>
+                <a:cs typeface="Consolas" pitchFamily="49" charset="0"/>
+              </a:rPr>
+              <a:t>rf_null</a:t>
+            </a:r>
+            <a:r>
+              <a:rPr lang="en-US" sz="800" dirty="0" smtClean="0">
+                <a:latin typeface="Consolas" pitchFamily="49" charset="0"/>
+                <a:cs typeface="Consolas" pitchFamily="49" charset="0"/>
+              </a:rPr>
+              <a:t>[3]) {</a:t>
+            </a:r>
+          </a:p>
+          <a:p>
+            <a:r>
+              <a:rPr lang="en-US" sz="800" dirty="0">
+                <a:latin typeface="Consolas" pitchFamily="49" charset="0"/>
+                <a:cs typeface="Consolas" pitchFamily="49" charset="0"/>
+              </a:rPr>
+              <a:t> </a:t>
+            </a:r>
+            <a:r>
+              <a:rPr lang="en-US" sz="800" dirty="0" smtClean="0">
+                <a:latin typeface="Consolas" pitchFamily="49" charset="0"/>
+                <a:cs typeface="Consolas" pitchFamily="49" charset="0"/>
+              </a:rPr>
+              <a:t>     // filter monitoring</a:t>
+            </a:r>
+          </a:p>
+          <a:p>
+            <a:r>
+              <a:rPr lang="en-US" sz="800" dirty="0">
+                <a:latin typeface="Consolas" pitchFamily="49" charset="0"/>
+                <a:cs typeface="Consolas" pitchFamily="49" charset="0"/>
+              </a:rPr>
+              <a:t> </a:t>
+            </a:r>
+            <a:r>
+              <a:rPr lang="en-US" sz="800" dirty="0" smtClean="0">
+                <a:latin typeface="Consolas" pitchFamily="49" charset="0"/>
+                <a:cs typeface="Consolas" pitchFamily="49" charset="0"/>
+              </a:rPr>
+              <a:t>   }</a:t>
+            </a:r>
+          </a:p>
+          <a:p>
+            <a:r>
+              <a:rPr lang="en-US" sz="800" dirty="0" smtClean="0">
+                <a:latin typeface="Consolas" pitchFamily="49" charset="0"/>
+                <a:cs typeface="Consolas" pitchFamily="49" charset="0"/>
+              </a:rPr>
+              <a:t>    </a:t>
+            </a:r>
+            <a:r>
+              <a:rPr lang="en-US" sz="800" dirty="0" err="1" smtClean="0">
+                <a:latin typeface="Consolas" pitchFamily="49" charset="0"/>
+                <a:cs typeface="Consolas" pitchFamily="49" charset="0"/>
+              </a:rPr>
+              <a:t>mem_null</a:t>
+            </a:r>
+            <a:r>
+              <a:rPr lang="en-US" sz="800" dirty="0" smtClean="0">
+                <a:latin typeface="Consolas" pitchFamily="49" charset="0"/>
+                <a:cs typeface="Consolas" pitchFamily="49" charset="0"/>
+              </a:rPr>
+              <a:t>[r3 + 12] = </a:t>
+            </a:r>
+            <a:r>
+              <a:rPr lang="en-US" sz="800" dirty="0" err="1" smtClean="0">
+                <a:latin typeface="Consolas" pitchFamily="49" charset="0"/>
+                <a:cs typeface="Consolas" pitchFamily="49" charset="0"/>
+              </a:rPr>
+              <a:t>rf_null</a:t>
+            </a:r>
+            <a:r>
+              <a:rPr lang="en-US" sz="800" dirty="0" smtClean="0">
+                <a:latin typeface="Consolas" pitchFamily="49" charset="0"/>
+                <a:cs typeface="Consolas" pitchFamily="49" charset="0"/>
+              </a:rPr>
+              <a:t>[r3]</a:t>
+            </a:r>
+          </a:p>
+          <a:p>
+            <a:endParaRPr lang="en-US" sz="800" dirty="0" smtClean="0">
+              <a:latin typeface="Consolas" pitchFamily="49" charset="0"/>
+              <a:cs typeface="Consolas" pitchFamily="49" charset="0"/>
+            </a:endParaRPr>
+          </a:p>
+          <a:p>
+            <a:r>
+              <a:rPr lang="en-US" sz="800" dirty="0">
+                <a:latin typeface="Consolas" pitchFamily="49" charset="0"/>
+                <a:cs typeface="Consolas" pitchFamily="49" charset="0"/>
+              </a:rPr>
+              <a:t>4</a:t>
+            </a:r>
+            <a:r>
+              <a:rPr lang="en-US" sz="800" dirty="0" smtClean="0">
+                <a:latin typeface="Consolas" pitchFamily="49" charset="0"/>
+                <a:cs typeface="Consolas" pitchFamily="49" charset="0"/>
+              </a:rPr>
+              <a:t>: if (</a:t>
+            </a:r>
+            <a:r>
+              <a:rPr lang="en-US" sz="800" dirty="0" err="1" smtClean="0">
+                <a:latin typeface="Consolas" pitchFamily="49" charset="0"/>
+                <a:cs typeface="Consolas" pitchFamily="49" charset="0"/>
+              </a:rPr>
+              <a:t>rf_null</a:t>
+            </a:r>
+            <a:r>
+              <a:rPr lang="en-US" sz="800" dirty="0" smtClean="0">
+                <a:latin typeface="Consolas" pitchFamily="49" charset="0"/>
+                <a:cs typeface="Consolas" pitchFamily="49" charset="0"/>
+              </a:rPr>
+              <a:t>[2] &amp;&amp; </a:t>
+            </a:r>
+            <a:r>
+              <a:rPr lang="en-US" sz="800" dirty="0" err="1" smtClean="0">
+                <a:latin typeface="Consolas" pitchFamily="49" charset="0"/>
+                <a:cs typeface="Consolas" pitchFamily="49" charset="0"/>
+              </a:rPr>
+              <a:t>rf_null</a:t>
+            </a:r>
+            <a:r>
+              <a:rPr lang="en-US" sz="800" dirty="0" smtClean="0">
+                <a:latin typeface="Consolas" pitchFamily="49" charset="0"/>
+                <a:cs typeface="Consolas" pitchFamily="49" charset="0"/>
+              </a:rPr>
+              <a:t>[3]) {</a:t>
+            </a:r>
+          </a:p>
+          <a:p>
+            <a:r>
+              <a:rPr lang="en-US" sz="800" dirty="0">
+                <a:latin typeface="Consolas" pitchFamily="49" charset="0"/>
+                <a:cs typeface="Consolas" pitchFamily="49" charset="0"/>
+              </a:rPr>
+              <a:t> </a:t>
+            </a:r>
+            <a:r>
+              <a:rPr lang="en-US" sz="800" dirty="0" smtClean="0">
+                <a:latin typeface="Consolas" pitchFamily="49" charset="0"/>
+                <a:cs typeface="Consolas" pitchFamily="49" charset="0"/>
+              </a:rPr>
+              <a:t>    // filter monitoring</a:t>
+            </a:r>
+          </a:p>
+          <a:p>
+            <a:r>
+              <a:rPr lang="en-US" sz="800" dirty="0">
+                <a:latin typeface="Consolas" pitchFamily="49" charset="0"/>
+                <a:cs typeface="Consolas" pitchFamily="49" charset="0"/>
+              </a:rPr>
+              <a:t> </a:t>
+            </a:r>
+            <a:r>
+              <a:rPr lang="en-US" sz="800" dirty="0" smtClean="0">
+                <a:latin typeface="Consolas" pitchFamily="49" charset="0"/>
+                <a:cs typeface="Consolas" pitchFamily="49" charset="0"/>
+              </a:rPr>
+              <a:t>  }</a:t>
+            </a:r>
+          </a:p>
+          <a:p>
+            <a:r>
+              <a:rPr lang="en-US" sz="800" dirty="0">
+                <a:latin typeface="Consolas" pitchFamily="49" charset="0"/>
+                <a:cs typeface="Consolas" pitchFamily="49" charset="0"/>
+              </a:rPr>
+              <a:t> </a:t>
+            </a:r>
+            <a:r>
+              <a:rPr lang="en-US" sz="800" dirty="0" smtClean="0">
+                <a:latin typeface="Consolas" pitchFamily="49" charset="0"/>
+                <a:cs typeface="Consolas" pitchFamily="49" charset="0"/>
+              </a:rPr>
+              <a:t>  </a:t>
+            </a:r>
+            <a:r>
+              <a:rPr lang="en-US" sz="800" dirty="0" err="1" smtClean="0">
+                <a:latin typeface="Consolas" pitchFamily="49" charset="0"/>
+                <a:cs typeface="Consolas" pitchFamily="49" charset="0"/>
+              </a:rPr>
+              <a:t>rf_null</a:t>
+            </a:r>
+            <a:r>
+              <a:rPr lang="en-US" sz="800" dirty="0" smtClean="0">
+                <a:latin typeface="Consolas" pitchFamily="49" charset="0"/>
+                <a:cs typeface="Consolas" pitchFamily="49" charset="0"/>
+              </a:rPr>
+              <a:t>[r3] = </a:t>
+            </a:r>
+            <a:r>
+              <a:rPr lang="en-US" sz="800" dirty="0" err="1" smtClean="0">
+                <a:latin typeface="Consolas" pitchFamily="49" charset="0"/>
+                <a:cs typeface="Consolas" pitchFamily="49" charset="0"/>
+              </a:rPr>
+              <a:t>rf_null</a:t>
+            </a:r>
+            <a:r>
+              <a:rPr lang="en-US" sz="800" dirty="0" smtClean="0">
+                <a:latin typeface="Consolas" pitchFamily="49" charset="0"/>
+                <a:cs typeface="Consolas" pitchFamily="49" charset="0"/>
+              </a:rPr>
+              <a:t>[3] &amp; </a:t>
+            </a:r>
+            <a:r>
+              <a:rPr lang="en-US" sz="800" dirty="0" err="1" smtClean="0">
+                <a:latin typeface="Consolas" pitchFamily="49" charset="0"/>
+                <a:cs typeface="Consolas" pitchFamily="49" charset="0"/>
+              </a:rPr>
+              <a:t>rf_null</a:t>
+            </a:r>
+            <a:r>
+              <a:rPr lang="en-US" sz="800" dirty="0" smtClean="0">
+                <a:latin typeface="Consolas" pitchFamily="49" charset="0"/>
+                <a:cs typeface="Consolas" pitchFamily="49" charset="0"/>
+              </a:rPr>
+              <a:t>[2]</a:t>
+            </a:r>
+            <a:endParaRPr lang="en-US" sz="800" dirty="0">
+              <a:latin typeface="Consolas" pitchFamily="49" charset="0"/>
+              <a:cs typeface="Consolas" pitchFamily="49" charset="0"/>
+            </a:endParaRPr>
+          </a:p>
+        </p:txBody>
+      </p:sp>
       <p:cxnSp>
         <p:nvCxnSpPr>
-          <p:cNvPr id="3" name="Straight Arrow Connector 2"/>
+          <p:cNvPr id="6" name="Straight Connector 5"/>
           <p:cNvCxnSpPr/>
           <p:nvPr/>
         </p:nvCxnSpPr>
         <p:spPr>
-          <a:xfrm flipV="1">
-            <a:off x="1559982" y="28035"/>
-            <a:ext cx="0" cy="1228957"/>
-          </a:xfrm>
-          <a:prstGeom prst="straightConnector1">
-            <a:avLst/>
-          </a:prstGeom>
-          <a:ln w="12700">
+          <a:xfrm>
+            <a:off x="746919" y="533400"/>
+            <a:ext cx="3962400" cy="0"/>
+          </a:xfrm>
+          <a:prstGeom prst="line">
+            <a:avLst/>
+          </a:prstGeom>
+          <a:ln>
             <a:solidFill>
-              <a:schemeClr val="tx1"/>
+              <a:schemeClr val="bg1">
+                <a:lumMod val="75000"/>
+              </a:schemeClr>
             </a:solidFill>
-            <a:headEnd w="sm" len="sm"/>
-            <a:tailEnd type="arrow" w="sm" len="sm"/>
+            <a:prstDash val="solid"/>
           </a:ln>
         </p:spPr>
         <p:style>
@@ -10431,179 +12459,25 @@
       </p:cxnSp>
       <p:cxnSp>
         <p:nvCxnSpPr>
-          <p:cNvPr id="4" name="Straight Arrow Connector 3"/>
+          <p:cNvPr id="7" name="Straight Connector 6"/>
           <p:cNvCxnSpPr/>
           <p:nvPr/>
         </p:nvCxnSpPr>
         <p:spPr>
           <a:xfrm>
-            <a:off x="1426011" y="834539"/>
-            <a:ext cx="2646440" cy="0"/>
-          </a:xfrm>
-          <a:prstGeom prst="straightConnector1">
-            <a:avLst/>
-          </a:prstGeom>
-          <a:ln w="12700">
+            <a:off x="746919" y="914400"/>
+            <a:ext cx="3962400" cy="0"/>
+          </a:xfrm>
+          <a:prstGeom prst="line">
+            <a:avLst/>
+          </a:prstGeom>
+          <a:ln>
             <a:solidFill>
-              <a:schemeClr val="tx1"/>
+              <a:schemeClr val="bg1">
+                <a:lumMod val="75000"/>
+              </a:schemeClr>
             </a:solidFill>
-            <a:headEnd w="sm" len="sm"/>
-            <a:tailEnd type="arrow" w="sm" len="sm"/>
-          </a:ln>
-        </p:spPr>
-        <p:style>
-          <a:lnRef idx="1">
-            <a:schemeClr val="accent1"/>
-          </a:lnRef>
-          <a:fillRef idx="0">
-            <a:schemeClr val="accent1"/>
-          </a:fillRef>
-          <a:effectRef idx="0">
-            <a:schemeClr val="accent1"/>
-          </a:effectRef>
-          <a:fontRef idx="minor">
-            <a:schemeClr val="tx1"/>
-          </a:fontRef>
-        </p:style>
-      </p:cxnSp>
-      <p:sp>
-        <p:nvSpPr>
-          <p:cNvPr id="5" name="Rectangle 4"/>
-          <p:cNvSpPr/>
-          <p:nvPr/>
-        </p:nvSpPr>
-        <p:spPr>
-          <a:xfrm>
-            <a:off x="3814632" y="826035"/>
-            <a:ext cx="437487" cy="200529"/>
-          </a:xfrm>
-          <a:prstGeom prst="rect">
-            <a:avLst/>
-          </a:prstGeom>
-          <a:noFill/>
-          <a:ln>
-            <a:noFill/>
-          </a:ln>
-        </p:spPr>
-        <p:style>
-          <a:lnRef idx="2">
-            <a:schemeClr val="accent2">
-              <a:shade val="50000"/>
-            </a:schemeClr>
-          </a:lnRef>
-          <a:fillRef idx="1">
-            <a:schemeClr val="accent2"/>
-          </a:fillRef>
-          <a:effectRef idx="0">
-            <a:schemeClr val="accent2"/>
-          </a:effectRef>
-          <a:fontRef idx="minor">
-            <a:schemeClr val="lt1"/>
-          </a:fontRef>
-        </p:style>
-        <p:txBody>
-          <a:bodyPr rtlCol="0" anchor="ctr"/>
-          <a:lstStyle/>
-          <a:p>
-            <a:r>
-              <a:rPr lang="en-US" sz="800" dirty="0" smtClean="0">
-                <a:solidFill>
-                  <a:schemeClr val="tx1"/>
-                </a:solidFill>
-                <a:latin typeface="Arial" pitchFamily="34" charset="0"/>
-                <a:cs typeface="Arial" pitchFamily="34" charset="0"/>
-              </a:rPr>
-              <a:t>time</a:t>
-            </a:r>
-            <a:endParaRPr lang="en-US" sz="800" dirty="0">
-              <a:solidFill>
-                <a:schemeClr val="tx1"/>
-              </a:solidFill>
-              <a:latin typeface="Arial" pitchFamily="34" charset="0"/>
-              <a:cs typeface="Arial" pitchFamily="34" charset="0"/>
-            </a:endParaRPr>
-          </a:p>
-        </p:txBody>
-      </p:sp>
-      <p:sp>
-        <p:nvSpPr>
-          <p:cNvPr id="6" name="Rectangle 5"/>
-          <p:cNvSpPr/>
-          <p:nvPr/>
-        </p:nvSpPr>
-        <p:spPr>
-          <a:xfrm>
-            <a:off x="1174541" y="29158"/>
-            <a:ext cx="500160" cy="200529"/>
-          </a:xfrm>
-          <a:prstGeom prst="rect">
-            <a:avLst/>
-          </a:prstGeom>
-          <a:noFill/>
-          <a:ln>
-            <a:noFill/>
-          </a:ln>
-        </p:spPr>
-        <p:style>
-          <a:lnRef idx="2">
-            <a:schemeClr val="accent2">
-              <a:shade val="50000"/>
-            </a:schemeClr>
-          </a:lnRef>
-          <a:fillRef idx="1">
-            <a:schemeClr val="accent2"/>
-          </a:fillRef>
-          <a:effectRef idx="0">
-            <a:schemeClr val="accent2"/>
-          </a:effectRef>
-          <a:fontRef idx="minor">
-            <a:schemeClr val="lt1"/>
-          </a:fontRef>
-        </p:style>
-        <p:txBody>
-          <a:bodyPr rtlCol="0" anchor="ctr"/>
-          <a:lstStyle/>
-          <a:p>
-            <a:r>
-              <a:rPr lang="en-US" sz="800" dirty="0" smtClean="0">
-                <a:solidFill>
-                  <a:schemeClr val="tx1"/>
-                </a:solidFill>
-                <a:latin typeface="Arial" pitchFamily="34" charset="0"/>
-                <a:cs typeface="Arial" pitchFamily="34" charset="0"/>
-              </a:rPr>
-              <a:t>slack</a:t>
-            </a:r>
-            <a:endParaRPr lang="en-US" sz="800" dirty="0">
-              <a:solidFill>
-                <a:schemeClr val="tx1"/>
-              </a:solidFill>
-              <a:latin typeface="Arial" pitchFamily="34" charset="0"/>
-              <a:cs typeface="Arial" pitchFamily="34" charset="0"/>
-            </a:endParaRPr>
-          </a:p>
-        </p:txBody>
-      </p:sp>
-      <p:cxnSp>
-        <p:nvCxnSpPr>
-          <p:cNvPr id="7" name="Straight Arrow Connector 6"/>
-          <p:cNvCxnSpPr/>
-          <p:nvPr/>
-        </p:nvCxnSpPr>
-        <p:spPr>
-          <a:xfrm flipV="1">
-            <a:off x="1559982" y="505173"/>
-            <a:ext cx="345645" cy="128836"/>
-          </a:xfrm>
-          <a:prstGeom prst="straightConnector1">
-            <a:avLst/>
-          </a:prstGeom>
-          <a:ln w="12700">
-            <a:solidFill>
-              <a:srgbClr val="33A02C"/>
-            </a:solidFill>
-            <a:headEnd w="sm" len="sm"/>
-            <a:tailEnd type="triangle" w="med" len="med"/>
+            <a:prstDash val="solid"/>
           </a:ln>
         </p:spPr>
         <p:style>
@@ -10628,173 +12502,20 @@
           <p:nvPr/>
         </p:nvCxnSpPr>
         <p:spPr>
-          <a:xfrm flipH="1">
-            <a:off x="1511419" y="634009"/>
-            <a:ext cx="95890" cy="0"/>
+          <a:xfrm>
+            <a:off x="746919" y="1752600"/>
+            <a:ext cx="3962400" cy="0"/>
           </a:xfrm>
           <a:prstGeom prst="line">
             <a:avLst/>
           </a:prstGeom>
-          <a:ln w="12700">
+          <a:ln>
             <a:solidFill>
-              <a:schemeClr val="tx1"/>
+              <a:schemeClr val="bg1">
+                <a:lumMod val="75000"/>
+              </a:schemeClr>
             </a:solidFill>
-          </a:ln>
-        </p:spPr>
-        <p:style>
-          <a:lnRef idx="1">
-            <a:schemeClr val="accent1"/>
-          </a:lnRef>
-          <a:fillRef idx="0">
-            <a:schemeClr val="accent1"/>
-          </a:fillRef>
-          <a:effectRef idx="0">
-            <a:schemeClr val="accent1"/>
-          </a:effectRef>
-          <a:fontRef idx="minor">
-            <a:schemeClr val="tx1"/>
-          </a:fontRef>
-        </p:style>
-      </p:cxnSp>
-      <p:sp>
-        <p:nvSpPr>
-          <p:cNvPr id="9" name="Rectangle 8"/>
-          <p:cNvSpPr/>
-          <p:nvPr/>
-        </p:nvSpPr>
-        <p:spPr>
-          <a:xfrm>
-            <a:off x="1135241" y="518795"/>
-            <a:ext cx="500160" cy="200529"/>
-          </a:xfrm>
-          <a:prstGeom prst="rect">
-            <a:avLst/>
-          </a:prstGeom>
-          <a:noFill/>
-          <a:ln>
-            <a:noFill/>
-          </a:ln>
-        </p:spPr>
-        <p:style>
-          <a:lnRef idx="2">
-            <a:schemeClr val="accent2">
-              <a:shade val="50000"/>
-            </a:schemeClr>
-          </a:lnRef>
-          <a:fillRef idx="1">
-            <a:schemeClr val="accent2"/>
-          </a:fillRef>
-          <a:effectRef idx="0">
-            <a:schemeClr val="accent2"/>
-          </a:effectRef>
-          <a:fontRef idx="minor">
-            <a:schemeClr val="lt1"/>
-          </a:fontRef>
-        </p:style>
-        <p:txBody>
-          <a:bodyPr rtlCol="0" anchor="ctr"/>
-          <a:lstStyle/>
-          <a:p>
-            <a:r>
-              <a:rPr lang="en-US" sz="800" dirty="0" smtClean="0">
-                <a:solidFill>
-                  <a:schemeClr val="tx1"/>
-                </a:solidFill>
-                <a:latin typeface="Arial" pitchFamily="34" charset="0"/>
-                <a:cs typeface="Arial" pitchFamily="34" charset="0"/>
-              </a:rPr>
-              <a:t>initial slack</a:t>
-            </a:r>
-            <a:endParaRPr lang="en-US" sz="800" dirty="0">
-              <a:solidFill>
-                <a:schemeClr val="tx1"/>
-              </a:solidFill>
-              <a:latin typeface="Arial" pitchFamily="34" charset="0"/>
-              <a:cs typeface="Arial" pitchFamily="34" charset="0"/>
-            </a:endParaRPr>
-          </a:p>
-        </p:txBody>
-      </p:sp>
-      <p:sp>
-        <p:nvSpPr>
-          <p:cNvPr id="10" name="Rectangle 9"/>
-          <p:cNvSpPr/>
-          <p:nvPr/>
-        </p:nvSpPr>
-        <p:spPr>
-          <a:xfrm>
-            <a:off x="2014905" y="47541"/>
-            <a:ext cx="775204" cy="200529"/>
-          </a:xfrm>
-          <a:prstGeom prst="rect">
-            <a:avLst/>
-          </a:prstGeom>
-          <a:noFill/>
-          <a:ln>
-            <a:noFill/>
-          </a:ln>
-        </p:spPr>
-        <p:style>
-          <a:lnRef idx="2">
-            <a:schemeClr val="accent2">
-              <a:shade val="50000"/>
-            </a:schemeClr>
-          </a:lnRef>
-          <a:fillRef idx="1">
-            <a:schemeClr val="accent2"/>
-          </a:fillRef>
-          <a:effectRef idx="0">
-            <a:schemeClr val="accent2"/>
-          </a:effectRef>
-          <a:fontRef idx="minor">
-            <a:schemeClr val="lt1"/>
-          </a:fontRef>
-        </p:style>
-        <p:txBody>
-          <a:bodyPr rtlCol="0" anchor="ctr"/>
-          <a:lstStyle/>
-          <a:p>
-            <a:pPr algn="ctr"/>
-            <a:r>
-              <a:rPr lang="en-US" sz="800" dirty="0" smtClean="0">
-                <a:solidFill>
-                  <a:schemeClr val="tx1"/>
-                </a:solidFill>
-                <a:latin typeface="Arial" pitchFamily="34" charset="0"/>
-                <a:cs typeface="Arial" pitchFamily="34" charset="0"/>
-              </a:rPr>
-              <a:t>monitoring overheads</a:t>
-            </a:r>
-            <a:endParaRPr lang="en-US" sz="800" dirty="0">
-              <a:solidFill>
-                <a:schemeClr val="tx1"/>
-              </a:solidFill>
-              <a:latin typeface="Arial" pitchFamily="34" charset="0"/>
-              <a:cs typeface="Arial" pitchFamily="34" charset="0"/>
-            </a:endParaRPr>
-          </a:p>
-        </p:txBody>
-      </p:sp>
-      <p:cxnSp>
-        <p:nvCxnSpPr>
-          <p:cNvPr id="11" name="Straight Arrow Connector 10"/>
-          <p:cNvCxnSpPr/>
-          <p:nvPr/>
-        </p:nvCxnSpPr>
-        <p:spPr>
-          <a:xfrm>
-            <a:off x="1905627" y="505173"/>
-            <a:ext cx="190634" cy="198834"/>
-          </a:xfrm>
-          <a:prstGeom prst="straightConnector1">
-            <a:avLst/>
-          </a:prstGeom>
-          <a:ln w="12700">
-            <a:solidFill>
-              <a:srgbClr val="E31A1C"/>
-            </a:solidFill>
-            <a:headEnd w="sm" len="sm"/>
-            <a:tailEnd type="triangle" w="med" len="med"/>
+            <a:prstDash val="solid"/>
           </a:ln>
         </p:spPr>
         <p:style>
@@ -10814,24 +12535,25 @@
       </p:cxnSp>
       <p:cxnSp>
         <p:nvCxnSpPr>
-          <p:cNvPr id="12" name="Straight Arrow Connector 11"/>
+          <p:cNvPr id="9" name="Straight Connector 8"/>
           <p:cNvCxnSpPr/>
           <p:nvPr/>
         </p:nvCxnSpPr>
         <p:spPr>
-          <a:xfrm flipV="1">
-            <a:off x="2096261" y="575171"/>
-            <a:ext cx="345645" cy="128836"/>
-          </a:xfrm>
-          <a:prstGeom prst="straightConnector1">
-            <a:avLst/>
-          </a:prstGeom>
-          <a:ln w="12700">
+          <a:xfrm>
+            <a:off x="746919" y="1143000"/>
+            <a:ext cx="3962400" cy="0"/>
+          </a:xfrm>
+          <a:prstGeom prst="line">
+            <a:avLst/>
+          </a:prstGeom>
+          <a:ln>
             <a:solidFill>
-              <a:srgbClr val="33A02C"/>
+              <a:schemeClr val="bg1">
+                <a:lumMod val="75000"/>
+              </a:schemeClr>
             </a:solidFill>
-            <a:headEnd w="sm" len="sm"/>
-            <a:tailEnd type="triangle" w="med" len="med"/>
+            <a:prstDash val="solid"/>
           </a:ln>
         </p:spPr>
         <p:style>
@@ -10851,24 +12573,22 @@
       </p:cxnSp>
       <p:cxnSp>
         <p:nvCxnSpPr>
-          <p:cNvPr id="13" name="Straight Arrow Connector 12"/>
+          <p:cNvPr id="10" name="Straight Connector 9"/>
           <p:cNvCxnSpPr/>
           <p:nvPr/>
         </p:nvCxnSpPr>
         <p:spPr>
-          <a:xfrm flipH="1">
-            <a:off x="2000945" y="296869"/>
-            <a:ext cx="210531" cy="272722"/>
-          </a:xfrm>
-          <a:prstGeom prst="straightConnector1">
-            <a:avLst/>
-          </a:prstGeom>
-          <a:ln w="12700">
+          <a:xfrm>
+            <a:off x="2301792" y="164541"/>
+            <a:ext cx="0" cy="2185216"/>
+          </a:xfrm>
+          <a:prstGeom prst="line">
+            <a:avLst/>
+          </a:prstGeom>
+          <a:ln>
             <a:solidFill>
               <a:schemeClr val="tx1"/>
             </a:solidFill>
-            <a:headEnd w="sm" len="sm"/>
-            <a:tailEnd type="triangle" w="med" len="med"/>
           </a:ln>
         </p:spPr>
         <p:style>
@@ -10886,147 +12606,40 @@
           </a:fontRef>
         </p:style>
       </p:cxnSp>
-      <p:cxnSp>
-        <p:nvCxnSpPr>
-          <p:cNvPr id="14" name="Straight Arrow Connector 13"/>
-          <p:cNvCxnSpPr/>
-          <p:nvPr/>
-        </p:nvCxnSpPr>
-        <p:spPr>
-          <a:xfrm>
-            <a:off x="2562037" y="296659"/>
-            <a:ext cx="0" cy="342930"/>
-          </a:xfrm>
-          <a:prstGeom prst="straightConnector1">
-            <a:avLst/>
-          </a:prstGeom>
+      <p:sp>
+        <p:nvSpPr>
+          <p:cNvPr id="11" name="Rounded Rectangle 10"/>
+          <p:cNvSpPr/>
+          <p:nvPr/>
+        </p:nvSpPr>
+        <p:spPr>
+          <a:xfrm>
+            <a:off x="746919" y="164547"/>
+            <a:ext cx="3962400" cy="2185210"/>
+          </a:xfrm>
+          <a:prstGeom prst="roundRect">
+            <a:avLst>
+              <a:gd name="adj" fmla="val 4386"/>
+            </a:avLst>
+          </a:prstGeom>
+          <a:noFill/>
           <a:ln w="12700">
             <a:solidFill>
               <a:schemeClr val="tx1"/>
             </a:solidFill>
-            <a:headEnd w="sm" len="sm"/>
-            <a:tailEnd type="triangle" w="med" len="med"/>
-          </a:ln>
-        </p:spPr>
-        <p:style>
-          <a:lnRef idx="1">
-            <a:schemeClr val="accent1"/>
-          </a:lnRef>
-          <a:fillRef idx="0">
-            <a:schemeClr val="accent1"/>
-          </a:fillRef>
-          <a:effectRef idx="0">
-            <a:schemeClr val="accent1"/>
-          </a:effectRef>
-          <a:fontRef idx="minor">
-            <a:schemeClr val="tx1"/>
-          </a:fontRef>
-        </p:style>
-      </p:cxnSp>
-      <p:cxnSp>
-        <p:nvCxnSpPr>
-          <p:cNvPr id="15" name="Straight Arrow Connector 14"/>
-          <p:cNvCxnSpPr/>
-          <p:nvPr/>
-        </p:nvCxnSpPr>
-        <p:spPr>
-          <a:xfrm>
-            <a:off x="2441906" y="577633"/>
-            <a:ext cx="422455" cy="440627"/>
-          </a:xfrm>
-          <a:prstGeom prst="straightConnector1">
-            <a:avLst/>
-          </a:prstGeom>
-          <a:ln w="12700">
-            <a:solidFill>
-              <a:srgbClr val="E31A1C"/>
-            </a:solidFill>
-            <a:headEnd w="sm" len="sm"/>
-            <a:tailEnd type="triangle" w="med" len="med"/>
-          </a:ln>
-        </p:spPr>
-        <p:style>
-          <a:lnRef idx="1">
-            <a:schemeClr val="accent1"/>
-          </a:lnRef>
-          <a:fillRef idx="0">
-            <a:schemeClr val="accent1"/>
-          </a:fillRef>
-          <a:effectRef idx="0">
-            <a:schemeClr val="accent1"/>
-          </a:effectRef>
-          <a:fontRef idx="minor">
-            <a:schemeClr val="tx1"/>
-          </a:fontRef>
-        </p:style>
-      </p:cxnSp>
-      <p:cxnSp>
-        <p:nvCxnSpPr>
-          <p:cNvPr id="16" name="Straight Arrow Connector 15"/>
-          <p:cNvCxnSpPr/>
-          <p:nvPr/>
-        </p:nvCxnSpPr>
-        <p:spPr>
-          <a:xfrm flipV="1">
-            <a:off x="2864361" y="639531"/>
-            <a:ext cx="1016065" cy="378729"/>
-          </a:xfrm>
-          <a:prstGeom prst="straightConnector1">
-            <a:avLst/>
-          </a:prstGeom>
-          <a:ln w="12700">
-            <a:solidFill>
-              <a:srgbClr val="33A02C"/>
-            </a:solidFill>
-            <a:headEnd w="sm" len="sm"/>
-            <a:tailEnd type="triangle" w="med" len="med"/>
-          </a:ln>
-        </p:spPr>
-        <p:style>
-          <a:lnRef idx="1">
-            <a:schemeClr val="accent1"/>
-          </a:lnRef>
-          <a:fillRef idx="0">
-            <a:schemeClr val="accent1"/>
-          </a:fillRef>
-          <a:effectRef idx="0">
-            <a:schemeClr val="accent1"/>
-          </a:effectRef>
-          <a:fontRef idx="minor">
-            <a:schemeClr val="tx1"/>
-          </a:fontRef>
-        </p:style>
-      </p:cxnSp>
-      <p:sp>
-        <p:nvSpPr>
-          <p:cNvPr id="17" name="Rectangle 16"/>
-          <p:cNvSpPr/>
-          <p:nvPr/>
-        </p:nvSpPr>
-        <p:spPr>
-          <a:xfrm>
-            <a:off x="1744838" y="1056464"/>
-            <a:ext cx="743462" cy="200529"/>
-          </a:xfrm>
-          <a:prstGeom prst="rect">
-            <a:avLst/>
-          </a:prstGeom>
-          <a:noFill/>
-          <a:ln>
-            <a:noFill/>
           </a:ln>
         </p:spPr>
         <p:style>
           <a:lnRef idx="2">
-            <a:schemeClr val="accent2">
+            <a:schemeClr val="accent1">
               <a:shade val="50000"/>
             </a:schemeClr>
           </a:lnRef>
           <a:fillRef idx="1">
-            <a:schemeClr val="accent2"/>
+            <a:schemeClr val="accent1"/>
           </a:fillRef>
           <a:effectRef idx="0">
-            <a:schemeClr val="accent2"/>
+            <a:schemeClr val="accent1"/>
           </a:effectRef>
           <a:fontRef idx="minor">
             <a:schemeClr val="lt1"/>
@@ -11037,150 +12650,14 @@
           <a:lstStyle/>
           <a:p>
             <a:pPr algn="ctr"/>
-            <a:r>
-              <a:rPr lang="en-US" sz="800" dirty="0" smtClean="0">
-                <a:solidFill>
-                  <a:schemeClr val="tx1"/>
-                </a:solidFill>
-                <a:latin typeface="Arial" pitchFamily="34" charset="0"/>
-                <a:cs typeface="Arial" pitchFamily="34" charset="0"/>
-              </a:rPr>
-              <a:t>perform monitoring</a:t>
-            </a:r>
-            <a:endParaRPr lang="en-US" sz="800" dirty="0">
-              <a:solidFill>
-                <a:schemeClr val="tx1"/>
-              </a:solidFill>
-              <a:latin typeface="Arial" pitchFamily="34" charset="0"/>
-              <a:cs typeface="Arial" pitchFamily="34" charset="0"/>
-            </a:endParaRPr>
-          </a:p>
-        </p:txBody>
-      </p:sp>
-      <p:sp>
-        <p:nvSpPr>
-          <p:cNvPr id="18" name="Rectangle 17"/>
-          <p:cNvSpPr/>
-          <p:nvPr/>
-        </p:nvSpPr>
-        <p:spPr>
-          <a:xfrm>
-            <a:off x="2649581" y="1056464"/>
-            <a:ext cx="729695" cy="200529"/>
-          </a:xfrm>
-          <a:prstGeom prst="rect">
-            <a:avLst/>
-          </a:prstGeom>
-          <a:noFill/>
-          <a:ln>
-            <a:noFill/>
-          </a:ln>
-        </p:spPr>
-        <p:style>
-          <a:lnRef idx="2">
-            <a:schemeClr val="accent2">
-              <a:shade val="50000"/>
-            </a:schemeClr>
-          </a:lnRef>
-          <a:fillRef idx="1">
-            <a:schemeClr val="accent2"/>
-          </a:fillRef>
-          <a:effectRef idx="0">
-            <a:schemeClr val="accent2"/>
-          </a:effectRef>
-          <a:fontRef idx="minor">
-            <a:schemeClr val="lt1"/>
-          </a:fontRef>
-        </p:style>
-        <p:txBody>
-          <a:bodyPr rtlCol="0" anchor="ctr"/>
-          <a:lstStyle/>
-          <a:p>
-            <a:pPr algn="ctr"/>
-            <a:r>
-              <a:rPr lang="en-US" sz="800" dirty="0" smtClean="0">
-                <a:solidFill>
-                  <a:schemeClr val="tx1"/>
-                </a:solidFill>
-                <a:latin typeface="Arial" pitchFamily="34" charset="0"/>
-                <a:cs typeface="Arial" pitchFamily="34" charset="0"/>
-              </a:rPr>
-              <a:t>drop monitoring</a:t>
-            </a:r>
-            <a:endParaRPr lang="en-US" sz="800" dirty="0">
-              <a:solidFill>
-                <a:schemeClr val="tx1"/>
-              </a:solidFill>
-              <a:latin typeface="Arial" pitchFamily="34" charset="0"/>
-              <a:cs typeface="Arial" pitchFamily="34" charset="0"/>
-            </a:endParaRPr>
-          </a:p>
-        </p:txBody>
-      </p:sp>
-      <p:sp>
-        <p:nvSpPr>
-          <p:cNvPr id="19" name="Rectangle 18"/>
-          <p:cNvSpPr/>
-          <p:nvPr/>
-        </p:nvSpPr>
-        <p:spPr>
-          <a:xfrm>
-            <a:off x="3328989" y="1056463"/>
-            <a:ext cx="743462" cy="200529"/>
-          </a:xfrm>
-          <a:prstGeom prst="rect">
-            <a:avLst/>
-          </a:prstGeom>
-          <a:noFill/>
-          <a:ln>
-            <a:noFill/>
-          </a:ln>
-        </p:spPr>
-        <p:style>
-          <a:lnRef idx="2">
-            <a:schemeClr val="accent2">
-              <a:shade val="50000"/>
-            </a:schemeClr>
-          </a:lnRef>
-          <a:fillRef idx="1">
-            <a:schemeClr val="accent2"/>
-          </a:fillRef>
-          <a:effectRef idx="0">
-            <a:schemeClr val="accent2"/>
-          </a:effectRef>
-          <a:fontRef idx="minor">
-            <a:schemeClr val="lt1"/>
-          </a:fontRef>
-        </p:style>
-        <p:txBody>
-          <a:bodyPr rtlCol="0" anchor="ctr"/>
-          <a:lstStyle/>
-          <a:p>
-            <a:pPr algn="ctr"/>
-            <a:r>
-              <a:rPr lang="en-US" sz="800" dirty="0" smtClean="0">
-                <a:solidFill>
-                  <a:schemeClr val="tx1"/>
-                </a:solidFill>
-                <a:latin typeface="Arial" pitchFamily="34" charset="0"/>
-                <a:cs typeface="Arial" pitchFamily="34" charset="0"/>
-              </a:rPr>
-              <a:t>perform monitoring</a:t>
-            </a:r>
-            <a:endParaRPr lang="en-US" sz="800" dirty="0">
-              <a:solidFill>
-                <a:schemeClr val="tx1"/>
-              </a:solidFill>
-              <a:latin typeface="Arial" pitchFamily="34" charset="0"/>
-              <a:cs typeface="Arial" pitchFamily="34" charset="0"/>
-            </a:endParaRPr>
+            <a:endParaRPr lang="en-US" sz="800"/>
           </a:p>
         </p:txBody>
       </p:sp>
     </p:spTree>
     <p:extLst>
       <p:ext uri="{BB962C8B-B14F-4D97-AF65-F5344CB8AC3E}">
-        <p14:creationId xmlns:p14="http://schemas.microsoft.com/office/powerpoint/2010/main" val="2149328717"/>
+        <p14:creationId xmlns:p14="http://schemas.microsoft.com/office/powerpoint/2010/main" val="117626623"/>
       </p:ext>
     </p:extLst>
   </p:cSld>
@@ -11209,25 +12686,25 @@
       </p:grpSpPr>
       <p:sp>
         <p:nvSpPr>
-          <p:cNvPr id="2" name="Oval 1"/>
+          <p:cNvPr id="2" name="Rectangle 1"/>
           <p:cNvSpPr/>
           <p:nvPr/>
         </p:nvSpPr>
         <p:spPr>
           <a:xfrm>
-            <a:off x="1600925" y="59789"/>
-            <a:ext cx="230429" cy="230429"/>
-          </a:xfrm>
-          <a:prstGeom prst="ellipse">
+            <a:off x="2689871" y="47542"/>
+            <a:ext cx="649117" cy="1247858"/>
+          </a:xfrm>
+          <a:prstGeom prst="rect">
             <a:avLst/>
           </a:prstGeom>
           <a:solidFill>
-            <a:srgbClr val="A6CEE3"/>
+            <a:schemeClr val="bg1">
+              <a:lumMod val="75000"/>
+            </a:schemeClr>
           </a:solidFill>
-          <a:ln w="12700">
-            <a:solidFill>
-              <a:schemeClr val="tx1"/>
-            </a:solidFill>
+          <a:ln>
+            <a:noFill/>
           </a:ln>
         </p:spPr>
         <p:style>
@@ -11251,103 +12728,23 @@
           <a:lstStyle/>
           <a:p>
             <a:pPr algn="ctr"/>
-            <a:r>
-              <a:rPr lang="en-US" sz="800" dirty="0" smtClean="0">
-                <a:solidFill>
-                  <a:schemeClr val="tx1"/>
-                </a:solidFill>
-                <a:latin typeface="Arial" pitchFamily="34" charset="0"/>
-                <a:cs typeface="Arial" pitchFamily="34" charset="0"/>
-              </a:rPr>
-              <a:t>A</a:t>
-            </a:r>
-            <a:endParaRPr lang="en-US" sz="800" dirty="0">
-              <a:solidFill>
-                <a:schemeClr val="tx1"/>
-              </a:solidFill>
+            <a:endParaRPr lang="en-US" sz="800">
               <a:latin typeface="Arial" pitchFamily="34" charset="0"/>
               <a:cs typeface="Arial" pitchFamily="34" charset="0"/>
             </a:endParaRPr>
           </a:p>
         </p:txBody>
       </p:sp>
-      <p:sp>
-        <p:nvSpPr>
-          <p:cNvPr id="3" name="Oval 2"/>
-          <p:cNvSpPr/>
-          <p:nvPr/>
-        </p:nvSpPr>
-        <p:spPr>
-          <a:xfrm>
-            <a:off x="2073847" y="59791"/>
-            <a:ext cx="230429" cy="230429"/>
-          </a:xfrm>
-          <a:prstGeom prst="ellipse">
-            <a:avLst/>
-          </a:prstGeom>
-          <a:solidFill>
-            <a:srgbClr val="A6CEE3"/>
-          </a:solidFill>
-          <a:ln w="12700">
-            <a:solidFill>
-              <a:schemeClr val="tx1"/>
-            </a:solidFill>
-          </a:ln>
-        </p:spPr>
-        <p:style>
-          <a:lnRef idx="2">
-            <a:schemeClr val="accent1">
-              <a:shade val="50000"/>
-            </a:schemeClr>
-          </a:lnRef>
-          <a:fillRef idx="1">
-            <a:schemeClr val="accent1"/>
-          </a:fillRef>
-          <a:effectRef idx="0">
-            <a:schemeClr val="accent1"/>
-          </a:effectRef>
-          <a:fontRef idx="minor">
-            <a:schemeClr val="lt1"/>
-          </a:fontRef>
-        </p:style>
-        <p:txBody>
-          <a:bodyPr rtlCol="0" anchor="ctr"/>
-          <a:lstStyle/>
-          <a:p>
-            <a:pPr algn="ctr"/>
-            <a:r>
-              <a:rPr lang="en-US" sz="800" dirty="0" smtClean="0">
-                <a:solidFill>
-                  <a:schemeClr val="tx1"/>
-                </a:solidFill>
-                <a:latin typeface="Arial" pitchFamily="34" charset="0"/>
-                <a:cs typeface="Arial" pitchFamily="34" charset="0"/>
-              </a:rPr>
-              <a:t>B</a:t>
-            </a:r>
-            <a:endParaRPr lang="en-US" sz="800" dirty="0">
-              <a:solidFill>
-                <a:schemeClr val="tx1"/>
-              </a:solidFill>
-              <a:latin typeface="Arial" pitchFamily="34" charset="0"/>
-              <a:cs typeface="Arial" pitchFamily="34" charset="0"/>
-            </a:endParaRPr>
-          </a:p>
-        </p:txBody>
-      </p:sp>
       <p:cxnSp>
         <p:nvCxnSpPr>
-          <p:cNvPr id="4" name="Straight Arrow Connector 3"/>
-          <p:cNvCxnSpPr>
-            <a:stCxn id="2" idx="6"/>
-            <a:endCxn id="3" idx="2"/>
-          </p:cNvCxnSpPr>
+          <p:cNvPr id="3" name="Straight Arrow Connector 2"/>
+          <p:cNvCxnSpPr/>
           <p:nvPr/>
         </p:nvCxnSpPr>
         <p:spPr>
-          <a:xfrm>
-            <a:off x="1831354" y="175004"/>
-            <a:ext cx="242493" cy="2"/>
+          <a:xfrm flipV="1">
+            <a:off x="1559982" y="28035"/>
+            <a:ext cx="0" cy="1228957"/>
           </a:xfrm>
           <a:prstGeom prst="straightConnector1">
             <a:avLst/>
@@ -11357,202 +12754,7 @@
               <a:schemeClr val="tx1"/>
             </a:solidFill>
             <a:headEnd w="sm" len="sm"/>
-            <a:tailEnd type="triangle" w="med" len="med"/>
-          </a:ln>
-        </p:spPr>
-        <p:style>
-          <a:lnRef idx="1">
-            <a:schemeClr val="accent1"/>
-          </a:lnRef>
-          <a:fillRef idx="0">
-            <a:schemeClr val="accent1"/>
-          </a:fillRef>
-          <a:effectRef idx="0">
-            <a:schemeClr val="accent1"/>
-          </a:effectRef>
-          <a:fontRef idx="minor">
-            <a:schemeClr val="tx1"/>
-          </a:fontRef>
-        </p:style>
-      </p:cxnSp>
-      <p:sp>
-        <p:nvSpPr>
-          <p:cNvPr id="5" name="Oval 4"/>
-          <p:cNvSpPr/>
-          <p:nvPr/>
-        </p:nvSpPr>
-        <p:spPr>
-          <a:xfrm>
-            <a:off x="2546769" y="60111"/>
-            <a:ext cx="230429" cy="230429"/>
-          </a:xfrm>
-          <a:prstGeom prst="ellipse">
-            <a:avLst/>
-          </a:prstGeom>
-          <a:solidFill>
-            <a:srgbClr val="A6CEE3"/>
-          </a:solidFill>
-          <a:ln w="12700">
-            <a:solidFill>
-              <a:schemeClr val="tx1"/>
-            </a:solidFill>
-          </a:ln>
-        </p:spPr>
-        <p:style>
-          <a:lnRef idx="2">
-            <a:schemeClr val="accent1">
-              <a:shade val="50000"/>
-            </a:schemeClr>
-          </a:lnRef>
-          <a:fillRef idx="1">
-            <a:schemeClr val="accent1"/>
-          </a:fillRef>
-          <a:effectRef idx="0">
-            <a:schemeClr val="accent1"/>
-          </a:effectRef>
-          <a:fontRef idx="minor">
-            <a:schemeClr val="lt1"/>
-          </a:fontRef>
-        </p:style>
-        <p:txBody>
-          <a:bodyPr rtlCol="0" anchor="ctr"/>
-          <a:lstStyle/>
-          <a:p>
-            <a:pPr algn="ctr"/>
-            <a:r>
-              <a:rPr lang="en-US" sz="800" dirty="0" smtClean="0">
-                <a:solidFill>
-                  <a:schemeClr val="tx1"/>
-                </a:solidFill>
-                <a:latin typeface="Arial" pitchFamily="34" charset="0"/>
-                <a:cs typeface="Arial" pitchFamily="34" charset="0"/>
-              </a:rPr>
-              <a:t>C</a:t>
-            </a:r>
-            <a:endParaRPr lang="en-US" sz="800" dirty="0">
-              <a:solidFill>
-                <a:schemeClr val="tx1"/>
-              </a:solidFill>
-              <a:latin typeface="Arial" pitchFamily="34" charset="0"/>
-              <a:cs typeface="Arial" pitchFamily="34" charset="0"/>
-            </a:endParaRPr>
-          </a:p>
-        </p:txBody>
-      </p:sp>
-      <p:cxnSp>
-        <p:nvCxnSpPr>
-          <p:cNvPr id="6" name="Straight Arrow Connector 5"/>
-          <p:cNvCxnSpPr/>
-          <p:nvPr/>
-        </p:nvCxnSpPr>
-        <p:spPr>
-          <a:xfrm>
-            <a:off x="2304276" y="175329"/>
-            <a:ext cx="242493" cy="2"/>
-          </a:xfrm>
-          <a:prstGeom prst="straightConnector1">
-            <a:avLst/>
-          </a:prstGeom>
-          <a:ln w="12700">
-            <a:solidFill>
-              <a:schemeClr val="tx1"/>
-            </a:solidFill>
-            <a:headEnd w="sm" len="sm"/>
-            <a:tailEnd type="triangle" w="med" len="med"/>
-          </a:ln>
-        </p:spPr>
-        <p:style>
-          <a:lnRef idx="1">
-            <a:schemeClr val="accent1"/>
-          </a:lnRef>
-          <a:fillRef idx="0">
-            <a:schemeClr val="accent1"/>
-          </a:fillRef>
-          <a:effectRef idx="0">
-            <a:schemeClr val="accent1"/>
-          </a:effectRef>
-          <a:fontRef idx="minor">
-            <a:schemeClr val="tx1"/>
-          </a:fontRef>
-        </p:style>
-      </p:cxnSp>
-      <p:sp>
-        <p:nvSpPr>
-          <p:cNvPr id="7" name="Oval 6"/>
-          <p:cNvSpPr/>
-          <p:nvPr/>
-        </p:nvSpPr>
-        <p:spPr>
-          <a:xfrm>
-            <a:off x="3019691" y="60111"/>
-            <a:ext cx="230429" cy="230429"/>
-          </a:xfrm>
-          <a:prstGeom prst="ellipse">
-            <a:avLst/>
-          </a:prstGeom>
-          <a:solidFill>
-            <a:srgbClr val="A6CEE3"/>
-          </a:solidFill>
-          <a:ln w="12700">
-            <a:solidFill>
-              <a:schemeClr val="tx1"/>
-            </a:solidFill>
-          </a:ln>
-        </p:spPr>
-        <p:style>
-          <a:lnRef idx="2">
-            <a:schemeClr val="accent1">
-              <a:shade val="50000"/>
-            </a:schemeClr>
-          </a:lnRef>
-          <a:fillRef idx="1">
-            <a:schemeClr val="accent1"/>
-          </a:fillRef>
-          <a:effectRef idx="0">
-            <a:schemeClr val="accent1"/>
-          </a:effectRef>
-          <a:fontRef idx="minor">
-            <a:schemeClr val="lt1"/>
-          </a:fontRef>
-        </p:style>
-        <p:txBody>
-          <a:bodyPr rtlCol="0" anchor="ctr"/>
-          <a:lstStyle/>
-          <a:p>
-            <a:pPr algn="ctr"/>
-            <a:r>
-              <a:rPr lang="en-US" sz="800" dirty="0">
-                <a:solidFill>
-                  <a:schemeClr val="tx1"/>
-                </a:solidFill>
-                <a:latin typeface="Arial" pitchFamily="34" charset="0"/>
-                <a:cs typeface="Arial" pitchFamily="34" charset="0"/>
-              </a:rPr>
-              <a:t>D</a:t>
-            </a:r>
-          </a:p>
-        </p:txBody>
-      </p:sp>
-      <p:cxnSp>
-        <p:nvCxnSpPr>
-          <p:cNvPr id="8" name="Straight Arrow Connector 7"/>
-          <p:cNvCxnSpPr/>
-          <p:nvPr/>
-        </p:nvCxnSpPr>
-        <p:spPr>
-          <a:xfrm>
-            <a:off x="2777198" y="175327"/>
-            <a:ext cx="242493" cy="2"/>
-          </a:xfrm>
-          <a:prstGeom prst="straightConnector1">
-            <a:avLst/>
-          </a:prstGeom>
-          <a:ln w="12700">
-            <a:solidFill>
-              <a:schemeClr val="tx1"/>
-            </a:solidFill>
-            <a:headEnd w="sm" len="sm"/>
-            <a:tailEnd type="triangle" w="med" len="med"/>
+            <a:tailEnd type="arrow" w="sm" len="sm"/>
           </a:ln>
         </p:spPr>
         <p:style>
@@ -11572,14 +12774,14 @@
       </p:cxnSp>
       <p:cxnSp>
         <p:nvCxnSpPr>
-          <p:cNvPr id="9" name="Straight Arrow Connector 8"/>
+          <p:cNvPr id="4" name="Straight Arrow Connector 3"/>
           <p:cNvCxnSpPr/>
           <p:nvPr/>
         </p:nvCxnSpPr>
         <p:spPr>
           <a:xfrm>
-            <a:off x="3250120" y="175325"/>
-            <a:ext cx="242493" cy="2"/>
+            <a:off x="1426011" y="834539"/>
+            <a:ext cx="2646440" cy="0"/>
           </a:xfrm>
           <a:prstGeom prst="straightConnector1">
             <a:avLst/>
@@ -11589,7 +12791,7 @@
               <a:schemeClr val="tx1"/>
             </a:solidFill>
             <a:headEnd w="sm" len="sm"/>
-            <a:tailEnd type="triangle" w="med" len="med"/>
+            <a:tailEnd type="arrow" w="sm" len="sm"/>
           </a:ln>
         </p:spPr>
         <p:style>
@@ -11609,21 +12811,173 @@
       </p:cxnSp>
       <p:sp>
         <p:nvSpPr>
-          <p:cNvPr id="10" name="Oval 9"/>
+          <p:cNvPr id="5" name="Rectangle 4"/>
           <p:cNvSpPr/>
           <p:nvPr/>
         </p:nvSpPr>
         <p:spPr>
           <a:xfrm>
-            <a:off x="2546768" y="357609"/>
-            <a:ext cx="230429" cy="230429"/>
-          </a:xfrm>
-          <a:prstGeom prst="ellipse">
-            <a:avLst/>
-          </a:prstGeom>
-          <a:solidFill>
-            <a:srgbClr val="A6CEE3"/>
-          </a:solidFill>
+            <a:off x="3814632" y="826035"/>
+            <a:ext cx="437487" cy="200529"/>
+          </a:xfrm>
+          <a:prstGeom prst="rect">
+            <a:avLst/>
+          </a:prstGeom>
+          <a:noFill/>
+          <a:ln>
+            <a:noFill/>
+          </a:ln>
+        </p:spPr>
+        <p:style>
+          <a:lnRef idx="2">
+            <a:schemeClr val="accent2">
+              <a:shade val="50000"/>
+            </a:schemeClr>
+          </a:lnRef>
+          <a:fillRef idx="1">
+            <a:schemeClr val="accent2"/>
+          </a:fillRef>
+          <a:effectRef idx="0">
+            <a:schemeClr val="accent2"/>
+          </a:effectRef>
+          <a:fontRef idx="minor">
+            <a:schemeClr val="lt1"/>
+          </a:fontRef>
+        </p:style>
+        <p:txBody>
+          <a:bodyPr rtlCol="0" anchor="ctr"/>
+          <a:lstStyle/>
+          <a:p>
+            <a:r>
+              <a:rPr lang="en-US" sz="800" dirty="0" smtClean="0">
+                <a:solidFill>
+                  <a:schemeClr val="tx1"/>
+                </a:solidFill>
+                <a:latin typeface="Arial" pitchFamily="34" charset="0"/>
+                <a:cs typeface="Arial" pitchFamily="34" charset="0"/>
+              </a:rPr>
+              <a:t>time</a:t>
+            </a:r>
+            <a:endParaRPr lang="en-US" sz="800" dirty="0">
+              <a:solidFill>
+                <a:schemeClr val="tx1"/>
+              </a:solidFill>
+              <a:latin typeface="Arial" pitchFamily="34" charset="0"/>
+              <a:cs typeface="Arial" pitchFamily="34" charset="0"/>
+            </a:endParaRPr>
+          </a:p>
+        </p:txBody>
+      </p:sp>
+      <p:sp>
+        <p:nvSpPr>
+          <p:cNvPr id="6" name="Rectangle 5"/>
+          <p:cNvSpPr/>
+          <p:nvPr/>
+        </p:nvSpPr>
+        <p:spPr>
+          <a:xfrm>
+            <a:off x="1174541" y="29158"/>
+            <a:ext cx="500160" cy="200529"/>
+          </a:xfrm>
+          <a:prstGeom prst="rect">
+            <a:avLst/>
+          </a:prstGeom>
+          <a:noFill/>
+          <a:ln>
+            <a:noFill/>
+          </a:ln>
+        </p:spPr>
+        <p:style>
+          <a:lnRef idx="2">
+            <a:schemeClr val="accent2">
+              <a:shade val="50000"/>
+            </a:schemeClr>
+          </a:lnRef>
+          <a:fillRef idx="1">
+            <a:schemeClr val="accent2"/>
+          </a:fillRef>
+          <a:effectRef idx="0">
+            <a:schemeClr val="accent2"/>
+          </a:effectRef>
+          <a:fontRef idx="minor">
+            <a:schemeClr val="lt1"/>
+          </a:fontRef>
+        </p:style>
+        <p:txBody>
+          <a:bodyPr rtlCol="0" anchor="ctr"/>
+          <a:lstStyle/>
+          <a:p>
+            <a:r>
+              <a:rPr lang="en-US" sz="800" dirty="0" smtClean="0">
+                <a:solidFill>
+                  <a:schemeClr val="tx1"/>
+                </a:solidFill>
+                <a:latin typeface="Arial" pitchFamily="34" charset="0"/>
+                <a:cs typeface="Arial" pitchFamily="34" charset="0"/>
+              </a:rPr>
+              <a:t>slack</a:t>
+            </a:r>
+            <a:endParaRPr lang="en-US" sz="800" dirty="0">
+              <a:solidFill>
+                <a:schemeClr val="tx1"/>
+              </a:solidFill>
+              <a:latin typeface="Arial" pitchFamily="34" charset="0"/>
+              <a:cs typeface="Arial" pitchFamily="34" charset="0"/>
+            </a:endParaRPr>
+          </a:p>
+        </p:txBody>
+      </p:sp>
+      <p:cxnSp>
+        <p:nvCxnSpPr>
+          <p:cNvPr id="7" name="Straight Arrow Connector 6"/>
+          <p:cNvCxnSpPr/>
+          <p:nvPr/>
+        </p:nvCxnSpPr>
+        <p:spPr>
+          <a:xfrm flipV="1">
+            <a:off x="1559982" y="505173"/>
+            <a:ext cx="345645" cy="128836"/>
+          </a:xfrm>
+          <a:prstGeom prst="straightConnector1">
+            <a:avLst/>
+          </a:prstGeom>
+          <a:ln w="12700">
+            <a:solidFill>
+              <a:srgbClr val="33A02C"/>
+            </a:solidFill>
+            <a:headEnd w="sm" len="sm"/>
+            <a:tailEnd type="triangle" w="med" len="med"/>
+          </a:ln>
+        </p:spPr>
+        <p:style>
+          <a:lnRef idx="1">
+            <a:schemeClr val="accent1"/>
+          </a:lnRef>
+          <a:fillRef idx="0">
+            <a:schemeClr val="accent1"/>
+          </a:fillRef>
+          <a:effectRef idx="0">
+            <a:schemeClr val="accent1"/>
+          </a:effectRef>
+          <a:fontRef idx="minor">
+            <a:schemeClr val="tx1"/>
+          </a:fontRef>
+        </p:style>
+      </p:cxnSp>
+      <p:cxnSp>
+        <p:nvCxnSpPr>
+          <p:cNvPr id="8" name="Straight Connector 7"/>
+          <p:cNvCxnSpPr/>
+          <p:nvPr/>
+        </p:nvCxnSpPr>
+        <p:spPr>
+          <a:xfrm flipH="1">
+            <a:off x="1511419" y="634009"/>
+            <a:ext cx="95890" cy="0"/>
+          </a:xfrm>
+          <a:prstGeom prst="line">
+            <a:avLst/>
+          </a:prstGeom>
           <a:ln w="12700">
             <a:solidFill>
               <a:schemeClr val="tx1"/>
@@ -11631,16 +12985,50 @@
           </a:ln>
         </p:spPr>
         <p:style>
+          <a:lnRef idx="1">
+            <a:schemeClr val="accent1"/>
+          </a:lnRef>
+          <a:fillRef idx="0">
+            <a:schemeClr val="accent1"/>
+          </a:fillRef>
+          <a:effectRef idx="0">
+            <a:schemeClr val="accent1"/>
+          </a:effectRef>
+          <a:fontRef idx="minor">
+            <a:schemeClr val="tx1"/>
+          </a:fontRef>
+        </p:style>
+      </p:cxnSp>
+      <p:sp>
+        <p:nvSpPr>
+          <p:cNvPr id="9" name="Rectangle 8"/>
+          <p:cNvSpPr/>
+          <p:nvPr/>
+        </p:nvSpPr>
+        <p:spPr>
+          <a:xfrm>
+            <a:off x="1135241" y="518795"/>
+            <a:ext cx="500160" cy="200529"/>
+          </a:xfrm>
+          <a:prstGeom prst="rect">
+            <a:avLst/>
+          </a:prstGeom>
+          <a:noFill/>
+          <a:ln>
+            <a:noFill/>
+          </a:ln>
+        </p:spPr>
+        <p:style>
           <a:lnRef idx="2">
-            <a:schemeClr val="accent1">
+            <a:schemeClr val="accent2">
               <a:shade val="50000"/>
             </a:schemeClr>
           </a:lnRef>
           <a:fillRef idx="1">
-            <a:schemeClr val="accent1"/>
+            <a:schemeClr val="accent2"/>
           </a:fillRef>
           <a:effectRef idx="0">
-            <a:schemeClr val="accent1"/>
+            <a:schemeClr val="accent2"/>
           </a:effectRef>
           <a:fontRef idx="minor">
             <a:schemeClr val="lt1"/>
@@ -11650,40 +13038,103 @@
           <a:bodyPr rtlCol="0" anchor="ctr"/>
           <a:lstStyle/>
           <a:p>
-            <a:pPr algn="ctr"/>
-            <a:r>
-              <a:rPr lang="en-US" sz="800" dirty="0">
+            <a:r>
+              <a:rPr lang="en-US" sz="800" dirty="0" smtClean="0">
                 <a:solidFill>
                   <a:schemeClr val="tx1"/>
                 </a:solidFill>
                 <a:latin typeface="Arial" pitchFamily="34" charset="0"/>
                 <a:cs typeface="Arial" pitchFamily="34" charset="0"/>
               </a:rPr>
-              <a:t>F</a:t>
-            </a:r>
+              <a:t>initial slack</a:t>
+            </a:r>
+            <a:endParaRPr lang="en-US" sz="800" dirty="0">
+              <a:solidFill>
+                <a:schemeClr val="tx1"/>
+              </a:solidFill>
+              <a:latin typeface="Arial" pitchFamily="34" charset="0"/>
+              <a:cs typeface="Arial" pitchFamily="34" charset="0"/>
+            </a:endParaRPr>
+          </a:p>
+        </p:txBody>
+      </p:sp>
+      <p:sp>
+        <p:nvSpPr>
+          <p:cNvPr id="10" name="Rectangle 9"/>
+          <p:cNvSpPr/>
+          <p:nvPr/>
+        </p:nvSpPr>
+        <p:spPr>
+          <a:xfrm>
+            <a:off x="2014905" y="47541"/>
+            <a:ext cx="775204" cy="200529"/>
+          </a:xfrm>
+          <a:prstGeom prst="rect">
+            <a:avLst/>
+          </a:prstGeom>
+          <a:noFill/>
+          <a:ln>
+            <a:noFill/>
+          </a:ln>
+        </p:spPr>
+        <p:style>
+          <a:lnRef idx="2">
+            <a:schemeClr val="accent2">
+              <a:shade val="50000"/>
+            </a:schemeClr>
+          </a:lnRef>
+          <a:fillRef idx="1">
+            <a:schemeClr val="accent2"/>
+          </a:fillRef>
+          <a:effectRef idx="0">
+            <a:schemeClr val="accent2"/>
+          </a:effectRef>
+          <a:fontRef idx="minor">
+            <a:schemeClr val="lt1"/>
+          </a:fontRef>
+        </p:style>
+        <p:txBody>
+          <a:bodyPr rtlCol="0" anchor="ctr"/>
+          <a:lstStyle/>
+          <a:p>
+            <a:pPr algn="ctr"/>
+            <a:r>
+              <a:rPr lang="en-US" sz="800" dirty="0" smtClean="0">
+                <a:solidFill>
+                  <a:schemeClr val="tx1"/>
+                </a:solidFill>
+                <a:latin typeface="Arial" pitchFamily="34" charset="0"/>
+                <a:cs typeface="Arial" pitchFamily="34" charset="0"/>
+              </a:rPr>
+              <a:t>monitoring overheads</a:t>
+            </a:r>
+            <a:endParaRPr lang="en-US" sz="800" dirty="0">
+              <a:solidFill>
+                <a:schemeClr val="tx1"/>
+              </a:solidFill>
+              <a:latin typeface="Arial" pitchFamily="34" charset="0"/>
+              <a:cs typeface="Arial" pitchFamily="34" charset="0"/>
+            </a:endParaRPr>
           </a:p>
         </p:txBody>
       </p:sp>
       <p:cxnSp>
         <p:nvCxnSpPr>
           <p:cNvPr id="11" name="Straight Arrow Connector 10"/>
-          <p:cNvCxnSpPr>
-            <a:stCxn id="3" idx="5"/>
-            <a:endCxn id="10" idx="2"/>
-          </p:cNvCxnSpPr>
+          <p:cNvCxnSpPr/>
           <p:nvPr/>
         </p:nvCxnSpPr>
         <p:spPr>
           <a:xfrm>
-            <a:off x="2270530" y="256474"/>
-            <a:ext cx="276238" cy="216350"/>
+            <a:off x="1905627" y="505173"/>
+            <a:ext cx="190634" cy="198834"/>
           </a:xfrm>
           <a:prstGeom prst="straightConnector1">
             <a:avLst/>
           </a:prstGeom>
           <a:ln w="12700">
             <a:solidFill>
-              <a:schemeClr val="tx1"/>
+              <a:srgbClr val="E31A1C"/>
             </a:solidFill>
             <a:headEnd w="sm" len="sm"/>
             <a:tailEnd type="triangle" w="med" len="med"/>
@@ -11711,9 +13162,46 @@
           <p:nvPr/>
         </p:nvCxnSpPr>
         <p:spPr>
-          <a:xfrm>
-            <a:off x="2780750" y="472824"/>
-            <a:ext cx="242493" cy="2"/>
+          <a:xfrm flipV="1">
+            <a:off x="2096261" y="575171"/>
+            <a:ext cx="345645" cy="128836"/>
+          </a:xfrm>
+          <a:prstGeom prst="straightConnector1">
+            <a:avLst/>
+          </a:prstGeom>
+          <a:ln w="12700">
+            <a:solidFill>
+              <a:srgbClr val="33A02C"/>
+            </a:solidFill>
+            <a:headEnd w="sm" len="sm"/>
+            <a:tailEnd type="triangle" w="med" len="med"/>
+          </a:ln>
+        </p:spPr>
+        <p:style>
+          <a:lnRef idx="1">
+            <a:schemeClr val="accent1"/>
+          </a:lnRef>
+          <a:fillRef idx="0">
+            <a:schemeClr val="accent1"/>
+          </a:fillRef>
+          <a:effectRef idx="0">
+            <a:schemeClr val="accent1"/>
+          </a:effectRef>
+          <a:fontRef idx="minor">
+            <a:schemeClr val="tx1"/>
+          </a:fontRef>
+        </p:style>
+      </p:cxnSp>
+      <p:cxnSp>
+        <p:nvCxnSpPr>
+          <p:cNvPr id="13" name="Straight Arrow Connector 12"/>
+          <p:cNvCxnSpPr/>
+          <p:nvPr/>
+        </p:nvCxnSpPr>
+        <p:spPr>
+          <a:xfrm flipH="1">
+            <a:off x="2000945" y="296869"/>
+            <a:ext cx="210531" cy="272722"/>
           </a:xfrm>
           <a:prstGeom prst="straightConnector1">
             <a:avLst/>
@@ -11741,40 +13229,147 @@
           </a:fontRef>
         </p:style>
       </p:cxnSp>
-      <p:sp>
-        <p:nvSpPr>
-          <p:cNvPr id="13" name="Rectangle 12"/>
-          <p:cNvSpPr/>
-          <p:nvPr/>
-        </p:nvSpPr>
-        <p:spPr>
-          <a:xfrm>
-            <a:off x="3023243" y="357609"/>
-            <a:ext cx="230429" cy="230429"/>
-          </a:xfrm>
-          <a:prstGeom prst="rect">
-            <a:avLst/>
-          </a:prstGeom>
-          <a:solidFill>
-            <a:srgbClr val="A6CEE3"/>
-          </a:solidFill>
+      <p:cxnSp>
+        <p:nvCxnSpPr>
+          <p:cNvPr id="14" name="Straight Arrow Connector 13"/>
+          <p:cNvCxnSpPr/>
+          <p:nvPr/>
+        </p:nvCxnSpPr>
+        <p:spPr>
+          <a:xfrm>
+            <a:off x="2562037" y="296659"/>
+            <a:ext cx="0" cy="342930"/>
+          </a:xfrm>
+          <a:prstGeom prst="straightConnector1">
+            <a:avLst/>
+          </a:prstGeom>
           <a:ln w="12700">
             <a:solidFill>
               <a:schemeClr val="tx1"/>
             </a:solidFill>
+            <a:headEnd w="sm" len="sm"/>
+            <a:tailEnd type="triangle" w="med" len="med"/>
+          </a:ln>
+        </p:spPr>
+        <p:style>
+          <a:lnRef idx="1">
+            <a:schemeClr val="accent1"/>
+          </a:lnRef>
+          <a:fillRef idx="0">
+            <a:schemeClr val="accent1"/>
+          </a:fillRef>
+          <a:effectRef idx="0">
+            <a:schemeClr val="accent1"/>
+          </a:effectRef>
+          <a:fontRef idx="minor">
+            <a:schemeClr val="tx1"/>
+          </a:fontRef>
+        </p:style>
+      </p:cxnSp>
+      <p:cxnSp>
+        <p:nvCxnSpPr>
+          <p:cNvPr id="15" name="Straight Arrow Connector 14"/>
+          <p:cNvCxnSpPr/>
+          <p:nvPr/>
+        </p:nvCxnSpPr>
+        <p:spPr>
+          <a:xfrm>
+            <a:off x="2441906" y="577633"/>
+            <a:ext cx="422455" cy="440627"/>
+          </a:xfrm>
+          <a:prstGeom prst="straightConnector1">
+            <a:avLst/>
+          </a:prstGeom>
+          <a:ln w="12700">
+            <a:solidFill>
+              <a:srgbClr val="E31A1C"/>
+            </a:solidFill>
+            <a:headEnd w="sm" len="sm"/>
+            <a:tailEnd type="triangle" w="med" len="med"/>
+          </a:ln>
+        </p:spPr>
+        <p:style>
+          <a:lnRef idx="1">
+            <a:schemeClr val="accent1"/>
+          </a:lnRef>
+          <a:fillRef idx="0">
+            <a:schemeClr val="accent1"/>
+          </a:fillRef>
+          <a:effectRef idx="0">
+            <a:schemeClr val="accent1"/>
+          </a:effectRef>
+          <a:fontRef idx="minor">
+            <a:schemeClr val="tx1"/>
+          </a:fontRef>
+        </p:style>
+      </p:cxnSp>
+      <p:cxnSp>
+        <p:nvCxnSpPr>
+          <p:cNvPr id="16" name="Straight Arrow Connector 15"/>
+          <p:cNvCxnSpPr/>
+          <p:nvPr/>
+        </p:nvCxnSpPr>
+        <p:spPr>
+          <a:xfrm flipV="1">
+            <a:off x="2864361" y="639531"/>
+            <a:ext cx="1016065" cy="378729"/>
+          </a:xfrm>
+          <a:prstGeom prst="straightConnector1">
+            <a:avLst/>
+          </a:prstGeom>
+          <a:ln w="12700">
+            <a:solidFill>
+              <a:srgbClr val="33A02C"/>
+            </a:solidFill>
+            <a:headEnd w="sm" len="sm"/>
+            <a:tailEnd type="triangle" w="med" len="med"/>
+          </a:ln>
+        </p:spPr>
+        <p:style>
+          <a:lnRef idx="1">
+            <a:schemeClr val="accent1"/>
+          </a:lnRef>
+          <a:fillRef idx="0">
+            <a:schemeClr val="accent1"/>
+          </a:fillRef>
+          <a:effectRef idx="0">
+            <a:schemeClr val="accent1"/>
+          </a:effectRef>
+          <a:fontRef idx="minor">
+            <a:schemeClr val="tx1"/>
+          </a:fontRef>
+        </p:style>
+      </p:cxnSp>
+      <p:sp>
+        <p:nvSpPr>
+          <p:cNvPr id="17" name="Rectangle 16"/>
+          <p:cNvSpPr/>
+          <p:nvPr/>
+        </p:nvSpPr>
+        <p:spPr>
+          <a:xfrm>
+            <a:off x="1744838" y="1056464"/>
+            <a:ext cx="743462" cy="200529"/>
+          </a:xfrm>
+          <a:prstGeom prst="rect">
+            <a:avLst/>
+          </a:prstGeom>
+          <a:noFill/>
+          <a:ln>
+            <a:noFill/>
           </a:ln>
         </p:spPr>
         <p:style>
           <a:lnRef idx="2">
-            <a:schemeClr val="accent1">
+            <a:schemeClr val="accent2">
               <a:shade val="50000"/>
             </a:schemeClr>
           </a:lnRef>
           <a:fillRef idx="1">
-            <a:schemeClr val="accent1"/>
+            <a:schemeClr val="accent2"/>
           </a:fillRef>
           <a:effectRef idx="0">
-            <a:schemeClr val="accent1"/>
+            <a:schemeClr val="accent2"/>
           </a:effectRef>
           <a:fontRef idx="minor">
             <a:schemeClr val="lt1"/>
@@ -11793,7 +13388,7 @@
                 <a:latin typeface="Arial" pitchFamily="34" charset="0"/>
                 <a:cs typeface="Arial" pitchFamily="34" charset="0"/>
               </a:rPr>
-              <a:t>G</a:t>
+              <a:t>perform monitoring</a:t>
             </a:r>
             <a:endParaRPr lang="en-US" sz="800" dirty="0">
               <a:solidFill>
@@ -11807,38 +13402,34 @@
       </p:sp>
       <p:sp>
         <p:nvSpPr>
-          <p:cNvPr id="14" name="Rectangle 13"/>
+          <p:cNvPr id="18" name="Rectangle 17"/>
           <p:cNvSpPr/>
           <p:nvPr/>
         </p:nvSpPr>
         <p:spPr>
           <a:xfrm>
-            <a:off x="3492613" y="59788"/>
-            <a:ext cx="230429" cy="230429"/>
+            <a:off x="2649581" y="1056464"/>
+            <a:ext cx="729695" cy="200529"/>
           </a:xfrm>
           <a:prstGeom prst="rect">
             <a:avLst/>
           </a:prstGeom>
-          <a:solidFill>
-            <a:srgbClr val="A6CEE3"/>
-          </a:solidFill>
-          <a:ln w="12700">
-            <a:solidFill>
-              <a:schemeClr val="tx1"/>
-            </a:solidFill>
+          <a:noFill/>
+          <a:ln>
+            <a:noFill/>
           </a:ln>
         </p:spPr>
         <p:style>
           <a:lnRef idx="2">
-            <a:schemeClr val="accent1">
+            <a:schemeClr val="accent2">
               <a:shade val="50000"/>
             </a:schemeClr>
           </a:lnRef>
           <a:fillRef idx="1">
-            <a:schemeClr val="accent1"/>
+            <a:schemeClr val="accent2"/>
           </a:fillRef>
           <a:effectRef idx="0">
-            <a:schemeClr val="accent1"/>
+            <a:schemeClr val="accent2"/>
           </a:effectRef>
           <a:fontRef idx="minor">
             <a:schemeClr val="lt1"/>
@@ -11857,7 +13448,7 @@
                 <a:latin typeface="Arial" pitchFamily="34" charset="0"/>
                 <a:cs typeface="Arial" pitchFamily="34" charset="0"/>
               </a:rPr>
-              <a:t>E</a:t>
+              <a:t>drop monitoring</a:t>
             </a:r>
             <a:endParaRPr lang="en-US" sz="800" dirty="0">
               <a:solidFill>
@@ -11869,10 +13460,70 @@
           </a:p>
         </p:txBody>
       </p:sp>
+      <p:sp>
+        <p:nvSpPr>
+          <p:cNvPr id="19" name="Rectangle 18"/>
+          <p:cNvSpPr/>
+          <p:nvPr/>
+        </p:nvSpPr>
+        <p:spPr>
+          <a:xfrm>
+            <a:off x="3328989" y="1056463"/>
+            <a:ext cx="743462" cy="200529"/>
+          </a:xfrm>
+          <a:prstGeom prst="rect">
+            <a:avLst/>
+          </a:prstGeom>
+          <a:noFill/>
+          <a:ln>
+            <a:noFill/>
+          </a:ln>
+        </p:spPr>
+        <p:style>
+          <a:lnRef idx="2">
+            <a:schemeClr val="accent2">
+              <a:shade val="50000"/>
+            </a:schemeClr>
+          </a:lnRef>
+          <a:fillRef idx="1">
+            <a:schemeClr val="accent2"/>
+          </a:fillRef>
+          <a:effectRef idx="0">
+            <a:schemeClr val="accent2"/>
+          </a:effectRef>
+          <a:fontRef idx="minor">
+            <a:schemeClr val="lt1"/>
+          </a:fontRef>
+        </p:style>
+        <p:txBody>
+          <a:bodyPr rtlCol="0" anchor="ctr"/>
+          <a:lstStyle/>
+          <a:p>
+            <a:pPr algn="ctr"/>
+            <a:r>
+              <a:rPr lang="en-US" sz="800" dirty="0" smtClean="0">
+                <a:solidFill>
+                  <a:schemeClr val="tx1"/>
+                </a:solidFill>
+                <a:latin typeface="Arial" pitchFamily="34" charset="0"/>
+                <a:cs typeface="Arial" pitchFamily="34" charset="0"/>
+              </a:rPr>
+              <a:t>perform monitoring</a:t>
+            </a:r>
+            <a:endParaRPr lang="en-US" sz="800" dirty="0">
+              <a:solidFill>
+                <a:schemeClr val="tx1"/>
+              </a:solidFill>
+              <a:latin typeface="Arial" pitchFamily="34" charset="0"/>
+              <a:cs typeface="Arial" pitchFamily="34" charset="0"/>
+            </a:endParaRPr>
+          </a:p>
+        </p:txBody>
+      </p:sp>
     </p:spTree>
     <p:extLst>
       <p:ext uri="{BB962C8B-B14F-4D97-AF65-F5344CB8AC3E}">
-        <p14:creationId xmlns:p14="http://schemas.microsoft.com/office/powerpoint/2010/main" val="3648215450"/>
+        <p14:creationId xmlns:p14="http://schemas.microsoft.com/office/powerpoint/2010/main" val="2149328717"/>
       </p:ext>
     </p:extLst>
   </p:cSld>
@@ -11901,62 +13552,34 @@
       </p:grpSpPr>
       <p:sp>
         <p:nvSpPr>
-          <p:cNvPr id="2" name="Oval 1"/>
-          <p:cNvSpPr/>
-          <p:nvPr/>
-        </p:nvSpPr>
-        <p:spPr>
-          <a:xfrm>
-            <a:off x="1585119" y="45700"/>
-            <a:ext cx="230429" cy="230429"/>
-          </a:xfrm>
-          <a:prstGeom prst="ellipse">
-            <a:avLst/>
-          </a:prstGeom>
-          <a:solidFill>
-            <a:srgbClr val="A6CEE3"/>
-          </a:solidFill>
-          <a:ln w="12700">
-            <a:solidFill>
-              <a:schemeClr val="tx1"/>
-            </a:solidFill>
-          </a:ln>
-        </p:spPr>
-        <p:style>
-          <a:lnRef idx="2">
-            <a:schemeClr val="accent1">
-              <a:shade val="50000"/>
-            </a:schemeClr>
-          </a:lnRef>
-          <a:fillRef idx="1">
-            <a:schemeClr val="accent1"/>
-          </a:fillRef>
-          <a:effectRef idx="0">
-            <a:schemeClr val="accent1"/>
-          </a:effectRef>
-          <a:fontRef idx="minor">
-            <a:schemeClr val="lt1"/>
-          </a:fontRef>
-        </p:style>
-        <p:txBody>
-          <a:bodyPr rtlCol="0" anchor="ctr"/>
+          <p:cNvPr id="17" name="TextBox 16"/>
+          <p:cNvSpPr txBox="1"/>
+          <p:nvPr/>
+        </p:nvSpPr>
+        <p:spPr>
+          <a:xfrm>
+            <a:off x="2856301" y="230832"/>
+            <a:ext cx="478780" cy="215444"/>
+          </a:xfrm>
+          <a:prstGeom prst="rect">
+            <a:avLst/>
+          </a:prstGeom>
+          <a:noFill/>
+        </p:spPr>
+        <p:txBody>
+          <a:bodyPr wrap="square" rtlCol="0">
+            <a:spAutoFit/>
+          </a:bodyPr>
           <a:lstStyle/>
           <a:p>
-            <a:pPr algn="ctr"/>
             <a:r>
               <a:rPr lang="en-US" sz="800" dirty="0" smtClean="0">
-                <a:solidFill>
-                  <a:schemeClr val="tx1"/>
-                </a:solidFill>
                 <a:latin typeface="Arial" pitchFamily="34" charset="0"/>
                 <a:cs typeface="Arial" pitchFamily="34" charset="0"/>
               </a:rPr>
-              <a:t>A</a:t>
+              <a:t>slack</a:t>
             </a:r>
             <a:endParaRPr lang="en-US" sz="800" dirty="0">
-              <a:solidFill>
-                <a:schemeClr val="tx1"/>
-              </a:solidFill>
               <a:latin typeface="Arial" pitchFamily="34" charset="0"/>
               <a:cs typeface="Arial" pitchFamily="34" charset="0"/>
             </a:endParaRPr>
@@ -11965,16 +13588,52 @@
       </p:sp>
       <p:sp>
         <p:nvSpPr>
-          <p:cNvPr id="3" name="Oval 2"/>
+          <p:cNvPr id="8" name="TextBox 7"/>
+          <p:cNvSpPr txBox="1"/>
+          <p:nvPr/>
+        </p:nvSpPr>
+        <p:spPr>
+          <a:xfrm>
+            <a:off x="1933593" y="123110"/>
+            <a:ext cx="279881" cy="215444"/>
+          </a:xfrm>
+          <a:prstGeom prst="rect">
+            <a:avLst/>
+          </a:prstGeom>
+          <a:noFill/>
+        </p:spPr>
+        <p:txBody>
+          <a:bodyPr wrap="square" rtlCol="0">
+            <a:spAutoFit/>
+          </a:bodyPr>
+          <a:lstStyle/>
+          <a:p>
+            <a:r>
+              <a:rPr lang="en-US" sz="800" dirty="0">
+                <a:latin typeface="Arial" pitchFamily="34" charset="0"/>
+                <a:cs typeface="Arial" pitchFamily="34" charset="0"/>
+              </a:rPr>
+              <a:t>k</a:t>
+            </a:r>
+            <a:endParaRPr lang="en-US" sz="800" dirty="0">
+              <a:latin typeface="Arial" pitchFamily="34" charset="0"/>
+              <a:cs typeface="Arial" pitchFamily="34" charset="0"/>
+            </a:endParaRPr>
+          </a:p>
+        </p:txBody>
+      </p:sp>
+      <p:sp>
+        <p:nvSpPr>
+          <p:cNvPr id="2" name="Rectangle 1"/>
           <p:cNvSpPr/>
           <p:nvPr/>
         </p:nvSpPr>
         <p:spPr>
           <a:xfrm>
-            <a:off x="2058041" y="45702"/>
-            <a:ext cx="230429" cy="230429"/>
-          </a:xfrm>
-          <a:prstGeom prst="ellipse">
+            <a:off x="1612181" y="230832"/>
+            <a:ext cx="321413" cy="155460"/>
+          </a:xfrm>
+          <a:prstGeom prst="rect">
             <a:avLst/>
           </a:prstGeom>
           <a:solidFill>
@@ -12015,9 +13674,9 @@
                 <a:latin typeface="Arial" pitchFamily="34" charset="0"/>
                 <a:cs typeface="Arial" pitchFamily="34" charset="0"/>
               </a:rPr>
-              <a:t>B</a:t>
-            </a:r>
-            <a:endParaRPr lang="en-US" sz="800" dirty="0">
+              <a:t>1/x</a:t>
+            </a:r>
+            <a:endParaRPr lang="en-US" sz="800" dirty="0" smtClean="0">
               <a:solidFill>
                 <a:schemeClr val="tx1"/>
               </a:solidFill>
@@ -12027,19 +13686,52 @@
           </a:p>
         </p:txBody>
       </p:sp>
+      <p:sp>
+        <p:nvSpPr>
+          <p:cNvPr id="3" name="TextBox 2"/>
+          <p:cNvSpPr txBox="1"/>
+          <p:nvPr/>
+        </p:nvSpPr>
+        <p:spPr>
+          <a:xfrm>
+            <a:off x="744281" y="0"/>
+            <a:ext cx="867900" cy="338554"/>
+          </a:xfrm>
+          <a:prstGeom prst="rect">
+            <a:avLst/>
+          </a:prstGeom>
+          <a:noFill/>
+        </p:spPr>
+        <p:txBody>
+          <a:bodyPr wrap="square" rtlCol="0">
+            <a:spAutoFit/>
+          </a:bodyPr>
+          <a:lstStyle/>
+          <a:p>
+            <a:r>
+              <a:rPr lang="en-US" sz="800" dirty="0" smtClean="0">
+                <a:latin typeface="Arial" pitchFamily="34" charset="0"/>
+                <a:cs typeface="Arial" pitchFamily="34" charset="0"/>
+              </a:rPr>
+              <a:t>overhead percentage</a:t>
+            </a:r>
+            <a:endParaRPr lang="en-US" sz="800" dirty="0">
+              <a:latin typeface="Arial" pitchFamily="34" charset="0"/>
+              <a:cs typeface="Arial" pitchFamily="34" charset="0"/>
+            </a:endParaRPr>
+          </a:p>
+        </p:txBody>
+      </p:sp>
       <p:cxnSp>
         <p:nvCxnSpPr>
           <p:cNvPr id="4" name="Straight Arrow Connector 3"/>
-          <p:cNvCxnSpPr>
-            <a:stCxn id="2" idx="6"/>
-            <a:endCxn id="3" idx="2"/>
-          </p:cNvCxnSpPr>
+          <p:cNvCxnSpPr/>
           <p:nvPr/>
         </p:nvCxnSpPr>
         <p:spPr>
           <a:xfrm>
-            <a:off x="1815548" y="160915"/>
-            <a:ext cx="242493" cy="2"/>
+            <a:off x="1933594" y="308562"/>
+            <a:ext cx="279881" cy="0"/>
           </a:xfrm>
           <a:prstGeom prst="straightConnector1">
             <a:avLst/>
@@ -12075,7 +13767,7 @@
         </p:nvSpPr>
         <p:spPr>
           <a:xfrm>
-            <a:off x="2530963" y="46022"/>
+            <a:off x="3335081" y="308706"/>
             <a:ext cx="230429" cy="230429"/>
           </a:xfrm>
           <a:prstGeom prst="ellipse">
@@ -12112,14 +13804,14 @@
           <a:p>
             <a:pPr algn="ctr"/>
             <a:r>
-              <a:rPr lang="en-US" sz="800" dirty="0" smtClean="0">
+              <a:rPr lang="en-US" sz="800" dirty="0">
                 <a:solidFill>
                   <a:schemeClr val="tx1"/>
                 </a:solidFill>
                 <a:latin typeface="Arial" pitchFamily="34" charset="0"/>
                 <a:cs typeface="Arial" pitchFamily="34" charset="0"/>
               </a:rPr>
-              <a:t>C</a:t>
+              <a:t>&gt;</a:t>
             </a:r>
             <a:endParaRPr lang="en-US" sz="800" dirty="0">
               <a:solidFill>
@@ -12131,55 +13823,18 @@
           </a:p>
         </p:txBody>
       </p:sp>
-      <p:cxnSp>
-        <p:nvCxnSpPr>
-          <p:cNvPr id="6" name="Straight Arrow Connector 5"/>
-          <p:cNvCxnSpPr/>
-          <p:nvPr/>
-        </p:nvCxnSpPr>
-        <p:spPr>
-          <a:xfrm>
-            <a:off x="2288470" y="161240"/>
-            <a:ext cx="242493" cy="2"/>
-          </a:xfrm>
-          <a:prstGeom prst="straightConnector1">
-            <a:avLst/>
-          </a:prstGeom>
-          <a:ln w="12700">
-            <a:solidFill>
-              <a:schemeClr val="tx1"/>
-            </a:solidFill>
-            <a:headEnd w="sm" len="sm"/>
-            <a:tailEnd type="triangle" w="med" len="med"/>
-          </a:ln>
-        </p:spPr>
-        <p:style>
-          <a:lnRef idx="1">
-            <a:schemeClr val="accent1"/>
-          </a:lnRef>
-          <a:fillRef idx="0">
-            <a:schemeClr val="accent1"/>
-          </a:fillRef>
-          <a:effectRef idx="0">
-            <a:schemeClr val="accent1"/>
-          </a:effectRef>
-          <a:fontRef idx="minor">
-            <a:schemeClr val="tx1"/>
-          </a:fontRef>
-        </p:style>
-      </p:cxnSp>
-      <p:sp>
-        <p:nvSpPr>
-          <p:cNvPr id="7" name="Oval 6"/>
+      <p:sp>
+        <p:nvSpPr>
+          <p:cNvPr id="6" name="Rectangle 5"/>
           <p:cNvSpPr/>
           <p:nvPr/>
         </p:nvSpPr>
         <p:spPr>
           <a:xfrm>
-            <a:off x="3003885" y="46022"/>
-            <a:ext cx="230429" cy="230429"/>
-          </a:xfrm>
-          <a:prstGeom prst="ellipse">
+            <a:off x="2213475" y="230831"/>
+            <a:ext cx="642827" cy="380701"/>
+          </a:xfrm>
+          <a:prstGeom prst="rect">
             <a:avLst/>
           </a:prstGeom>
           <a:solidFill>
@@ -12213,28 +13868,35 @@
           <a:p>
             <a:pPr algn="ctr"/>
             <a:r>
-              <a:rPr lang="en-US" sz="800" dirty="0">
+              <a:rPr lang="en-US" sz="800" dirty="0" smtClean="0">
                 <a:solidFill>
                   <a:schemeClr val="tx1"/>
                 </a:solidFill>
                 <a:latin typeface="Arial" pitchFamily="34" charset="0"/>
                 <a:cs typeface="Arial" pitchFamily="34" charset="0"/>
               </a:rPr>
-              <a:t>D</a:t>
-            </a:r>
+              <a:t>Slack Counter</a:t>
+            </a:r>
+            <a:endParaRPr lang="en-US" sz="800" dirty="0" smtClean="0">
+              <a:solidFill>
+                <a:schemeClr val="tx1"/>
+              </a:solidFill>
+              <a:latin typeface="Arial" pitchFamily="34" charset="0"/>
+              <a:cs typeface="Arial" pitchFamily="34" charset="0"/>
+            </a:endParaRPr>
           </a:p>
         </p:txBody>
       </p:sp>
       <p:cxnSp>
         <p:nvCxnSpPr>
-          <p:cNvPr id="8" name="Straight Arrow Connector 7"/>
+          <p:cNvPr id="9" name="Straight Arrow Connector 8"/>
           <p:cNvCxnSpPr/>
           <p:nvPr/>
         </p:nvCxnSpPr>
         <p:spPr>
           <a:xfrm>
-            <a:off x="2761392" y="161238"/>
-            <a:ext cx="242493" cy="2"/>
+            <a:off x="820481" y="531442"/>
+            <a:ext cx="1392992" cy="0"/>
           </a:xfrm>
           <a:prstGeom prst="straightConnector1">
             <a:avLst/>
@@ -12264,14 +13926,14 @@
       </p:cxnSp>
       <p:cxnSp>
         <p:nvCxnSpPr>
-          <p:cNvPr id="9" name="Straight Arrow Connector 8"/>
+          <p:cNvPr id="11" name="Straight Arrow Connector 10"/>
           <p:cNvCxnSpPr/>
           <p:nvPr/>
         </p:nvCxnSpPr>
         <p:spPr>
           <a:xfrm>
-            <a:off x="3234314" y="161236"/>
-            <a:ext cx="242493" cy="2"/>
+            <a:off x="820481" y="308562"/>
+            <a:ext cx="791700" cy="0"/>
           </a:xfrm>
           <a:prstGeom prst="straightConnector1">
             <a:avLst/>
@@ -12301,74 +13963,50 @@
       </p:cxnSp>
       <p:sp>
         <p:nvSpPr>
-          <p:cNvPr id="10" name="Oval 9"/>
-          <p:cNvSpPr/>
-          <p:nvPr/>
-        </p:nvSpPr>
-        <p:spPr>
-          <a:xfrm>
-            <a:off x="2530962" y="343520"/>
-            <a:ext cx="230429" cy="230429"/>
-          </a:xfrm>
-          <a:prstGeom prst="ellipse">
-            <a:avLst/>
-          </a:prstGeom>
-          <a:solidFill>
-            <a:srgbClr val="FFFFCC"/>
-          </a:solidFill>
-          <a:ln w="12700">
-            <a:solidFill>
-              <a:schemeClr val="tx1"/>
-            </a:solidFill>
-          </a:ln>
-        </p:spPr>
-        <p:style>
-          <a:lnRef idx="2">
-            <a:schemeClr val="accent1">
-              <a:shade val="50000"/>
-            </a:schemeClr>
-          </a:lnRef>
-          <a:fillRef idx="1">
-            <a:schemeClr val="accent1"/>
-          </a:fillRef>
-          <a:effectRef idx="0">
-            <a:schemeClr val="accent1"/>
-          </a:effectRef>
-          <a:fontRef idx="minor">
-            <a:schemeClr val="lt1"/>
-          </a:fontRef>
-        </p:style>
-        <p:txBody>
-          <a:bodyPr rtlCol="0" anchor="ctr"/>
+          <p:cNvPr id="15" name="TextBox 14"/>
+          <p:cNvSpPr txBox="1"/>
+          <p:nvPr/>
+        </p:nvSpPr>
+        <p:spPr>
+          <a:xfrm>
+            <a:off x="744281" y="349050"/>
+            <a:ext cx="791700" cy="215444"/>
+          </a:xfrm>
+          <a:prstGeom prst="rect">
+            <a:avLst/>
+          </a:prstGeom>
+          <a:noFill/>
+        </p:spPr>
+        <p:txBody>
+          <a:bodyPr wrap="square" rtlCol="0">
+            <a:spAutoFit/>
+          </a:bodyPr>
           <a:lstStyle/>
           <a:p>
-            <a:pPr algn="ctr"/>
-            <a:r>
-              <a:rPr lang="en-US" sz="800" dirty="0">
-                <a:solidFill>
-                  <a:schemeClr val="tx1"/>
-                </a:solidFill>
+            <a:r>
+              <a:rPr lang="en-US" sz="800" dirty="0" err="1" smtClean="0">
                 <a:latin typeface="Arial" pitchFamily="34" charset="0"/>
                 <a:cs typeface="Arial" pitchFamily="34" charset="0"/>
               </a:rPr>
-              <a:t>F</a:t>
-            </a:r>
+              <a:t>clk</a:t>
+            </a:r>
+            <a:endParaRPr lang="en-US" sz="800" dirty="0">
+              <a:latin typeface="Arial" pitchFamily="34" charset="0"/>
+              <a:cs typeface="Arial" pitchFamily="34" charset="0"/>
+            </a:endParaRPr>
           </a:p>
         </p:txBody>
       </p:sp>
       <p:cxnSp>
         <p:nvCxnSpPr>
-          <p:cNvPr id="11" name="Straight Arrow Connector 10"/>
-          <p:cNvCxnSpPr>
-            <a:stCxn id="3" idx="5"/>
-            <a:endCxn id="10" idx="2"/>
-          </p:cNvCxnSpPr>
+          <p:cNvPr id="16" name="Straight Arrow Connector 15"/>
+          <p:cNvCxnSpPr/>
           <p:nvPr/>
         </p:nvCxnSpPr>
         <p:spPr>
           <a:xfrm>
-            <a:off x="2254724" y="242385"/>
-            <a:ext cx="276238" cy="216350"/>
+            <a:off x="2856302" y="421181"/>
+            <a:ext cx="478779" cy="0"/>
           </a:xfrm>
           <a:prstGeom prst="straightConnector1">
             <a:avLst/>
@@ -12398,14 +14036,14 @@
       </p:cxnSp>
       <p:cxnSp>
         <p:nvCxnSpPr>
-          <p:cNvPr id="12" name="Straight Arrow Connector 11"/>
+          <p:cNvPr id="19" name="Straight Arrow Connector 18"/>
           <p:cNvCxnSpPr/>
           <p:nvPr/>
         </p:nvCxnSpPr>
         <p:spPr>
-          <a:xfrm>
-            <a:off x="2764944" y="458735"/>
-            <a:ext cx="242493" cy="2"/>
+          <a:xfrm flipV="1">
+            <a:off x="2534888" y="611532"/>
+            <a:ext cx="0" cy="228601"/>
           </a:xfrm>
           <a:prstGeom prst="straightConnector1">
             <a:avLst/>
@@ -12435,126 +14073,189 @@
       </p:cxnSp>
       <p:sp>
         <p:nvSpPr>
-          <p:cNvPr id="13" name="Rectangle 12"/>
-          <p:cNvSpPr/>
-          <p:nvPr/>
-        </p:nvSpPr>
-        <p:spPr>
-          <a:xfrm>
-            <a:off x="3007437" y="343520"/>
-            <a:ext cx="230429" cy="230429"/>
+          <p:cNvPr id="22" name="TextBox 21"/>
+          <p:cNvSpPr txBox="1"/>
+          <p:nvPr/>
+        </p:nvSpPr>
+        <p:spPr>
+          <a:xfrm>
+            <a:off x="2295498" y="790863"/>
+            <a:ext cx="478780" cy="215444"/>
           </a:xfrm>
           <a:prstGeom prst="rect">
             <a:avLst/>
           </a:prstGeom>
-          <a:solidFill>
-            <a:srgbClr val="FFFFCC"/>
-          </a:solidFill>
+          <a:noFill/>
+        </p:spPr>
+        <p:txBody>
+          <a:bodyPr wrap="square" rtlCol="0">
+            <a:spAutoFit/>
+          </a:bodyPr>
+          <a:lstStyle/>
+          <a:p>
+            <a:pPr algn="ctr"/>
+            <a:r>
+              <a:rPr lang="en-US" sz="800" dirty="0" smtClean="0">
+                <a:latin typeface="Arial" pitchFamily="34" charset="0"/>
+                <a:cs typeface="Arial" pitchFamily="34" charset="0"/>
+              </a:rPr>
+              <a:t>stall</a:t>
+            </a:r>
+            <a:endParaRPr lang="en-US" sz="800" dirty="0">
+              <a:latin typeface="Arial" pitchFamily="34" charset="0"/>
+              <a:cs typeface="Arial" pitchFamily="34" charset="0"/>
+            </a:endParaRPr>
+          </a:p>
+        </p:txBody>
+      </p:sp>
+      <p:cxnSp>
+        <p:nvCxnSpPr>
+          <p:cNvPr id="23" name="Straight Arrow Connector 22"/>
+          <p:cNvCxnSpPr/>
+          <p:nvPr/>
+        </p:nvCxnSpPr>
+        <p:spPr>
+          <a:xfrm flipV="1">
+            <a:off x="3450295" y="539305"/>
+            <a:ext cx="0" cy="300828"/>
+          </a:xfrm>
+          <a:prstGeom prst="straightConnector1">
+            <a:avLst/>
+          </a:prstGeom>
           <a:ln w="12700">
             <a:solidFill>
               <a:schemeClr val="tx1"/>
             </a:solidFill>
+            <a:headEnd w="sm" len="sm"/>
+            <a:tailEnd type="triangle" w="med" len="med"/>
           </a:ln>
         </p:spPr>
         <p:style>
-          <a:lnRef idx="2">
-            <a:schemeClr val="accent1">
-              <a:shade val="50000"/>
-            </a:schemeClr>
+          <a:lnRef idx="1">
+            <a:schemeClr val="accent1"/>
           </a:lnRef>
-          <a:fillRef idx="1">
+          <a:fillRef idx="0">
             <a:schemeClr val="accent1"/>
           </a:fillRef>
           <a:effectRef idx="0">
             <a:schemeClr val="accent1"/>
           </a:effectRef>
           <a:fontRef idx="minor">
-            <a:schemeClr val="lt1"/>
+            <a:schemeClr val="tx1"/>
           </a:fontRef>
         </p:style>
-        <p:txBody>
-          <a:bodyPr rtlCol="0" anchor="ctr"/>
+      </p:cxnSp>
+      <p:sp>
+        <p:nvSpPr>
+          <p:cNvPr id="25" name="TextBox 24"/>
+          <p:cNvSpPr txBox="1"/>
+          <p:nvPr/>
+        </p:nvSpPr>
+        <p:spPr>
+          <a:xfrm>
+            <a:off x="2954995" y="790863"/>
+            <a:ext cx="990600" cy="338554"/>
+          </a:xfrm>
+          <a:prstGeom prst="rect">
+            <a:avLst/>
+          </a:prstGeom>
+          <a:noFill/>
+        </p:spPr>
+        <p:txBody>
+          <a:bodyPr wrap="square" rtlCol="0">
+            <a:spAutoFit/>
+          </a:bodyPr>
           <a:lstStyle/>
           <a:p>
             <a:pPr algn="ctr"/>
             <a:r>
-              <a:rPr lang="en-US" sz="800" dirty="0" smtClean="0">
-                <a:solidFill>
-                  <a:schemeClr val="tx1"/>
-                </a:solidFill>
+              <a:rPr lang="en-US" sz="800" dirty="0">
                 <a:latin typeface="Arial" pitchFamily="34" charset="0"/>
                 <a:cs typeface="Arial" pitchFamily="34" charset="0"/>
               </a:rPr>
-              <a:t>G</a:t>
+              <a:t>m</a:t>
+            </a:r>
+            <a:r>
+              <a:rPr lang="en-US" sz="800" dirty="0" smtClean="0">
+                <a:latin typeface="Arial" pitchFamily="34" charset="0"/>
+                <a:cs typeface="Arial" pitchFamily="34" charset="0"/>
+              </a:rPr>
+              <a:t>onitoring execution cycles</a:t>
             </a:r>
             <a:endParaRPr lang="en-US" sz="800" dirty="0">
-              <a:solidFill>
-                <a:schemeClr val="tx1"/>
-              </a:solidFill>
               <a:latin typeface="Arial" pitchFamily="34" charset="0"/>
               <a:cs typeface="Arial" pitchFamily="34" charset="0"/>
             </a:endParaRPr>
           </a:p>
         </p:txBody>
       </p:sp>
-      <p:sp>
-        <p:nvSpPr>
-          <p:cNvPr id="14" name="Rectangle 13"/>
-          <p:cNvSpPr/>
-          <p:nvPr/>
-        </p:nvSpPr>
-        <p:spPr>
-          <a:xfrm>
-            <a:off x="3476807" y="45699"/>
-            <a:ext cx="230429" cy="230429"/>
-          </a:xfrm>
-          <a:prstGeom prst="rect">
-            <a:avLst/>
-          </a:prstGeom>
-          <a:solidFill>
-            <a:srgbClr val="FFFFCC"/>
-          </a:solidFill>
+      <p:cxnSp>
+        <p:nvCxnSpPr>
+          <p:cNvPr id="26" name="Straight Arrow Connector 25"/>
+          <p:cNvCxnSpPr/>
+          <p:nvPr/>
+        </p:nvCxnSpPr>
+        <p:spPr>
+          <a:xfrm>
+            <a:off x="3565510" y="421181"/>
+            <a:ext cx="836371" cy="0"/>
+          </a:xfrm>
+          <a:prstGeom prst="straightConnector1">
+            <a:avLst/>
+          </a:prstGeom>
           <a:ln w="12700">
             <a:solidFill>
               <a:schemeClr val="tx1"/>
             </a:solidFill>
+            <a:headEnd w="sm" len="sm"/>
+            <a:tailEnd type="triangle" w="med" len="med"/>
           </a:ln>
         </p:spPr>
         <p:style>
-          <a:lnRef idx="2">
-            <a:schemeClr val="accent1">
-              <a:shade val="50000"/>
-            </a:schemeClr>
+          <a:lnRef idx="1">
+            <a:schemeClr val="accent1"/>
           </a:lnRef>
-          <a:fillRef idx="1">
+          <a:fillRef idx="0">
             <a:schemeClr val="accent1"/>
           </a:fillRef>
           <a:effectRef idx="0">
             <a:schemeClr val="accent1"/>
           </a:effectRef>
           <a:fontRef idx="minor">
-            <a:schemeClr val="lt1"/>
+            <a:schemeClr val="tx1"/>
           </a:fontRef>
         </p:style>
-        <p:txBody>
-          <a:bodyPr rtlCol="0" anchor="ctr"/>
+      </p:cxnSp>
+      <p:sp>
+        <p:nvSpPr>
+          <p:cNvPr id="30" name="TextBox 29"/>
+          <p:cNvSpPr txBox="1"/>
+          <p:nvPr/>
+        </p:nvSpPr>
+        <p:spPr>
+          <a:xfrm>
+            <a:off x="3566319" y="222043"/>
+            <a:ext cx="990600" cy="215444"/>
+          </a:xfrm>
+          <a:prstGeom prst="rect">
+            <a:avLst/>
+          </a:prstGeom>
+          <a:noFill/>
+        </p:spPr>
+        <p:txBody>
+          <a:bodyPr wrap="square" rtlCol="0">
+            <a:spAutoFit/>
+          </a:bodyPr>
           <a:lstStyle/>
           <a:p>
-            <a:pPr algn="ctr"/>
             <a:r>
               <a:rPr lang="en-US" sz="800" dirty="0" smtClean="0">
-                <a:solidFill>
-                  <a:schemeClr val="tx1"/>
-                </a:solidFill>
                 <a:latin typeface="Arial" pitchFamily="34" charset="0"/>
                 <a:cs typeface="Arial" pitchFamily="34" charset="0"/>
               </a:rPr>
-              <a:t>E</a:t>
+              <a:t>drop decision</a:t>
             </a:r>
             <a:endParaRPr lang="en-US" sz="800" dirty="0">
-              <a:solidFill>
-                <a:schemeClr val="tx1"/>
-              </a:solidFill>
               <a:latin typeface="Arial" pitchFamily="34" charset="0"/>
               <a:cs typeface="Arial" pitchFamily="34" charset="0"/>
             </a:endParaRPr>
@@ -12564,7 +14265,7 @@
     </p:spTree>
     <p:extLst>
       <p:ext uri="{BB962C8B-B14F-4D97-AF65-F5344CB8AC3E}">
-        <p14:creationId xmlns:p14="http://schemas.microsoft.com/office/powerpoint/2010/main" val="965364603"/>
+        <p14:creationId xmlns:p14="http://schemas.microsoft.com/office/powerpoint/2010/main" val="2195139389"/>
       </p:ext>
     </p:extLst>
   </p:cSld>
@@ -12599,7 +14300,7 @@
         </p:nvSpPr>
         <p:spPr>
           <a:xfrm>
-            <a:off x="1585119" y="45700"/>
+            <a:off x="1600925" y="59789"/>
             <a:ext cx="230429" cy="230429"/>
           </a:xfrm>
           <a:prstGeom prst="ellipse">
@@ -12663,111 +14364,7 @@
         </p:nvSpPr>
         <p:spPr>
           <a:xfrm>
-            <a:off x="2058041" y="45702"/>
-            <a:ext cx="230429" cy="230429"/>
-          </a:xfrm>
-          <a:prstGeom prst="ellipse">
-            <a:avLst/>
-          </a:prstGeom>
-          <a:solidFill>
-            <a:srgbClr val="FFFFCC"/>
-          </a:solidFill>
-          <a:ln w="12700">
-            <a:solidFill>
-              <a:schemeClr val="tx1"/>
-            </a:solidFill>
-          </a:ln>
-        </p:spPr>
-        <p:style>
-          <a:lnRef idx="2">
-            <a:schemeClr val="accent1">
-              <a:shade val="50000"/>
-            </a:schemeClr>
-          </a:lnRef>
-          <a:fillRef idx="1">
-            <a:schemeClr val="accent1"/>
-          </a:fillRef>
-          <a:effectRef idx="0">
-            <a:schemeClr val="accent1"/>
-          </a:effectRef>
-          <a:fontRef idx="minor">
-            <a:schemeClr val="lt1"/>
-          </a:fontRef>
-        </p:style>
-        <p:txBody>
-          <a:bodyPr rtlCol="0" anchor="ctr"/>
-          <a:lstStyle/>
-          <a:p>
-            <a:pPr algn="ctr"/>
-            <a:r>
-              <a:rPr lang="en-US" sz="800" dirty="0" smtClean="0">
-                <a:solidFill>
-                  <a:schemeClr val="tx1"/>
-                </a:solidFill>
-                <a:latin typeface="Arial" pitchFamily="34" charset="0"/>
-                <a:cs typeface="Arial" pitchFamily="34" charset="0"/>
-              </a:rPr>
-              <a:t>B</a:t>
-            </a:r>
-            <a:endParaRPr lang="en-US" sz="800" dirty="0">
-              <a:solidFill>
-                <a:schemeClr val="tx1"/>
-              </a:solidFill>
-              <a:latin typeface="Arial" pitchFamily="34" charset="0"/>
-              <a:cs typeface="Arial" pitchFamily="34" charset="0"/>
-            </a:endParaRPr>
-          </a:p>
-        </p:txBody>
-      </p:sp>
-      <p:cxnSp>
-        <p:nvCxnSpPr>
-          <p:cNvPr id="4" name="Straight Arrow Connector 3"/>
-          <p:cNvCxnSpPr>
-            <a:stCxn id="2" idx="6"/>
-            <a:endCxn id="3" idx="2"/>
-          </p:cNvCxnSpPr>
-          <p:nvPr/>
-        </p:nvCxnSpPr>
-        <p:spPr>
-          <a:xfrm>
-            <a:off x="1815548" y="160915"/>
-            <a:ext cx="242493" cy="2"/>
-          </a:xfrm>
-          <a:prstGeom prst="straightConnector1">
-            <a:avLst/>
-          </a:prstGeom>
-          <a:ln w="12700">
-            <a:solidFill>
-              <a:schemeClr val="tx1"/>
-            </a:solidFill>
-            <a:headEnd w="sm" len="sm"/>
-            <a:tailEnd type="triangle" w="med" len="med"/>
-          </a:ln>
-        </p:spPr>
-        <p:style>
-          <a:lnRef idx="1">
-            <a:schemeClr val="accent1"/>
-          </a:lnRef>
-          <a:fillRef idx="0">
-            <a:schemeClr val="accent1"/>
-          </a:fillRef>
-          <a:effectRef idx="0">
-            <a:schemeClr val="accent1"/>
-          </a:effectRef>
-          <a:fontRef idx="minor">
-            <a:schemeClr val="tx1"/>
-          </a:fontRef>
-        </p:style>
-      </p:cxnSp>
-      <p:sp>
-        <p:nvSpPr>
-          <p:cNvPr id="5" name="Oval 4"/>
-          <p:cNvSpPr/>
-          <p:nvPr/>
-        </p:nvSpPr>
-        <p:spPr>
-          <a:xfrm>
-            <a:off x="2530963" y="46022"/>
+            <a:off x="2073847" y="59791"/>
             <a:ext cx="230429" cy="230429"/>
           </a:xfrm>
           <a:prstGeom prst="ellipse">
@@ -12811,7 +14408,7 @@
                 <a:latin typeface="Arial" pitchFamily="34" charset="0"/>
                 <a:cs typeface="Arial" pitchFamily="34" charset="0"/>
               </a:rPr>
-              <a:t>C</a:t>
+              <a:t>B</a:t>
             </a:r>
             <a:endParaRPr lang="en-US" sz="800" dirty="0">
               <a:solidFill>
@@ -12825,13 +14422,16 @@
       </p:sp>
       <p:cxnSp>
         <p:nvCxnSpPr>
-          <p:cNvPr id="6" name="Straight Arrow Connector 5"/>
-          <p:cNvCxnSpPr/>
+          <p:cNvPr id="4" name="Straight Arrow Connector 3"/>
+          <p:cNvCxnSpPr>
+            <a:stCxn id="2" idx="6"/>
+            <a:endCxn id="3" idx="2"/>
+          </p:cNvCxnSpPr>
           <p:nvPr/>
         </p:nvCxnSpPr>
         <p:spPr>
           <a:xfrm>
-            <a:off x="2288470" y="161240"/>
+            <a:off x="1831354" y="175004"/>
             <a:ext cx="242493" cy="2"/>
           </a:xfrm>
           <a:prstGeom prst="straightConnector1">
@@ -12862,20 +14462,20 @@
       </p:cxnSp>
       <p:sp>
         <p:nvSpPr>
-          <p:cNvPr id="7" name="Oval 6"/>
+          <p:cNvPr id="5" name="Oval 4"/>
           <p:cNvSpPr/>
           <p:nvPr/>
         </p:nvSpPr>
         <p:spPr>
           <a:xfrm>
-            <a:off x="3003885" y="46022"/>
+            <a:off x="2546769" y="60111"/>
             <a:ext cx="230429" cy="230429"/>
           </a:xfrm>
           <a:prstGeom prst="ellipse">
             <a:avLst/>
           </a:prstGeom>
           <a:solidFill>
-            <a:srgbClr val="FFFFCC"/>
+            <a:srgbClr val="A6CEE3"/>
           </a:solidFill>
           <a:ln w="12700">
             <a:solidFill>
@@ -12905,6 +14505,107 @@
           <a:p>
             <a:pPr algn="ctr"/>
             <a:r>
+              <a:rPr lang="en-US" sz="800" dirty="0" smtClean="0">
+                <a:solidFill>
+                  <a:schemeClr val="tx1"/>
+                </a:solidFill>
+                <a:latin typeface="Arial" pitchFamily="34" charset="0"/>
+                <a:cs typeface="Arial" pitchFamily="34" charset="0"/>
+              </a:rPr>
+              <a:t>C</a:t>
+            </a:r>
+            <a:endParaRPr lang="en-US" sz="800" dirty="0">
+              <a:solidFill>
+                <a:schemeClr val="tx1"/>
+              </a:solidFill>
+              <a:latin typeface="Arial" pitchFamily="34" charset="0"/>
+              <a:cs typeface="Arial" pitchFamily="34" charset="0"/>
+            </a:endParaRPr>
+          </a:p>
+        </p:txBody>
+      </p:sp>
+      <p:cxnSp>
+        <p:nvCxnSpPr>
+          <p:cNvPr id="6" name="Straight Arrow Connector 5"/>
+          <p:cNvCxnSpPr/>
+          <p:nvPr/>
+        </p:nvCxnSpPr>
+        <p:spPr>
+          <a:xfrm>
+            <a:off x="2304276" y="175329"/>
+            <a:ext cx="242493" cy="2"/>
+          </a:xfrm>
+          <a:prstGeom prst="straightConnector1">
+            <a:avLst/>
+          </a:prstGeom>
+          <a:ln w="12700">
+            <a:solidFill>
+              <a:schemeClr val="tx1"/>
+            </a:solidFill>
+            <a:headEnd w="sm" len="sm"/>
+            <a:tailEnd type="triangle" w="med" len="med"/>
+          </a:ln>
+        </p:spPr>
+        <p:style>
+          <a:lnRef idx="1">
+            <a:schemeClr val="accent1"/>
+          </a:lnRef>
+          <a:fillRef idx="0">
+            <a:schemeClr val="accent1"/>
+          </a:fillRef>
+          <a:effectRef idx="0">
+            <a:schemeClr val="accent1"/>
+          </a:effectRef>
+          <a:fontRef idx="minor">
+            <a:schemeClr val="tx1"/>
+          </a:fontRef>
+        </p:style>
+      </p:cxnSp>
+      <p:sp>
+        <p:nvSpPr>
+          <p:cNvPr id="7" name="Oval 6"/>
+          <p:cNvSpPr/>
+          <p:nvPr/>
+        </p:nvSpPr>
+        <p:spPr>
+          <a:xfrm>
+            <a:off x="3019691" y="60111"/>
+            <a:ext cx="230429" cy="230429"/>
+          </a:xfrm>
+          <a:prstGeom prst="ellipse">
+            <a:avLst/>
+          </a:prstGeom>
+          <a:solidFill>
+            <a:srgbClr val="A6CEE3"/>
+          </a:solidFill>
+          <a:ln w="12700">
+            <a:solidFill>
+              <a:schemeClr val="tx1"/>
+            </a:solidFill>
+          </a:ln>
+        </p:spPr>
+        <p:style>
+          <a:lnRef idx="2">
+            <a:schemeClr val="accent1">
+              <a:shade val="50000"/>
+            </a:schemeClr>
+          </a:lnRef>
+          <a:fillRef idx="1">
+            <a:schemeClr val="accent1"/>
+          </a:fillRef>
+          <a:effectRef idx="0">
+            <a:schemeClr val="accent1"/>
+          </a:effectRef>
+          <a:fontRef idx="minor">
+            <a:schemeClr val="lt1"/>
+          </a:fontRef>
+        </p:style>
+        <p:txBody>
+          <a:bodyPr rtlCol="0" anchor="ctr"/>
+          <a:lstStyle/>
+          <a:p>
+            <a:pPr algn="ctr"/>
+            <a:r>
               <a:rPr lang="en-US" sz="800" dirty="0">
                 <a:solidFill>
                   <a:schemeClr val="tx1"/>
@@ -12925,7 +14626,7 @@
         </p:nvCxnSpPr>
         <p:spPr>
           <a:xfrm>
-            <a:off x="2761392" y="161238"/>
+            <a:off x="2777198" y="175327"/>
             <a:ext cx="242493" cy="2"/>
           </a:xfrm>
           <a:prstGeom prst="straightConnector1">
@@ -12962,7 +14663,7 @@
         </p:nvCxnSpPr>
         <p:spPr>
           <a:xfrm>
-            <a:off x="3234314" y="161236"/>
+            <a:off x="3250120" y="175325"/>
             <a:ext cx="242493" cy="2"/>
           </a:xfrm>
           <a:prstGeom prst="straightConnector1">
@@ -12999,7 +14700,7 @@
         </p:nvSpPr>
         <p:spPr>
           <a:xfrm>
-            <a:off x="2530962" y="343520"/>
+            <a:off x="2546768" y="357609"/>
             <a:ext cx="230429" cy="230429"/>
           </a:xfrm>
           <a:prstGeom prst="ellipse">
@@ -13059,7 +14760,7 @@
         </p:nvCxnSpPr>
         <p:spPr>
           <a:xfrm>
-            <a:off x="2254724" y="242385"/>
+            <a:off x="2270530" y="256474"/>
             <a:ext cx="276238" cy="216350"/>
           </a:xfrm>
           <a:prstGeom prst="straightConnector1">
@@ -13096,7 +14797,7 @@
         </p:nvCxnSpPr>
         <p:spPr>
           <a:xfrm>
-            <a:off x="2764944" y="458735"/>
+            <a:off x="2780750" y="472824"/>
             <a:ext cx="242493" cy="2"/>
           </a:xfrm>
           <a:prstGeom prst="straightConnector1">
@@ -13133,14 +14834,14 @@
         </p:nvSpPr>
         <p:spPr>
           <a:xfrm>
-            <a:off x="3007437" y="343520"/>
+            <a:off x="3023243" y="357609"/>
             <a:ext cx="230429" cy="230429"/>
           </a:xfrm>
           <a:prstGeom prst="rect">
             <a:avLst/>
           </a:prstGeom>
           <a:solidFill>
-            <a:srgbClr val="FFFFCC"/>
+            <a:srgbClr val="A6CEE3"/>
           </a:solidFill>
           <a:ln w="12700">
             <a:solidFill>
@@ -13197,14 +14898,14 @@
         </p:nvSpPr>
         <p:spPr>
           <a:xfrm>
-            <a:off x="3476807" y="45699"/>
+            <a:off x="3492613" y="59788"/>
             <a:ext cx="230429" cy="230429"/>
           </a:xfrm>
           <a:prstGeom prst="rect">
             <a:avLst/>
           </a:prstGeom>
           <a:solidFill>
-            <a:srgbClr val="FFFFCC"/>
+            <a:srgbClr val="A6CEE3"/>
           </a:solidFill>
           <a:ln w="12700">
             <a:solidFill>
@@ -13256,7 +14957,7 @@
     </p:spTree>
     <p:extLst>
       <p:ext uri="{BB962C8B-B14F-4D97-AF65-F5344CB8AC3E}">
-        <p14:creationId xmlns:p14="http://schemas.microsoft.com/office/powerpoint/2010/main" val="1895283960"/>
+        <p14:creationId xmlns:p14="http://schemas.microsoft.com/office/powerpoint/2010/main" val="3648215450"/>
       </p:ext>
     </p:extLst>
   </p:cSld>

--- a/monitoring_dift_drop/figs_src/diagrams-wide.pptx
+++ b/monitoring_dift_drop/figs_src/diagrams-wide.pptx
@@ -298,7 +298,7 @@
           <a:p>
             <a:fld id="{D9DE92D4-3454-4E80-9822-1258D18FA6E8}" type="datetimeFigureOut">
               <a:rPr lang="en-US" smtClean="0"/>
-              <a:t>3/7/2015</a:t>
+              <a:t>8/3/2015</a:t>
             </a:fld>
             <a:endParaRPr lang="en-US"/>
           </a:p>
@@ -468,7 +468,7 @@
           <a:p>
             <a:fld id="{D9DE92D4-3454-4E80-9822-1258D18FA6E8}" type="datetimeFigureOut">
               <a:rPr lang="en-US" smtClean="0"/>
-              <a:t>3/7/2015</a:t>
+              <a:t>8/3/2015</a:t>
             </a:fld>
             <a:endParaRPr lang="en-US"/>
           </a:p>
@@ -648,7 +648,7 @@
           <a:p>
             <a:fld id="{D9DE92D4-3454-4E80-9822-1258D18FA6E8}" type="datetimeFigureOut">
               <a:rPr lang="en-US" smtClean="0"/>
-              <a:t>3/7/2015</a:t>
+              <a:t>8/3/2015</a:t>
             </a:fld>
             <a:endParaRPr lang="en-US"/>
           </a:p>
@@ -818,7 +818,7 @@
           <a:p>
             <a:fld id="{D9DE92D4-3454-4E80-9822-1258D18FA6E8}" type="datetimeFigureOut">
               <a:rPr lang="en-US" smtClean="0"/>
-              <a:t>3/7/2015</a:t>
+              <a:t>8/3/2015</a:t>
             </a:fld>
             <a:endParaRPr lang="en-US"/>
           </a:p>
@@ -1064,7 +1064,7 @@
           <a:p>
             <a:fld id="{D9DE92D4-3454-4E80-9822-1258D18FA6E8}" type="datetimeFigureOut">
               <a:rPr lang="en-US" smtClean="0"/>
-              <a:t>3/7/2015</a:t>
+              <a:t>8/3/2015</a:t>
             </a:fld>
             <a:endParaRPr lang="en-US"/>
           </a:p>
@@ -1352,7 +1352,7 @@
           <a:p>
             <a:fld id="{D9DE92D4-3454-4E80-9822-1258D18FA6E8}" type="datetimeFigureOut">
               <a:rPr lang="en-US" smtClean="0"/>
-              <a:t>3/7/2015</a:t>
+              <a:t>8/3/2015</a:t>
             </a:fld>
             <a:endParaRPr lang="en-US"/>
           </a:p>
@@ -1779,7 +1779,7 @@
           <a:p>
             <a:fld id="{D9DE92D4-3454-4E80-9822-1258D18FA6E8}" type="datetimeFigureOut">
               <a:rPr lang="en-US" smtClean="0"/>
-              <a:t>3/7/2015</a:t>
+              <a:t>8/3/2015</a:t>
             </a:fld>
             <a:endParaRPr lang="en-US"/>
           </a:p>
@@ -1897,7 +1897,7 @@
           <a:p>
             <a:fld id="{D9DE92D4-3454-4E80-9822-1258D18FA6E8}" type="datetimeFigureOut">
               <a:rPr lang="en-US" smtClean="0"/>
-              <a:t>3/7/2015</a:t>
+              <a:t>8/3/2015</a:t>
             </a:fld>
             <a:endParaRPr lang="en-US"/>
           </a:p>
@@ -1992,7 +1992,7 @@
           <a:p>
             <a:fld id="{D9DE92D4-3454-4E80-9822-1258D18FA6E8}" type="datetimeFigureOut">
               <a:rPr lang="en-US" smtClean="0"/>
-              <a:t>3/7/2015</a:t>
+              <a:t>8/3/2015</a:t>
             </a:fld>
             <a:endParaRPr lang="en-US"/>
           </a:p>
@@ -2269,7 +2269,7 @@
           <a:p>
             <a:fld id="{D9DE92D4-3454-4E80-9822-1258D18FA6E8}" type="datetimeFigureOut">
               <a:rPr lang="en-US" smtClean="0"/>
-              <a:t>3/7/2015</a:t>
+              <a:t>8/3/2015</a:t>
             </a:fld>
             <a:endParaRPr lang="en-US"/>
           </a:p>
@@ -2522,7 +2522,7 @@
           <a:p>
             <a:fld id="{D9DE92D4-3454-4E80-9822-1258D18FA6E8}" type="datetimeFigureOut">
               <a:rPr lang="en-US" smtClean="0"/>
-              <a:t>3/7/2015</a:t>
+              <a:t>8/3/2015</a:t>
             </a:fld>
             <a:endParaRPr lang="en-US"/>
           </a:p>
@@ -2735,7 +2735,7 @@
           <a:p>
             <a:fld id="{D9DE92D4-3454-4E80-9822-1258D18FA6E8}" type="datetimeFigureOut">
               <a:rPr lang="en-US" smtClean="0"/>
-              <a:t>3/7/2015</a:t>
+              <a:t>8/3/2015</a:t>
             </a:fld>
             <a:endParaRPr lang="en-US"/>
           </a:p>
@@ -6535,11 +6535,11 @@
           <a:p>
             <a:pPr algn="ctr"/>
             <a:r>
-              <a:rPr lang="en-US" sz="800" dirty="0" smtClean="0">
+              <a:rPr lang="en-US" sz="800" smtClean="0">
                 <a:latin typeface="Arial" pitchFamily="34" charset="0"/>
                 <a:cs typeface="Arial" pitchFamily="34" charset="0"/>
               </a:rPr>
-              <a:t>Monitor</a:t>
+              <a:t>Monitoring Core</a:t>
             </a:r>
             <a:endParaRPr lang="en-US" sz="800" dirty="0">
               <a:latin typeface="Arial" pitchFamily="34" charset="0"/>
@@ -7747,14 +7747,27 @@
           <a:p>
             <a:pPr algn="ctr"/>
             <a:r>
-              <a:rPr lang="en-US" sz="800" smtClean="0">
+              <a:rPr lang="en-US" sz="800" dirty="0" smtClean="0">
                 <a:solidFill>
                   <a:schemeClr val="tx1"/>
                 </a:solidFill>
                 <a:latin typeface="Arial" pitchFamily="34" charset="0"/>
                 <a:cs typeface="Arial" pitchFamily="34" charset="0"/>
               </a:rPr>
-              <a:t>Monitor</a:t>
+              <a:t>Monitoring</a:t>
+            </a:r>
+          </a:p>
+          <a:p>
+            <a:pPr algn="ctr"/>
+            <a:r>
+              <a:rPr lang="en-US" sz="800" dirty="0" smtClean="0">
+                <a:solidFill>
+                  <a:schemeClr val="tx1"/>
+                </a:solidFill>
+                <a:latin typeface="Arial" pitchFamily="34" charset="0"/>
+                <a:cs typeface="Arial" pitchFamily="34" charset="0"/>
+              </a:rPr>
+              <a:t>Core</a:t>
             </a:r>
             <a:endParaRPr lang="en-US" sz="800" dirty="0" smtClean="0">
               <a:solidFill>
@@ -13615,10 +13628,6 @@
               </a:rPr>
               <a:t>k</a:t>
             </a:r>
-            <a:endParaRPr lang="en-US" sz="800" dirty="0">
-              <a:latin typeface="Arial" pitchFamily="34" charset="0"/>
-              <a:cs typeface="Arial" pitchFamily="34" charset="0"/>
-            </a:endParaRPr>
           </a:p>
         </p:txBody>
       </p:sp>
@@ -13676,13 +13685,6 @@
               </a:rPr>
               <a:t>1/x</a:t>
             </a:r>
-            <a:endParaRPr lang="en-US" sz="800" dirty="0" smtClean="0">
-              <a:solidFill>
-                <a:schemeClr val="tx1"/>
-              </a:solidFill>
-              <a:latin typeface="Arial" pitchFamily="34" charset="0"/>
-              <a:cs typeface="Arial" pitchFamily="34" charset="0"/>
-            </a:endParaRPr>
           </a:p>
         </p:txBody>
       </p:sp>
@@ -13813,13 +13815,6 @@
               </a:rPr>
               <a:t>&gt;</a:t>
             </a:r>
-            <a:endParaRPr lang="en-US" sz="800" dirty="0">
-              <a:solidFill>
-                <a:schemeClr val="tx1"/>
-              </a:solidFill>
-              <a:latin typeface="Arial" pitchFamily="34" charset="0"/>
-              <a:cs typeface="Arial" pitchFamily="34" charset="0"/>
-            </a:endParaRPr>
           </a:p>
         </p:txBody>
       </p:sp>
@@ -13877,13 +13872,6 @@
               </a:rPr>
               <a:t>Slack Counter</a:t>
             </a:r>
-            <a:endParaRPr lang="en-US" sz="800" dirty="0" smtClean="0">
-              <a:solidFill>
-                <a:schemeClr val="tx1"/>
-              </a:solidFill>
-              <a:latin typeface="Arial" pitchFamily="34" charset="0"/>
-              <a:cs typeface="Arial" pitchFamily="34" charset="0"/>
-            </a:endParaRPr>
           </a:p>
         </p:txBody>
       </p:sp>
